--- a/lectures/week10/lecture2/slides/week10_lecture2.pptx
+++ b/lectures/week10/lecture2/slides/week10_lecture2.pptx
@@ -9610,7 +9610,7 @@
                 <a:latin typeface="Courier New" panose="02070309020205020404" pitchFamily="49" charset="0"/>
                 <a:cs typeface="Courier New" panose="02070309020205020404" pitchFamily="49" charset="0"/>
               </a:rPr>
-              <a:t>Class.method</a:t>
+              <a:t>class.method</a:t>
             </a:r>
             <a:r>
               <a:rPr lang="en-US" b="1" dirty="0">

--- a/lectures/week10/lecture2/slides/week10_lecture2.pptx
+++ b/lectures/week10/lecture2/slides/week10_lecture2.pptx
@@ -20,25 +20,29 @@
     <p:sldId id="377" r:id="rId14"/>
     <p:sldId id="376" r:id="rId15"/>
     <p:sldId id="378" r:id="rId16"/>
-    <p:sldId id="379" r:id="rId17"/>
-    <p:sldId id="344" r:id="rId18"/>
-    <p:sldId id="362" r:id="rId19"/>
-    <p:sldId id="351" r:id="rId20"/>
-    <p:sldId id="357" r:id="rId21"/>
-    <p:sldId id="358" r:id="rId22"/>
-    <p:sldId id="359" r:id="rId23"/>
-    <p:sldId id="380" r:id="rId24"/>
-    <p:sldId id="360" r:id="rId25"/>
-    <p:sldId id="361" r:id="rId26"/>
-    <p:sldId id="364" r:id="rId27"/>
-    <p:sldId id="363" r:id="rId28"/>
-    <p:sldId id="365" r:id="rId29"/>
-    <p:sldId id="366" r:id="rId30"/>
-    <p:sldId id="367" r:id="rId31"/>
-    <p:sldId id="368" r:id="rId32"/>
-    <p:sldId id="369" r:id="rId33"/>
-    <p:sldId id="370" r:id="rId34"/>
-    <p:sldId id="325" r:id="rId35"/>
+    <p:sldId id="382" r:id="rId17"/>
+    <p:sldId id="383" r:id="rId18"/>
+    <p:sldId id="379" r:id="rId19"/>
+    <p:sldId id="384" r:id="rId20"/>
+    <p:sldId id="344" r:id="rId21"/>
+    <p:sldId id="362" r:id="rId22"/>
+    <p:sldId id="351" r:id="rId23"/>
+    <p:sldId id="357" r:id="rId24"/>
+    <p:sldId id="381" r:id="rId25"/>
+    <p:sldId id="358" r:id="rId26"/>
+    <p:sldId id="359" r:id="rId27"/>
+    <p:sldId id="380" r:id="rId28"/>
+    <p:sldId id="360" r:id="rId29"/>
+    <p:sldId id="361" r:id="rId30"/>
+    <p:sldId id="364" r:id="rId31"/>
+    <p:sldId id="363" r:id="rId32"/>
+    <p:sldId id="365" r:id="rId33"/>
+    <p:sldId id="366" r:id="rId34"/>
+    <p:sldId id="367" r:id="rId35"/>
+    <p:sldId id="368" r:id="rId36"/>
+    <p:sldId id="369" r:id="rId37"/>
+    <p:sldId id="370" r:id="rId38"/>
+    <p:sldId id="325" r:id="rId39"/>
   </p:sldIdLst>
   <p:sldSz cx="12192000" cy="6858000"/>
   <p:notesSz cx="6858000" cy="9144000"/>
@@ -157,11 +161,15 @@
             <p14:sldId id="377"/>
             <p14:sldId id="376"/>
             <p14:sldId id="378"/>
+            <p14:sldId id="382"/>
+            <p14:sldId id="383"/>
             <p14:sldId id="379"/>
+            <p14:sldId id="384"/>
             <p14:sldId id="344"/>
             <p14:sldId id="362"/>
             <p14:sldId id="351"/>
             <p14:sldId id="357"/>
+            <p14:sldId id="381"/>
             <p14:sldId id="358"/>
             <p14:sldId id="359"/>
             <p14:sldId id="380"/>
@@ -3580,7 +3588,39 @@
                   <a:schemeClr val="accent2"/>
                 </a:solidFill>
               </a:rPr>
-              <a:t>this</a:t>
+              <a:t>this </a:t>
+            </a:r>
+            <a:r>
+              <a:rPr lang="en-US" dirty="0">
+                <a:solidFill>
+                  <a:schemeClr val="accent6"/>
+                </a:solidFill>
+              </a:rPr>
+              <a:t>(</a:t>
+            </a:r>
+            <a:r>
+              <a:rPr lang="en-US" dirty="0"/>
+              <a:t>JavaScript</a:t>
+            </a:r>
+            <a:r>
+              <a:rPr lang="en-US" dirty="0">
+                <a:solidFill>
+                  <a:schemeClr val="accent6"/>
+                </a:solidFill>
+              </a:rPr>
+              <a:t>, </a:t>
+            </a:r>
+            <a:r>
+              <a:rPr lang="en-US" dirty="0"/>
+              <a:t>Java</a:t>
+            </a:r>
+            <a:r>
+              <a:rPr lang="en-US" dirty="0">
+                <a:solidFill>
+                  <a:schemeClr val="accent6"/>
+                </a:solidFill>
+              </a:rPr>
+              <a:t>)</a:t>
             </a:r>
           </a:p>
           <a:p>
@@ -4177,12 +4217,28 @@
           <a:lstStyle/>
           <a:p>
             <a:r>
+              <a:rPr lang="en-US" dirty="0">
+                <a:solidFill>
+                  <a:srgbClr val="FFFFFF"/>
+                </a:solidFill>
+              </a:rPr>
+              <a:t>An </a:t>
+            </a:r>
+            <a:r>
               <a:rPr lang="en-US" b="1" dirty="0">
                 <a:solidFill>
                   <a:srgbClr val="E00BE5"/>
                 </a:solidFill>
               </a:rPr>
-              <a:t>Attribute</a:t>
+              <a:t>Attribute </a:t>
+            </a:r>
+            <a:r>
+              <a:rPr lang="en-US" dirty="0">
+                <a:solidFill>
+                  <a:srgbClr val="FFFFFF"/>
+                </a:solidFill>
+              </a:rPr>
+              <a:t>is like a variable</a:t>
             </a:r>
             <a:r>
               <a:rPr lang="en-US" b="1" dirty="0">
@@ -4376,6 +4432,1234 @@
 </file>
 
 <file path=ppt/slides/slide16.xml><?xml version="1.0" encoding="utf-8"?>
+<p:sld xmlns:a="http://schemas.openxmlformats.org/drawingml/2006/main" xmlns:r="http://schemas.openxmlformats.org/officeDocument/2006/relationships" xmlns:p="http://schemas.openxmlformats.org/presentationml/2006/main">
+  <p:cSld>
+    <p:spTree>
+      <p:nvGrpSpPr>
+        <p:cNvPr id="1" name=""/>
+        <p:cNvGrpSpPr/>
+        <p:nvPr/>
+      </p:nvGrpSpPr>
+      <p:grpSpPr>
+        <a:xfrm>
+          <a:off x="0" y="0"/>
+          <a:ext cx="0" cy="0"/>
+          <a:chOff x="0" y="0"/>
+          <a:chExt cx="0" cy="0"/>
+        </a:xfrm>
+      </p:grpSpPr>
+      <p:sp>
+        <p:nvSpPr>
+          <p:cNvPr id="2" name="Title 1">
+            <a:extLst>
+              <a:ext uri="{FF2B5EF4-FFF2-40B4-BE49-F238E27FC236}">
+                <a16:creationId xmlns:a16="http://schemas.microsoft.com/office/drawing/2014/main" id="{D9DA742D-1B93-4351-9522-5F2B39F3DEF7}"/>
+              </a:ext>
+            </a:extLst>
+          </p:cNvPr>
+          <p:cNvSpPr>
+            <a:spLocks noGrp="1"/>
+          </p:cNvSpPr>
+          <p:nvPr>
+            <p:ph type="title"/>
+          </p:nvPr>
+        </p:nvSpPr>
+        <p:spPr/>
+        <p:txBody>
+          <a:bodyPr>
+            <a:normAutofit fontScale="90000"/>
+          </a:bodyPr>
+          <a:lstStyle/>
+          <a:p>
+            <a:r>
+              <a:rPr lang="en-US" b="1" dirty="0">
+                <a:solidFill>
+                  <a:schemeClr val="accent6"/>
+                </a:solidFill>
+              </a:rPr>
+              <a:t>OOP</a:t>
+            </a:r>
+            <a:r>
+              <a:rPr lang="en-US" b="1" dirty="0"/>
+              <a:t> Recap</a:t>
+            </a:r>
+          </a:p>
+        </p:txBody>
+      </p:sp>
+      <p:sp>
+        <p:nvSpPr>
+          <p:cNvPr id="5" name="Content Placeholder 2">
+            <a:extLst>
+              <a:ext uri="{FF2B5EF4-FFF2-40B4-BE49-F238E27FC236}">
+                <a16:creationId xmlns:a16="http://schemas.microsoft.com/office/drawing/2014/main" id="{F4E1B242-74FE-4433-A023-0912F16D8EEB}"/>
+              </a:ext>
+            </a:extLst>
+          </p:cNvPr>
+          <p:cNvSpPr>
+            <a:spLocks noGrp="1"/>
+          </p:cNvSpPr>
+          <p:nvPr>
+            <p:ph idx="1"/>
+          </p:nvPr>
+        </p:nvSpPr>
+        <p:spPr>
+          <a:xfrm>
+            <a:off x="838200" y="1825624"/>
+            <a:ext cx="4819281" cy="4835479"/>
+          </a:xfrm>
+        </p:spPr>
+        <p:txBody>
+          <a:bodyPr>
+            <a:normAutofit/>
+          </a:bodyPr>
+          <a:lstStyle/>
+          <a:p>
+            <a:r>
+              <a:rPr lang="en-US" dirty="0"/>
+              <a:t>Accessing attributes </a:t>
+            </a:r>
+            <a:r>
+              <a:rPr lang="en-US" dirty="0">
+                <a:solidFill>
+                  <a:schemeClr val="accent2"/>
+                </a:solidFill>
+              </a:rPr>
+              <a:t>(</a:t>
+            </a:r>
+            <a:r>
+              <a:rPr lang="en-US" dirty="0"/>
+              <a:t>Data</a:t>
+            </a:r>
+            <a:r>
+              <a:rPr lang="en-US" dirty="0">
+                <a:solidFill>
+                  <a:schemeClr val="accent2"/>
+                </a:solidFill>
+              </a:rPr>
+              <a:t>)</a:t>
+            </a:r>
+            <a:r>
+              <a:rPr lang="en-US" dirty="0"/>
+              <a:t> and methods </a:t>
+            </a:r>
+            <a:r>
+              <a:rPr lang="en-US" dirty="0">
+                <a:solidFill>
+                  <a:schemeClr val="accent2"/>
+                </a:solidFill>
+              </a:rPr>
+              <a:t>(</a:t>
+            </a:r>
+            <a:r>
+              <a:rPr lang="en-US" dirty="0"/>
+              <a:t>Functions</a:t>
+            </a:r>
+            <a:r>
+              <a:rPr lang="en-US" dirty="0">
+                <a:solidFill>
+                  <a:schemeClr val="accent2"/>
+                </a:solidFill>
+              </a:rPr>
+              <a:t>)</a:t>
+            </a:r>
+            <a:r>
+              <a:rPr lang="en-US" dirty="0"/>
+              <a:t> is different</a:t>
+            </a:r>
+            <a:r>
+              <a:rPr lang="en-US" dirty="0">
+                <a:solidFill>
+                  <a:schemeClr val="accent2"/>
+                </a:solidFill>
+              </a:rPr>
+              <a:t>.</a:t>
+            </a:r>
+            <a:endParaRPr lang="en-US" b="1" dirty="0">
+              <a:solidFill>
+                <a:schemeClr val="accent2"/>
+              </a:solidFill>
+            </a:endParaRPr>
+          </a:p>
+        </p:txBody>
+      </p:sp>
+      <p:sp>
+        <p:nvSpPr>
+          <p:cNvPr id="7" name="TextBox 6">
+            <a:extLst>
+              <a:ext uri="{FF2B5EF4-FFF2-40B4-BE49-F238E27FC236}">
+                <a16:creationId xmlns:a16="http://schemas.microsoft.com/office/drawing/2014/main" id="{00CB9E2E-63E2-4DE9-BA90-E907CF05A1A5}"/>
+              </a:ext>
+            </a:extLst>
+          </p:cNvPr>
+          <p:cNvSpPr txBox="1"/>
+          <p:nvPr/>
+        </p:nvSpPr>
+        <p:spPr>
+          <a:xfrm>
+            <a:off x="1053764" y="3653591"/>
+            <a:ext cx="4515230" cy="2246769"/>
+          </a:xfrm>
+          <a:prstGeom prst="rect">
+            <a:avLst/>
+          </a:prstGeom>
+          <a:noFill/>
+        </p:spPr>
+        <p:txBody>
+          <a:bodyPr wrap="square" rtlCol="0">
+            <a:spAutoFit/>
+          </a:bodyPr>
+          <a:lstStyle/>
+          <a:p>
+            <a:r>
+              <a:rPr lang="en-US" sz="2800" b="1" dirty="0">
+                <a:solidFill>
+                  <a:srgbClr val="00FF00"/>
+                </a:solidFill>
+                <a:latin typeface="Courier New" panose="02070309020205020404" pitchFamily="49" charset="0"/>
+                <a:cs typeface="Courier New" panose="02070309020205020404" pitchFamily="49" charset="0"/>
+              </a:rPr>
+              <a:t>ben = Turtle(</a:t>
+            </a:r>
+            <a:r>
+              <a:rPr lang="en-US" sz="2800" b="1" dirty="0">
+                <a:solidFill>
+                  <a:schemeClr val="accent2"/>
+                </a:solidFill>
+                <a:latin typeface="Courier New" panose="02070309020205020404" pitchFamily="49" charset="0"/>
+                <a:cs typeface="Courier New" panose="02070309020205020404" pitchFamily="49" charset="0"/>
+              </a:rPr>
+              <a:t>0</a:t>
+            </a:r>
+            <a:r>
+              <a:rPr lang="en-US" sz="2800" b="1" dirty="0">
+                <a:solidFill>
+                  <a:srgbClr val="00FF00"/>
+                </a:solidFill>
+                <a:latin typeface="Courier New" panose="02070309020205020404" pitchFamily="49" charset="0"/>
+                <a:cs typeface="Courier New" panose="02070309020205020404" pitchFamily="49" charset="0"/>
+              </a:rPr>
+              <a:t>, </a:t>
+            </a:r>
+            <a:r>
+              <a:rPr lang="en-US" sz="2800" b="1" dirty="0">
+                <a:solidFill>
+                  <a:schemeClr val="accent2"/>
+                </a:solidFill>
+                <a:latin typeface="Courier New" panose="02070309020205020404" pitchFamily="49" charset="0"/>
+                <a:cs typeface="Courier New" panose="02070309020205020404" pitchFamily="49" charset="0"/>
+              </a:rPr>
+              <a:t>0</a:t>
+            </a:r>
+            <a:r>
+              <a:rPr lang="en-US" sz="2800" b="1" dirty="0">
+                <a:solidFill>
+                  <a:srgbClr val="00FF00"/>
+                </a:solidFill>
+                <a:latin typeface="Courier New" panose="02070309020205020404" pitchFamily="49" charset="0"/>
+                <a:cs typeface="Courier New" panose="02070309020205020404" pitchFamily="49" charset="0"/>
+              </a:rPr>
+              <a:t>)</a:t>
+            </a:r>
+          </a:p>
+          <a:p>
+            <a:endParaRPr lang="en-US" sz="2800" b="1" dirty="0">
+              <a:solidFill>
+                <a:srgbClr val="00FF00"/>
+              </a:solidFill>
+              <a:latin typeface="Courier New" panose="02070309020205020404" pitchFamily="49" charset="0"/>
+              <a:cs typeface="Courier New" panose="02070309020205020404" pitchFamily="49" charset="0"/>
+            </a:endParaRPr>
+          </a:p>
+          <a:p>
+            <a:r>
+              <a:rPr lang="en-US" sz="2800" b="1" dirty="0">
+                <a:solidFill>
+                  <a:srgbClr val="00FF00"/>
+                </a:solidFill>
+                <a:latin typeface="Courier New" panose="02070309020205020404" pitchFamily="49" charset="0"/>
+                <a:cs typeface="Courier New" panose="02070309020205020404" pitchFamily="49" charset="0"/>
+              </a:rPr>
+              <a:t>ben.x</a:t>
+            </a:r>
+          </a:p>
+          <a:p>
+            <a:endParaRPr lang="en-US" sz="2800" b="1" dirty="0">
+              <a:solidFill>
+                <a:srgbClr val="00FF00"/>
+              </a:solidFill>
+              <a:latin typeface="Courier New" panose="02070309020205020404" pitchFamily="49" charset="0"/>
+              <a:cs typeface="Courier New" panose="02070309020205020404" pitchFamily="49" charset="0"/>
+            </a:endParaRPr>
+          </a:p>
+          <a:p>
+            <a:r>
+              <a:rPr lang="en-US" sz="2800" b="1" dirty="0">
+                <a:solidFill>
+                  <a:srgbClr val="00FF00"/>
+                </a:solidFill>
+                <a:latin typeface="Courier New" panose="02070309020205020404" pitchFamily="49" charset="0"/>
+                <a:cs typeface="Courier New" panose="02070309020205020404" pitchFamily="49" charset="0"/>
+              </a:rPr>
+              <a:t>ben.up()</a:t>
+            </a:r>
+          </a:p>
+        </p:txBody>
+      </p:sp>
+      <p:sp>
+        <p:nvSpPr>
+          <p:cNvPr id="6" name="TextBox 5">
+            <a:extLst>
+              <a:ext uri="{FF2B5EF4-FFF2-40B4-BE49-F238E27FC236}">
+                <a16:creationId xmlns:a16="http://schemas.microsoft.com/office/drawing/2014/main" id="{322B2B56-232A-48B2-BE36-F968E123354B}"/>
+              </a:ext>
+            </a:extLst>
+          </p:cNvPr>
+          <p:cNvSpPr txBox="1"/>
+          <p:nvPr/>
+        </p:nvSpPr>
+        <p:spPr>
+          <a:xfrm>
+            <a:off x="4271133" y="5431006"/>
+            <a:ext cx="3209251" cy="369332"/>
+          </a:xfrm>
+          <a:prstGeom prst="rect">
+            <a:avLst/>
+          </a:prstGeom>
+          <a:noFill/>
+        </p:spPr>
+        <p:txBody>
+          <a:bodyPr wrap="square" rtlCol="0">
+            <a:spAutoFit/>
+          </a:bodyPr>
+          <a:lstStyle/>
+          <a:p>
+            <a:r>
+              <a:rPr lang="en-US" dirty="0">
+                <a:solidFill>
+                  <a:srgbClr val="FFFFFF"/>
+                </a:solidFill>
+              </a:rPr>
+              <a:t>Non-OOP</a:t>
+            </a:r>
+            <a:endParaRPr lang="en-US" b="1" dirty="0">
+              <a:solidFill>
+                <a:schemeClr val="accent3"/>
+              </a:solidFill>
+            </a:endParaRPr>
+          </a:p>
+        </p:txBody>
+      </p:sp>
+      <p:sp>
+        <p:nvSpPr>
+          <p:cNvPr id="9" name="Arrow: Right 8">
+            <a:extLst>
+              <a:ext uri="{FF2B5EF4-FFF2-40B4-BE49-F238E27FC236}">
+                <a16:creationId xmlns:a16="http://schemas.microsoft.com/office/drawing/2014/main" id="{C0C68379-91D2-4B91-8268-25D2E6CBAD41}"/>
+              </a:ext>
+            </a:extLst>
+          </p:cNvPr>
+          <p:cNvSpPr/>
+          <p:nvPr/>
+        </p:nvSpPr>
+        <p:spPr>
+          <a:xfrm rot="10800000">
+            <a:off x="2937879" y="5535179"/>
+            <a:ext cx="1250666" cy="211320"/>
+          </a:xfrm>
+          <a:prstGeom prst="rightArrow">
+            <a:avLst/>
+          </a:prstGeom>
+        </p:spPr>
+        <p:style>
+          <a:lnRef idx="2">
+            <a:schemeClr val="accent1">
+              <a:shade val="50000"/>
+            </a:schemeClr>
+          </a:lnRef>
+          <a:fillRef idx="1">
+            <a:schemeClr val="accent1"/>
+          </a:fillRef>
+          <a:effectRef idx="0">
+            <a:schemeClr val="accent1"/>
+          </a:effectRef>
+          <a:fontRef idx="minor">
+            <a:schemeClr val="lt1"/>
+          </a:fontRef>
+        </p:style>
+        <p:txBody>
+          <a:bodyPr rtlCol="0" anchor="ctr"/>
+          <a:lstStyle/>
+          <a:p>
+            <a:pPr algn="ctr"/>
+            <a:endParaRPr lang="en-US"/>
+          </a:p>
+        </p:txBody>
+      </p:sp>
+      <p:sp>
+        <p:nvSpPr>
+          <p:cNvPr id="10" name="TextBox 9">
+            <a:extLst>
+              <a:ext uri="{FF2B5EF4-FFF2-40B4-BE49-F238E27FC236}">
+                <a16:creationId xmlns:a16="http://schemas.microsoft.com/office/drawing/2014/main" id="{D9B5957E-CF86-4868-8C29-D795F58AF666}"/>
+              </a:ext>
+            </a:extLst>
+          </p:cNvPr>
+          <p:cNvSpPr txBox="1"/>
+          <p:nvPr/>
+        </p:nvSpPr>
+        <p:spPr>
+          <a:xfrm>
+            <a:off x="3681195" y="4582881"/>
+            <a:ext cx="3209251" cy="369332"/>
+          </a:xfrm>
+          <a:prstGeom prst="rect">
+            <a:avLst/>
+          </a:prstGeom>
+          <a:noFill/>
+        </p:spPr>
+        <p:txBody>
+          <a:bodyPr wrap="square" rtlCol="0">
+            <a:spAutoFit/>
+          </a:bodyPr>
+          <a:lstStyle/>
+          <a:p>
+            <a:r>
+              <a:rPr lang="en-US" dirty="0">
+                <a:solidFill>
+                  <a:srgbClr val="FFFFFF"/>
+                </a:solidFill>
+              </a:rPr>
+              <a:t>Non-OOP</a:t>
+            </a:r>
+            <a:endParaRPr lang="en-US" b="1" dirty="0">
+              <a:solidFill>
+                <a:schemeClr val="accent3"/>
+              </a:solidFill>
+            </a:endParaRPr>
+          </a:p>
+        </p:txBody>
+      </p:sp>
+      <p:sp>
+        <p:nvSpPr>
+          <p:cNvPr id="11" name="Arrow: Right 10">
+            <a:extLst>
+              <a:ext uri="{FF2B5EF4-FFF2-40B4-BE49-F238E27FC236}">
+                <a16:creationId xmlns:a16="http://schemas.microsoft.com/office/drawing/2014/main" id="{C00D0ED7-378B-425E-8E8B-52D9E7B081DD}"/>
+              </a:ext>
+            </a:extLst>
+          </p:cNvPr>
+          <p:cNvSpPr/>
+          <p:nvPr/>
+        </p:nvSpPr>
+        <p:spPr>
+          <a:xfrm rot="10800000">
+            <a:off x="2347941" y="4687054"/>
+            <a:ext cx="1250666" cy="211320"/>
+          </a:xfrm>
+          <a:prstGeom prst="rightArrow">
+            <a:avLst/>
+          </a:prstGeom>
+        </p:spPr>
+        <p:style>
+          <a:lnRef idx="2">
+            <a:schemeClr val="accent1">
+              <a:shade val="50000"/>
+            </a:schemeClr>
+          </a:lnRef>
+          <a:fillRef idx="1">
+            <a:schemeClr val="accent1"/>
+          </a:fillRef>
+          <a:effectRef idx="0">
+            <a:schemeClr val="accent1"/>
+          </a:effectRef>
+          <a:fontRef idx="minor">
+            <a:schemeClr val="lt1"/>
+          </a:fontRef>
+        </p:style>
+        <p:txBody>
+          <a:bodyPr rtlCol="0" anchor="ctr"/>
+          <a:lstStyle/>
+          <a:p>
+            <a:pPr algn="ctr"/>
+            <a:endParaRPr lang="en-US"/>
+          </a:p>
+        </p:txBody>
+      </p:sp>
+      <p:sp>
+        <p:nvSpPr>
+          <p:cNvPr id="12" name="TextBox 11">
+            <a:extLst>
+              <a:ext uri="{FF2B5EF4-FFF2-40B4-BE49-F238E27FC236}">
+                <a16:creationId xmlns:a16="http://schemas.microsoft.com/office/drawing/2014/main" id="{FF1365FB-6C83-42EE-87E6-7C1315CD46FC}"/>
+              </a:ext>
+            </a:extLst>
+          </p:cNvPr>
+          <p:cNvSpPr txBox="1"/>
+          <p:nvPr/>
+        </p:nvSpPr>
+        <p:spPr>
+          <a:xfrm>
+            <a:off x="7455053" y="1055588"/>
+            <a:ext cx="4515230" cy="1815882"/>
+          </a:xfrm>
+          <a:prstGeom prst="rect">
+            <a:avLst/>
+          </a:prstGeom>
+          <a:noFill/>
+        </p:spPr>
+        <p:txBody>
+          <a:bodyPr wrap="square" rtlCol="0">
+            <a:spAutoFit/>
+          </a:bodyPr>
+          <a:lstStyle/>
+          <a:p>
+            <a:r>
+              <a:rPr lang="en-US" sz="2800" b="1" dirty="0">
+                <a:solidFill>
+                  <a:srgbClr val="00FF00"/>
+                </a:solidFill>
+                <a:latin typeface="Courier New" panose="02070309020205020404" pitchFamily="49" charset="0"/>
+                <a:cs typeface="Courier New" panose="02070309020205020404" pitchFamily="49" charset="0"/>
+              </a:rPr>
+              <a:t>def my_func():</a:t>
+            </a:r>
+          </a:p>
+          <a:p>
+            <a:r>
+              <a:rPr lang="en-US" sz="2800" b="1" dirty="0">
+                <a:solidFill>
+                  <a:srgbClr val="00FF00"/>
+                </a:solidFill>
+                <a:latin typeface="Courier New" panose="02070309020205020404" pitchFamily="49" charset="0"/>
+                <a:cs typeface="Courier New" panose="02070309020205020404" pitchFamily="49" charset="0"/>
+              </a:rPr>
+              <a:t>   print(“Hello”)</a:t>
+            </a:r>
+          </a:p>
+          <a:p>
+            <a:endParaRPr lang="en-US" sz="2800" b="1" dirty="0">
+              <a:solidFill>
+                <a:srgbClr val="00FF00"/>
+              </a:solidFill>
+              <a:latin typeface="Courier New" panose="02070309020205020404" pitchFamily="49" charset="0"/>
+              <a:cs typeface="Courier New" panose="02070309020205020404" pitchFamily="49" charset="0"/>
+            </a:endParaRPr>
+          </a:p>
+          <a:p>
+            <a:r>
+              <a:rPr lang="en-US" sz="2800" b="1" dirty="0">
+                <a:solidFill>
+                  <a:srgbClr val="00FF00"/>
+                </a:solidFill>
+                <a:latin typeface="Courier New" panose="02070309020205020404" pitchFamily="49" charset="0"/>
+                <a:cs typeface="Courier New" panose="02070309020205020404" pitchFamily="49" charset="0"/>
+              </a:rPr>
+              <a:t>my_func</a:t>
+            </a:r>
+          </a:p>
+        </p:txBody>
+      </p:sp>
+      <p:sp>
+        <p:nvSpPr>
+          <p:cNvPr id="3" name="TextBox 2">
+            <a:extLst>
+              <a:ext uri="{FF2B5EF4-FFF2-40B4-BE49-F238E27FC236}">
+                <a16:creationId xmlns:a16="http://schemas.microsoft.com/office/drawing/2014/main" id="{07CA7211-353D-4365-B667-4931AA2EAFDA}"/>
+              </a:ext>
+            </a:extLst>
+          </p:cNvPr>
+          <p:cNvSpPr txBox="1"/>
+          <p:nvPr/>
+        </p:nvSpPr>
+        <p:spPr>
+          <a:xfrm>
+            <a:off x="9178162" y="2437837"/>
+            <a:ext cx="2278732" cy="646331"/>
+          </a:xfrm>
+          <a:prstGeom prst="rect">
+            <a:avLst/>
+          </a:prstGeom>
+          <a:noFill/>
+        </p:spPr>
+        <p:txBody>
+          <a:bodyPr wrap="square" rtlCol="0">
+            <a:spAutoFit/>
+          </a:bodyPr>
+          <a:lstStyle/>
+          <a:p>
+            <a:r>
+              <a:rPr lang="en-US" dirty="0">
+                <a:solidFill>
+                  <a:schemeClr val="accent6"/>
+                </a:solidFill>
+              </a:rPr>
+              <a:t>This function has not been called</a:t>
+            </a:r>
+            <a:r>
+              <a:rPr lang="en-US" dirty="0">
+                <a:solidFill>
+                  <a:schemeClr val="accent1"/>
+                </a:solidFill>
+              </a:rPr>
+              <a:t>.</a:t>
+            </a:r>
+          </a:p>
+        </p:txBody>
+      </p:sp>
+      <p:sp>
+        <p:nvSpPr>
+          <p:cNvPr id="4" name="Rectangle 3">
+            <a:extLst>
+              <a:ext uri="{FF2B5EF4-FFF2-40B4-BE49-F238E27FC236}">
+                <a16:creationId xmlns:a16="http://schemas.microsoft.com/office/drawing/2014/main" id="{C07BCF2E-63B0-3E5D-BCC8-9964682502DD}"/>
+              </a:ext>
+            </a:extLst>
+          </p:cNvPr>
+          <p:cNvSpPr/>
+          <p:nvPr/>
+        </p:nvSpPr>
+        <p:spPr>
+          <a:xfrm>
+            <a:off x="619432" y="4312428"/>
+            <a:ext cx="1333254" cy="1818058"/>
+          </a:xfrm>
+          <a:prstGeom prst="rect">
+            <a:avLst/>
+          </a:prstGeom>
+          <a:solidFill>
+            <a:schemeClr val="bg1"/>
+          </a:solidFill>
+          <a:ln>
+            <a:noFill/>
+          </a:ln>
+        </p:spPr>
+        <p:style>
+          <a:lnRef idx="2">
+            <a:schemeClr val="accent1">
+              <a:shade val="50000"/>
+            </a:schemeClr>
+          </a:lnRef>
+          <a:fillRef idx="1">
+            <a:schemeClr val="accent1"/>
+          </a:fillRef>
+          <a:effectRef idx="0">
+            <a:schemeClr val="accent1"/>
+          </a:effectRef>
+          <a:fontRef idx="minor">
+            <a:schemeClr val="lt1"/>
+          </a:fontRef>
+        </p:style>
+        <p:txBody>
+          <a:bodyPr rtlCol="0" anchor="ctr"/>
+          <a:lstStyle/>
+          <a:p>
+            <a:pPr algn="ctr"/>
+            <a:endParaRPr lang="en-US"/>
+          </a:p>
+        </p:txBody>
+      </p:sp>
+    </p:spTree>
+    <p:extLst>
+      <p:ext uri="{BB962C8B-B14F-4D97-AF65-F5344CB8AC3E}">
+        <p14:creationId xmlns:p14="http://schemas.microsoft.com/office/powerpoint/2010/main" val="765332137"/>
+      </p:ext>
+    </p:extLst>
+  </p:cSld>
+  <p:clrMapOvr>
+    <a:masterClrMapping/>
+  </p:clrMapOvr>
+</p:sld>
+</file>
+
+<file path=ppt/slides/slide17.xml><?xml version="1.0" encoding="utf-8"?>
+<p:sld xmlns:a="http://schemas.openxmlformats.org/drawingml/2006/main" xmlns:r="http://schemas.openxmlformats.org/officeDocument/2006/relationships" xmlns:p="http://schemas.openxmlformats.org/presentationml/2006/main">
+  <p:cSld>
+    <p:spTree>
+      <p:nvGrpSpPr>
+        <p:cNvPr id="1" name=""/>
+        <p:cNvGrpSpPr/>
+        <p:nvPr/>
+      </p:nvGrpSpPr>
+      <p:grpSpPr>
+        <a:xfrm>
+          <a:off x="0" y="0"/>
+          <a:ext cx="0" cy="0"/>
+          <a:chOff x="0" y="0"/>
+          <a:chExt cx="0" cy="0"/>
+        </a:xfrm>
+      </p:grpSpPr>
+      <p:sp>
+        <p:nvSpPr>
+          <p:cNvPr id="2" name="Title 1">
+            <a:extLst>
+              <a:ext uri="{FF2B5EF4-FFF2-40B4-BE49-F238E27FC236}">
+                <a16:creationId xmlns:a16="http://schemas.microsoft.com/office/drawing/2014/main" id="{D9DA742D-1B93-4351-9522-5F2B39F3DEF7}"/>
+              </a:ext>
+            </a:extLst>
+          </p:cNvPr>
+          <p:cNvSpPr>
+            <a:spLocks noGrp="1"/>
+          </p:cNvSpPr>
+          <p:nvPr>
+            <p:ph type="title"/>
+          </p:nvPr>
+        </p:nvSpPr>
+        <p:spPr/>
+        <p:txBody>
+          <a:bodyPr>
+            <a:normAutofit fontScale="90000"/>
+          </a:bodyPr>
+          <a:lstStyle/>
+          <a:p>
+            <a:r>
+              <a:rPr lang="en-US" b="1" dirty="0">
+                <a:solidFill>
+                  <a:schemeClr val="accent6"/>
+                </a:solidFill>
+              </a:rPr>
+              <a:t>OOP</a:t>
+            </a:r>
+            <a:r>
+              <a:rPr lang="en-US" b="1" dirty="0"/>
+              <a:t> Recap</a:t>
+            </a:r>
+          </a:p>
+        </p:txBody>
+      </p:sp>
+      <p:sp>
+        <p:nvSpPr>
+          <p:cNvPr id="5" name="Content Placeholder 2">
+            <a:extLst>
+              <a:ext uri="{FF2B5EF4-FFF2-40B4-BE49-F238E27FC236}">
+                <a16:creationId xmlns:a16="http://schemas.microsoft.com/office/drawing/2014/main" id="{F4E1B242-74FE-4433-A023-0912F16D8EEB}"/>
+              </a:ext>
+            </a:extLst>
+          </p:cNvPr>
+          <p:cNvSpPr>
+            <a:spLocks noGrp="1"/>
+          </p:cNvSpPr>
+          <p:nvPr>
+            <p:ph idx="1"/>
+          </p:nvPr>
+        </p:nvSpPr>
+        <p:spPr>
+          <a:xfrm>
+            <a:off x="838200" y="1825624"/>
+            <a:ext cx="4819281" cy="4835479"/>
+          </a:xfrm>
+        </p:spPr>
+        <p:txBody>
+          <a:bodyPr>
+            <a:normAutofit/>
+          </a:bodyPr>
+          <a:lstStyle/>
+          <a:p>
+            <a:r>
+              <a:rPr lang="en-US" dirty="0"/>
+              <a:t>Accessing attributes </a:t>
+            </a:r>
+            <a:r>
+              <a:rPr lang="en-US" dirty="0">
+                <a:solidFill>
+                  <a:schemeClr val="accent2"/>
+                </a:solidFill>
+              </a:rPr>
+              <a:t>(</a:t>
+            </a:r>
+            <a:r>
+              <a:rPr lang="en-US" dirty="0"/>
+              <a:t>Data</a:t>
+            </a:r>
+            <a:r>
+              <a:rPr lang="en-US" dirty="0">
+                <a:solidFill>
+                  <a:schemeClr val="accent2"/>
+                </a:solidFill>
+              </a:rPr>
+              <a:t>)</a:t>
+            </a:r>
+            <a:r>
+              <a:rPr lang="en-US" dirty="0"/>
+              <a:t> and methods </a:t>
+            </a:r>
+            <a:r>
+              <a:rPr lang="en-US" dirty="0">
+                <a:solidFill>
+                  <a:schemeClr val="accent2"/>
+                </a:solidFill>
+              </a:rPr>
+              <a:t>(</a:t>
+            </a:r>
+            <a:r>
+              <a:rPr lang="en-US" dirty="0"/>
+              <a:t>Functions</a:t>
+            </a:r>
+            <a:r>
+              <a:rPr lang="en-US" dirty="0">
+                <a:solidFill>
+                  <a:schemeClr val="accent2"/>
+                </a:solidFill>
+              </a:rPr>
+              <a:t>)</a:t>
+            </a:r>
+            <a:r>
+              <a:rPr lang="en-US" dirty="0"/>
+              <a:t> is different</a:t>
+            </a:r>
+            <a:r>
+              <a:rPr lang="en-US" dirty="0">
+                <a:solidFill>
+                  <a:schemeClr val="accent2"/>
+                </a:solidFill>
+              </a:rPr>
+              <a:t>.</a:t>
+            </a:r>
+            <a:endParaRPr lang="en-US" b="1" dirty="0">
+              <a:solidFill>
+                <a:schemeClr val="accent2"/>
+              </a:solidFill>
+            </a:endParaRPr>
+          </a:p>
+        </p:txBody>
+      </p:sp>
+      <p:sp>
+        <p:nvSpPr>
+          <p:cNvPr id="7" name="TextBox 6">
+            <a:extLst>
+              <a:ext uri="{FF2B5EF4-FFF2-40B4-BE49-F238E27FC236}">
+                <a16:creationId xmlns:a16="http://schemas.microsoft.com/office/drawing/2014/main" id="{00CB9E2E-63E2-4DE9-BA90-E907CF05A1A5}"/>
+              </a:ext>
+            </a:extLst>
+          </p:cNvPr>
+          <p:cNvSpPr txBox="1"/>
+          <p:nvPr/>
+        </p:nvSpPr>
+        <p:spPr>
+          <a:xfrm>
+            <a:off x="1053764" y="3653591"/>
+            <a:ext cx="4515230" cy="2246769"/>
+          </a:xfrm>
+          <a:prstGeom prst="rect">
+            <a:avLst/>
+          </a:prstGeom>
+          <a:noFill/>
+        </p:spPr>
+        <p:txBody>
+          <a:bodyPr wrap="square" rtlCol="0">
+            <a:spAutoFit/>
+          </a:bodyPr>
+          <a:lstStyle/>
+          <a:p>
+            <a:r>
+              <a:rPr lang="en-US" sz="2800" b="1" dirty="0">
+                <a:solidFill>
+                  <a:srgbClr val="00FF00"/>
+                </a:solidFill>
+                <a:latin typeface="Courier New" panose="02070309020205020404" pitchFamily="49" charset="0"/>
+                <a:cs typeface="Courier New" panose="02070309020205020404" pitchFamily="49" charset="0"/>
+              </a:rPr>
+              <a:t>ben = Turtle(</a:t>
+            </a:r>
+            <a:r>
+              <a:rPr lang="en-US" sz="2800" b="1" dirty="0">
+                <a:solidFill>
+                  <a:schemeClr val="accent2"/>
+                </a:solidFill>
+                <a:latin typeface="Courier New" panose="02070309020205020404" pitchFamily="49" charset="0"/>
+                <a:cs typeface="Courier New" panose="02070309020205020404" pitchFamily="49" charset="0"/>
+              </a:rPr>
+              <a:t>0</a:t>
+            </a:r>
+            <a:r>
+              <a:rPr lang="en-US" sz="2800" b="1" dirty="0">
+                <a:solidFill>
+                  <a:srgbClr val="00FF00"/>
+                </a:solidFill>
+                <a:latin typeface="Courier New" panose="02070309020205020404" pitchFamily="49" charset="0"/>
+                <a:cs typeface="Courier New" panose="02070309020205020404" pitchFamily="49" charset="0"/>
+              </a:rPr>
+              <a:t>, </a:t>
+            </a:r>
+            <a:r>
+              <a:rPr lang="en-US" sz="2800" b="1" dirty="0">
+                <a:solidFill>
+                  <a:schemeClr val="accent2"/>
+                </a:solidFill>
+                <a:latin typeface="Courier New" panose="02070309020205020404" pitchFamily="49" charset="0"/>
+                <a:cs typeface="Courier New" panose="02070309020205020404" pitchFamily="49" charset="0"/>
+              </a:rPr>
+              <a:t>0</a:t>
+            </a:r>
+            <a:r>
+              <a:rPr lang="en-US" sz="2800" b="1" dirty="0">
+                <a:solidFill>
+                  <a:srgbClr val="00FF00"/>
+                </a:solidFill>
+                <a:latin typeface="Courier New" panose="02070309020205020404" pitchFamily="49" charset="0"/>
+                <a:cs typeface="Courier New" panose="02070309020205020404" pitchFamily="49" charset="0"/>
+              </a:rPr>
+              <a:t>)</a:t>
+            </a:r>
+          </a:p>
+          <a:p>
+            <a:endParaRPr lang="en-US" sz="2800" b="1" dirty="0">
+              <a:solidFill>
+                <a:srgbClr val="00FF00"/>
+              </a:solidFill>
+              <a:latin typeface="Courier New" panose="02070309020205020404" pitchFamily="49" charset="0"/>
+              <a:cs typeface="Courier New" panose="02070309020205020404" pitchFamily="49" charset="0"/>
+            </a:endParaRPr>
+          </a:p>
+          <a:p>
+            <a:r>
+              <a:rPr lang="en-US" sz="2800" b="1" dirty="0">
+                <a:solidFill>
+                  <a:srgbClr val="00FF00"/>
+                </a:solidFill>
+                <a:latin typeface="Courier New" panose="02070309020205020404" pitchFamily="49" charset="0"/>
+                <a:cs typeface="Courier New" panose="02070309020205020404" pitchFamily="49" charset="0"/>
+              </a:rPr>
+              <a:t>ben.x</a:t>
+            </a:r>
+          </a:p>
+          <a:p>
+            <a:endParaRPr lang="en-US" sz="2800" b="1" dirty="0">
+              <a:solidFill>
+                <a:srgbClr val="00FF00"/>
+              </a:solidFill>
+              <a:latin typeface="Courier New" panose="02070309020205020404" pitchFamily="49" charset="0"/>
+              <a:cs typeface="Courier New" panose="02070309020205020404" pitchFamily="49" charset="0"/>
+            </a:endParaRPr>
+          </a:p>
+          <a:p>
+            <a:r>
+              <a:rPr lang="en-US" sz="2800" b="1" dirty="0">
+                <a:solidFill>
+                  <a:srgbClr val="00FF00"/>
+                </a:solidFill>
+                <a:latin typeface="Courier New" panose="02070309020205020404" pitchFamily="49" charset="0"/>
+                <a:cs typeface="Courier New" panose="02070309020205020404" pitchFamily="49" charset="0"/>
+              </a:rPr>
+              <a:t>ben.up()</a:t>
+            </a:r>
+          </a:p>
+        </p:txBody>
+      </p:sp>
+      <p:sp>
+        <p:nvSpPr>
+          <p:cNvPr id="6" name="TextBox 5">
+            <a:extLst>
+              <a:ext uri="{FF2B5EF4-FFF2-40B4-BE49-F238E27FC236}">
+                <a16:creationId xmlns:a16="http://schemas.microsoft.com/office/drawing/2014/main" id="{322B2B56-232A-48B2-BE36-F968E123354B}"/>
+              </a:ext>
+            </a:extLst>
+          </p:cNvPr>
+          <p:cNvSpPr txBox="1"/>
+          <p:nvPr/>
+        </p:nvSpPr>
+        <p:spPr>
+          <a:xfrm>
+            <a:off x="4271133" y="5431006"/>
+            <a:ext cx="3209251" cy="369332"/>
+          </a:xfrm>
+          <a:prstGeom prst="rect">
+            <a:avLst/>
+          </a:prstGeom>
+          <a:noFill/>
+        </p:spPr>
+        <p:txBody>
+          <a:bodyPr wrap="square" rtlCol="0">
+            <a:spAutoFit/>
+          </a:bodyPr>
+          <a:lstStyle/>
+          <a:p>
+            <a:r>
+              <a:rPr lang="en-US" dirty="0">
+                <a:solidFill>
+                  <a:srgbClr val="FFFFFF"/>
+                </a:solidFill>
+              </a:rPr>
+              <a:t>OOP</a:t>
+            </a:r>
+            <a:endParaRPr lang="en-US" b="1" dirty="0">
+              <a:solidFill>
+                <a:schemeClr val="accent3"/>
+              </a:solidFill>
+            </a:endParaRPr>
+          </a:p>
+        </p:txBody>
+      </p:sp>
+      <p:sp>
+        <p:nvSpPr>
+          <p:cNvPr id="9" name="Arrow: Right 8">
+            <a:extLst>
+              <a:ext uri="{FF2B5EF4-FFF2-40B4-BE49-F238E27FC236}">
+                <a16:creationId xmlns:a16="http://schemas.microsoft.com/office/drawing/2014/main" id="{C0C68379-91D2-4B91-8268-25D2E6CBAD41}"/>
+              </a:ext>
+            </a:extLst>
+          </p:cNvPr>
+          <p:cNvSpPr/>
+          <p:nvPr/>
+        </p:nvSpPr>
+        <p:spPr>
+          <a:xfrm rot="10800000">
+            <a:off x="2937879" y="5535179"/>
+            <a:ext cx="1250666" cy="211320"/>
+          </a:xfrm>
+          <a:prstGeom prst="rightArrow">
+            <a:avLst/>
+          </a:prstGeom>
+        </p:spPr>
+        <p:style>
+          <a:lnRef idx="2">
+            <a:schemeClr val="accent1">
+              <a:shade val="50000"/>
+            </a:schemeClr>
+          </a:lnRef>
+          <a:fillRef idx="1">
+            <a:schemeClr val="accent1"/>
+          </a:fillRef>
+          <a:effectRef idx="0">
+            <a:schemeClr val="accent1"/>
+          </a:effectRef>
+          <a:fontRef idx="minor">
+            <a:schemeClr val="lt1"/>
+          </a:fontRef>
+        </p:style>
+        <p:txBody>
+          <a:bodyPr rtlCol="0" anchor="ctr"/>
+          <a:lstStyle/>
+          <a:p>
+            <a:pPr algn="ctr"/>
+            <a:endParaRPr lang="en-US"/>
+          </a:p>
+        </p:txBody>
+      </p:sp>
+      <p:sp>
+        <p:nvSpPr>
+          <p:cNvPr id="10" name="TextBox 9">
+            <a:extLst>
+              <a:ext uri="{FF2B5EF4-FFF2-40B4-BE49-F238E27FC236}">
+                <a16:creationId xmlns:a16="http://schemas.microsoft.com/office/drawing/2014/main" id="{D9B5957E-CF86-4868-8C29-D795F58AF666}"/>
+              </a:ext>
+            </a:extLst>
+          </p:cNvPr>
+          <p:cNvSpPr txBox="1"/>
+          <p:nvPr/>
+        </p:nvSpPr>
+        <p:spPr>
+          <a:xfrm>
+            <a:off x="3681195" y="4582881"/>
+            <a:ext cx="3209251" cy="369332"/>
+          </a:xfrm>
+          <a:prstGeom prst="rect">
+            <a:avLst/>
+          </a:prstGeom>
+          <a:noFill/>
+        </p:spPr>
+        <p:txBody>
+          <a:bodyPr wrap="square" rtlCol="0">
+            <a:spAutoFit/>
+          </a:bodyPr>
+          <a:lstStyle/>
+          <a:p>
+            <a:r>
+              <a:rPr lang="en-US" dirty="0">
+                <a:solidFill>
+                  <a:srgbClr val="FFFFFF"/>
+                </a:solidFill>
+              </a:rPr>
+              <a:t>OOP</a:t>
+            </a:r>
+            <a:endParaRPr lang="en-US" b="1" dirty="0">
+              <a:solidFill>
+                <a:schemeClr val="accent3"/>
+              </a:solidFill>
+            </a:endParaRPr>
+          </a:p>
+        </p:txBody>
+      </p:sp>
+      <p:sp>
+        <p:nvSpPr>
+          <p:cNvPr id="11" name="Arrow: Right 10">
+            <a:extLst>
+              <a:ext uri="{FF2B5EF4-FFF2-40B4-BE49-F238E27FC236}">
+                <a16:creationId xmlns:a16="http://schemas.microsoft.com/office/drawing/2014/main" id="{C00D0ED7-378B-425E-8E8B-52D9E7B081DD}"/>
+              </a:ext>
+            </a:extLst>
+          </p:cNvPr>
+          <p:cNvSpPr/>
+          <p:nvPr/>
+        </p:nvSpPr>
+        <p:spPr>
+          <a:xfrm rot="10800000">
+            <a:off x="2347941" y="4687054"/>
+            <a:ext cx="1250666" cy="211320"/>
+          </a:xfrm>
+          <a:prstGeom prst="rightArrow">
+            <a:avLst/>
+          </a:prstGeom>
+        </p:spPr>
+        <p:style>
+          <a:lnRef idx="2">
+            <a:schemeClr val="accent1">
+              <a:shade val="50000"/>
+            </a:schemeClr>
+          </a:lnRef>
+          <a:fillRef idx="1">
+            <a:schemeClr val="accent1"/>
+          </a:fillRef>
+          <a:effectRef idx="0">
+            <a:schemeClr val="accent1"/>
+          </a:effectRef>
+          <a:fontRef idx="minor">
+            <a:schemeClr val="lt1"/>
+          </a:fontRef>
+        </p:style>
+        <p:txBody>
+          <a:bodyPr rtlCol="0" anchor="ctr"/>
+          <a:lstStyle/>
+          <a:p>
+            <a:pPr algn="ctr"/>
+            <a:endParaRPr lang="en-US"/>
+          </a:p>
+        </p:txBody>
+      </p:sp>
+      <p:sp>
+        <p:nvSpPr>
+          <p:cNvPr id="12" name="TextBox 11">
+            <a:extLst>
+              <a:ext uri="{FF2B5EF4-FFF2-40B4-BE49-F238E27FC236}">
+                <a16:creationId xmlns:a16="http://schemas.microsoft.com/office/drawing/2014/main" id="{FF1365FB-6C83-42EE-87E6-7C1315CD46FC}"/>
+              </a:ext>
+            </a:extLst>
+          </p:cNvPr>
+          <p:cNvSpPr txBox="1"/>
+          <p:nvPr/>
+        </p:nvSpPr>
+        <p:spPr>
+          <a:xfrm>
+            <a:off x="7455053" y="1055588"/>
+            <a:ext cx="4515230" cy="1815882"/>
+          </a:xfrm>
+          <a:prstGeom prst="rect">
+            <a:avLst/>
+          </a:prstGeom>
+          <a:noFill/>
+        </p:spPr>
+        <p:txBody>
+          <a:bodyPr wrap="square" rtlCol="0">
+            <a:spAutoFit/>
+          </a:bodyPr>
+          <a:lstStyle/>
+          <a:p>
+            <a:r>
+              <a:rPr lang="en-US" sz="2800" b="1" dirty="0">
+                <a:solidFill>
+                  <a:srgbClr val="00FF00"/>
+                </a:solidFill>
+                <a:latin typeface="Courier New" panose="02070309020205020404" pitchFamily="49" charset="0"/>
+                <a:cs typeface="Courier New" panose="02070309020205020404" pitchFamily="49" charset="0"/>
+              </a:rPr>
+              <a:t>def my_func():</a:t>
+            </a:r>
+          </a:p>
+          <a:p>
+            <a:r>
+              <a:rPr lang="en-US" sz="2800" b="1" dirty="0">
+                <a:solidFill>
+                  <a:srgbClr val="00FF00"/>
+                </a:solidFill>
+                <a:latin typeface="Courier New" panose="02070309020205020404" pitchFamily="49" charset="0"/>
+                <a:cs typeface="Courier New" panose="02070309020205020404" pitchFamily="49" charset="0"/>
+              </a:rPr>
+              <a:t>   print(“Hello”)</a:t>
+            </a:r>
+          </a:p>
+          <a:p>
+            <a:endParaRPr lang="en-US" sz="2800" b="1" dirty="0">
+              <a:solidFill>
+                <a:srgbClr val="00FF00"/>
+              </a:solidFill>
+              <a:latin typeface="Courier New" panose="02070309020205020404" pitchFamily="49" charset="0"/>
+              <a:cs typeface="Courier New" panose="02070309020205020404" pitchFamily="49" charset="0"/>
+            </a:endParaRPr>
+          </a:p>
+          <a:p>
+            <a:r>
+              <a:rPr lang="en-US" sz="2800" b="1" dirty="0">
+                <a:solidFill>
+                  <a:srgbClr val="00FF00"/>
+                </a:solidFill>
+                <a:latin typeface="Courier New" panose="02070309020205020404" pitchFamily="49" charset="0"/>
+                <a:cs typeface="Courier New" panose="02070309020205020404" pitchFamily="49" charset="0"/>
+              </a:rPr>
+              <a:t>my_func</a:t>
+            </a:r>
+          </a:p>
+        </p:txBody>
+      </p:sp>
+      <p:sp>
+        <p:nvSpPr>
+          <p:cNvPr id="3" name="TextBox 2">
+            <a:extLst>
+              <a:ext uri="{FF2B5EF4-FFF2-40B4-BE49-F238E27FC236}">
+                <a16:creationId xmlns:a16="http://schemas.microsoft.com/office/drawing/2014/main" id="{07CA7211-353D-4365-B667-4931AA2EAFDA}"/>
+              </a:ext>
+            </a:extLst>
+          </p:cNvPr>
+          <p:cNvSpPr txBox="1"/>
+          <p:nvPr/>
+        </p:nvSpPr>
+        <p:spPr>
+          <a:xfrm>
+            <a:off x="9178162" y="2437837"/>
+            <a:ext cx="2278732" cy="646331"/>
+          </a:xfrm>
+          <a:prstGeom prst="rect">
+            <a:avLst/>
+          </a:prstGeom>
+          <a:noFill/>
+        </p:spPr>
+        <p:txBody>
+          <a:bodyPr wrap="square" rtlCol="0">
+            <a:spAutoFit/>
+          </a:bodyPr>
+          <a:lstStyle/>
+          <a:p>
+            <a:r>
+              <a:rPr lang="en-US" dirty="0">
+                <a:solidFill>
+                  <a:schemeClr val="accent6"/>
+                </a:solidFill>
+              </a:rPr>
+              <a:t>This function has not been called</a:t>
+            </a:r>
+            <a:r>
+              <a:rPr lang="en-US" dirty="0">
+                <a:solidFill>
+                  <a:schemeClr val="accent1"/>
+                </a:solidFill>
+              </a:rPr>
+              <a:t>.</a:t>
+            </a:r>
+          </a:p>
+        </p:txBody>
+      </p:sp>
+    </p:spTree>
+    <p:extLst>
+      <p:ext uri="{BB962C8B-B14F-4D97-AF65-F5344CB8AC3E}">
+        <p14:creationId xmlns:p14="http://schemas.microsoft.com/office/powerpoint/2010/main" val="3014660243"/>
+      </p:ext>
+    </p:extLst>
+  </p:cSld>
+  <p:clrMapOvr>
+    <a:masterClrMapping/>
+  </p:clrMapOvr>
+</p:sld>
+</file>
+
+<file path=ppt/slides/slide18.xml><?xml version="1.0" encoding="utf-8"?>
 <p:sld xmlns:a="http://schemas.openxmlformats.org/drawingml/2006/main" xmlns:r="http://schemas.openxmlformats.org/officeDocument/2006/relationships" xmlns:p="http://schemas.openxmlformats.org/presentationml/2006/main">
   <p:cSld>
     <p:spTree>
@@ -4970,7 +6254,769 @@
 </p:sld>
 </file>
 
-<file path=ppt/slides/slide17.xml><?xml version="1.0" encoding="utf-8"?>
+<file path=ppt/slides/slide19.xml><?xml version="1.0" encoding="utf-8"?>
+<p:sld xmlns:a="http://schemas.openxmlformats.org/drawingml/2006/main" xmlns:r="http://schemas.openxmlformats.org/officeDocument/2006/relationships" xmlns:p="http://schemas.openxmlformats.org/presentationml/2006/main">
+  <p:cSld>
+    <p:spTree>
+      <p:nvGrpSpPr>
+        <p:cNvPr id="1" name=""/>
+        <p:cNvGrpSpPr/>
+        <p:nvPr/>
+      </p:nvGrpSpPr>
+      <p:grpSpPr>
+        <a:xfrm>
+          <a:off x="0" y="0"/>
+          <a:ext cx="0" cy="0"/>
+          <a:chOff x="0" y="0"/>
+          <a:chExt cx="0" cy="0"/>
+        </a:xfrm>
+      </p:grpSpPr>
+      <p:sp>
+        <p:nvSpPr>
+          <p:cNvPr id="2" name="Title 1">
+            <a:extLst>
+              <a:ext uri="{FF2B5EF4-FFF2-40B4-BE49-F238E27FC236}">
+                <a16:creationId xmlns:a16="http://schemas.microsoft.com/office/drawing/2014/main" id="{D9DA742D-1B93-4351-9522-5F2B39F3DEF7}"/>
+              </a:ext>
+            </a:extLst>
+          </p:cNvPr>
+          <p:cNvSpPr>
+            <a:spLocks noGrp="1"/>
+          </p:cNvSpPr>
+          <p:nvPr>
+            <p:ph type="title"/>
+          </p:nvPr>
+        </p:nvSpPr>
+        <p:spPr/>
+        <p:txBody>
+          <a:bodyPr>
+            <a:normAutofit fontScale="90000"/>
+          </a:bodyPr>
+          <a:lstStyle/>
+          <a:p>
+            <a:r>
+              <a:rPr lang="en-US" b="1" dirty="0">
+                <a:solidFill>
+                  <a:schemeClr val="accent6"/>
+                </a:solidFill>
+              </a:rPr>
+              <a:t>OOP</a:t>
+            </a:r>
+            <a:r>
+              <a:rPr lang="en-US" b="1" dirty="0"/>
+              <a:t> Recap</a:t>
+            </a:r>
+          </a:p>
+        </p:txBody>
+      </p:sp>
+      <p:sp>
+        <p:nvSpPr>
+          <p:cNvPr id="13" name="TextBox 12">
+            <a:extLst>
+              <a:ext uri="{FF2B5EF4-FFF2-40B4-BE49-F238E27FC236}">
+                <a16:creationId xmlns:a16="http://schemas.microsoft.com/office/drawing/2014/main" id="{5ED260FB-378E-4CB6-A747-2BE22D45EF92}"/>
+              </a:ext>
+            </a:extLst>
+          </p:cNvPr>
+          <p:cNvSpPr txBox="1"/>
+          <p:nvPr/>
+        </p:nvSpPr>
+        <p:spPr>
+          <a:xfrm>
+            <a:off x="1071430" y="1966369"/>
+            <a:ext cx="4432668" cy="400110"/>
+          </a:xfrm>
+          <a:prstGeom prst="rect">
+            <a:avLst/>
+          </a:prstGeom>
+          <a:noFill/>
+        </p:spPr>
+        <p:txBody>
+          <a:bodyPr wrap="square" rtlCol="0">
+            <a:spAutoFit/>
+          </a:bodyPr>
+          <a:lstStyle/>
+          <a:p>
+            <a:r>
+              <a:rPr lang="en-US" sz="2000" b="1" dirty="0">
+                <a:solidFill>
+                  <a:srgbClr val="00FF00"/>
+                </a:solidFill>
+                <a:latin typeface="Courier New" panose="02070309020205020404" pitchFamily="49" charset="0"/>
+                <a:cs typeface="Courier New" panose="02070309020205020404" pitchFamily="49" charset="0"/>
+              </a:rPr>
+              <a:t>seb = Turtle</a:t>
+            </a:r>
+            <a:r>
+              <a:rPr lang="en-US" sz="2000" b="1" dirty="0">
+                <a:solidFill>
+                  <a:srgbClr val="E00BE5"/>
+                </a:solidFill>
+                <a:latin typeface="Courier New" panose="02070309020205020404" pitchFamily="49" charset="0"/>
+                <a:cs typeface="Courier New" panose="02070309020205020404" pitchFamily="49" charset="0"/>
+              </a:rPr>
+              <a:t>()</a:t>
+            </a:r>
+          </a:p>
+        </p:txBody>
+      </p:sp>
+      <p:sp>
+        <p:nvSpPr>
+          <p:cNvPr id="14" name="TextBox 13">
+            <a:extLst>
+              <a:ext uri="{FF2B5EF4-FFF2-40B4-BE49-F238E27FC236}">
+                <a16:creationId xmlns:a16="http://schemas.microsoft.com/office/drawing/2014/main" id="{129EC711-40AD-4D3F-A730-9F08C181D70F}"/>
+              </a:ext>
+            </a:extLst>
+          </p:cNvPr>
+          <p:cNvSpPr txBox="1"/>
+          <p:nvPr/>
+        </p:nvSpPr>
+        <p:spPr>
+          <a:xfrm>
+            <a:off x="6610145" y="1966369"/>
+            <a:ext cx="4746110" cy="4708981"/>
+          </a:xfrm>
+          <a:prstGeom prst="rect">
+            <a:avLst/>
+          </a:prstGeom>
+          <a:noFill/>
+        </p:spPr>
+        <p:txBody>
+          <a:bodyPr wrap="square" rtlCol="0">
+            <a:spAutoFit/>
+          </a:bodyPr>
+          <a:lstStyle/>
+          <a:p>
+            <a:r>
+              <a:rPr lang="en-US" sz="2000" b="1" dirty="0">
+                <a:solidFill>
+                  <a:srgbClr val="00FF00"/>
+                </a:solidFill>
+                <a:latin typeface="Courier New" panose="02070309020205020404" pitchFamily="49" charset="0"/>
+                <a:cs typeface="Courier New" panose="02070309020205020404" pitchFamily="49" charset="0"/>
+              </a:rPr>
+              <a:t>class Turtle:</a:t>
+            </a:r>
+          </a:p>
+          <a:p>
+            <a:r>
+              <a:rPr lang="en-US" sz="2000" b="1" dirty="0">
+                <a:solidFill>
+                  <a:srgbClr val="00FF00"/>
+                </a:solidFill>
+                <a:latin typeface="Courier New" panose="02070309020205020404" pitchFamily="49" charset="0"/>
+                <a:cs typeface="Courier New" panose="02070309020205020404" pitchFamily="49" charset="0"/>
+              </a:rPr>
+              <a:t>   </a:t>
+            </a:r>
+          </a:p>
+          <a:p>
+            <a:r>
+              <a:rPr lang="en-US" sz="2000" b="1" dirty="0">
+                <a:solidFill>
+                  <a:srgbClr val="FFD6AD"/>
+                </a:solidFill>
+                <a:latin typeface="Courier New" panose="02070309020205020404" pitchFamily="49" charset="0"/>
+                <a:cs typeface="Courier New" panose="02070309020205020404" pitchFamily="49" charset="0"/>
+              </a:rPr>
+              <a:t>   def __init__</a:t>
+            </a:r>
+            <a:r>
+              <a:rPr lang="en-US" sz="2000" b="1" dirty="0">
+                <a:solidFill>
+                  <a:srgbClr val="E00BE5"/>
+                </a:solidFill>
+                <a:latin typeface="Courier New" panose="02070309020205020404" pitchFamily="49" charset="0"/>
+                <a:cs typeface="Courier New" panose="02070309020205020404" pitchFamily="49" charset="0"/>
+              </a:rPr>
+              <a:t>(</a:t>
+            </a:r>
+            <a:r>
+              <a:rPr lang="en-US" sz="2000" b="1" dirty="0">
+                <a:solidFill>
+                  <a:srgbClr val="FFD6AD"/>
+                </a:solidFill>
+                <a:latin typeface="Courier New" panose="02070309020205020404" pitchFamily="49" charset="0"/>
+                <a:cs typeface="Courier New" panose="02070309020205020404" pitchFamily="49" charset="0"/>
+              </a:rPr>
+              <a:t>self</a:t>
+            </a:r>
+            <a:r>
+              <a:rPr lang="en-US" sz="2000" b="1" dirty="0">
+                <a:solidFill>
+                  <a:srgbClr val="E00BE5"/>
+                </a:solidFill>
+                <a:latin typeface="Courier New" panose="02070309020205020404" pitchFamily="49" charset="0"/>
+                <a:cs typeface="Courier New" panose="02070309020205020404" pitchFamily="49" charset="0"/>
+              </a:rPr>
+              <a:t>)</a:t>
+            </a:r>
+            <a:r>
+              <a:rPr lang="en-US" sz="2000" b="1" dirty="0">
+                <a:solidFill>
+                  <a:srgbClr val="FFD6AD"/>
+                </a:solidFill>
+                <a:latin typeface="Courier New" panose="02070309020205020404" pitchFamily="49" charset="0"/>
+                <a:cs typeface="Courier New" panose="02070309020205020404" pitchFamily="49" charset="0"/>
+              </a:rPr>
+              <a:t>:</a:t>
+            </a:r>
+          </a:p>
+          <a:p>
+            <a:r>
+              <a:rPr lang="en-US" sz="2000" b="1" dirty="0">
+                <a:solidFill>
+                  <a:srgbClr val="FFD6AD"/>
+                </a:solidFill>
+                <a:latin typeface="Courier New" panose="02070309020205020404" pitchFamily="49" charset="0"/>
+                <a:cs typeface="Courier New" panose="02070309020205020404" pitchFamily="49" charset="0"/>
+              </a:rPr>
+              <a:t>      self.x = x</a:t>
+            </a:r>
+          </a:p>
+          <a:p>
+            <a:r>
+              <a:rPr lang="en-US" sz="2000" b="1" dirty="0">
+                <a:solidFill>
+                  <a:srgbClr val="FFD6AD"/>
+                </a:solidFill>
+                <a:latin typeface="Courier New" panose="02070309020205020404" pitchFamily="49" charset="0"/>
+                <a:cs typeface="Courier New" panose="02070309020205020404" pitchFamily="49" charset="0"/>
+              </a:rPr>
+              <a:t>	self.y = y</a:t>
+            </a:r>
+          </a:p>
+          <a:p>
+            <a:r>
+              <a:rPr lang="en-US" sz="2000" b="1" dirty="0">
+                <a:solidFill>
+                  <a:srgbClr val="FFD6AD"/>
+                </a:solidFill>
+                <a:latin typeface="Courier New" panose="02070309020205020404" pitchFamily="49" charset="0"/>
+                <a:cs typeface="Courier New" panose="02070309020205020404" pitchFamily="49" charset="0"/>
+              </a:rPr>
+              <a:t>	</a:t>
+            </a:r>
+            <a:endParaRPr lang="en-US" sz="2000" b="1" dirty="0">
+              <a:solidFill>
+                <a:srgbClr val="00FF00"/>
+              </a:solidFill>
+              <a:latin typeface="Courier New" panose="02070309020205020404" pitchFamily="49" charset="0"/>
+              <a:cs typeface="Courier New" panose="02070309020205020404" pitchFamily="49" charset="0"/>
+            </a:endParaRPr>
+          </a:p>
+          <a:p>
+            <a:r>
+              <a:rPr lang="en-US" sz="2000" b="1" dirty="0">
+                <a:solidFill>
+                  <a:srgbClr val="00FF00"/>
+                </a:solidFill>
+                <a:latin typeface="Courier New" panose="02070309020205020404" pitchFamily="49" charset="0"/>
+                <a:cs typeface="Courier New" panose="02070309020205020404" pitchFamily="49" charset="0"/>
+              </a:rPr>
+              <a:t>   </a:t>
+            </a:r>
+            <a:r>
+              <a:rPr lang="en-US" sz="2000" b="1" dirty="0">
+                <a:solidFill>
+                  <a:srgbClr val="FF5050"/>
+                </a:solidFill>
+                <a:latin typeface="Courier New" panose="02070309020205020404" pitchFamily="49" charset="0"/>
+                <a:cs typeface="Courier New" panose="02070309020205020404" pitchFamily="49" charset="0"/>
+              </a:rPr>
+              <a:t>def up(self):</a:t>
+            </a:r>
+          </a:p>
+          <a:p>
+            <a:r>
+              <a:rPr lang="en-US" sz="2000" b="1" dirty="0">
+                <a:solidFill>
+                  <a:srgbClr val="FF5050"/>
+                </a:solidFill>
+                <a:latin typeface="Courier New" panose="02070309020205020404" pitchFamily="49" charset="0"/>
+                <a:cs typeface="Courier New" panose="02070309020205020404" pitchFamily="49" charset="0"/>
+              </a:rPr>
+              <a:t>      </a:t>
+            </a:r>
+            <a:r>
+              <a:rPr lang="en-US" sz="2000" b="1" dirty="0">
+                <a:solidFill>
+                  <a:srgbClr val="00FF00"/>
+                </a:solidFill>
+                <a:latin typeface="Courier New" panose="02070309020205020404" pitchFamily="49" charset="0"/>
+                <a:cs typeface="Courier New" panose="02070309020205020404" pitchFamily="49" charset="0"/>
+              </a:rPr>
+              <a:t>self.y += 1</a:t>
+            </a:r>
+          </a:p>
+          <a:p>
+            <a:endParaRPr lang="en-US" sz="2000" b="1" dirty="0">
+              <a:solidFill>
+                <a:srgbClr val="FF5050"/>
+              </a:solidFill>
+              <a:latin typeface="Courier New" panose="02070309020205020404" pitchFamily="49" charset="0"/>
+              <a:cs typeface="Courier New" panose="02070309020205020404" pitchFamily="49" charset="0"/>
+            </a:endParaRPr>
+          </a:p>
+          <a:p>
+            <a:r>
+              <a:rPr lang="en-US" sz="2000" b="1" dirty="0">
+                <a:solidFill>
+                  <a:srgbClr val="FF5050"/>
+                </a:solidFill>
+                <a:latin typeface="Courier New" panose="02070309020205020404" pitchFamily="49" charset="0"/>
+                <a:cs typeface="Courier New" panose="02070309020205020404" pitchFamily="49" charset="0"/>
+              </a:rPr>
+              <a:t>   def goto(self, x, y):</a:t>
+            </a:r>
+          </a:p>
+          <a:p>
+            <a:r>
+              <a:rPr lang="en-US" sz="2000" b="1" dirty="0">
+                <a:solidFill>
+                  <a:srgbClr val="FF5050"/>
+                </a:solidFill>
+                <a:latin typeface="Courier New" panose="02070309020205020404" pitchFamily="49" charset="0"/>
+                <a:cs typeface="Courier New" panose="02070309020205020404" pitchFamily="49" charset="0"/>
+              </a:rPr>
+              <a:t>      </a:t>
+            </a:r>
+            <a:r>
+              <a:rPr lang="en-US" sz="2000" b="1" dirty="0">
+                <a:solidFill>
+                  <a:srgbClr val="00FF00"/>
+                </a:solidFill>
+                <a:latin typeface="Courier New" panose="02070309020205020404" pitchFamily="49" charset="0"/>
+                <a:cs typeface="Courier New" panose="02070309020205020404" pitchFamily="49" charset="0"/>
+              </a:rPr>
+              <a:t>self.x = x</a:t>
+            </a:r>
+          </a:p>
+          <a:p>
+            <a:r>
+              <a:rPr lang="en-US" sz="2000" b="1" dirty="0">
+                <a:solidFill>
+                  <a:srgbClr val="00FF00"/>
+                </a:solidFill>
+                <a:latin typeface="Courier New" panose="02070309020205020404" pitchFamily="49" charset="0"/>
+                <a:cs typeface="Courier New" panose="02070309020205020404" pitchFamily="49" charset="0"/>
+              </a:rPr>
+              <a:t>      self.y = y</a:t>
+            </a:r>
+          </a:p>
+          <a:p>
+            <a:endParaRPr lang="en-US" sz="2000" b="1" dirty="0">
+              <a:solidFill>
+                <a:srgbClr val="00FF00"/>
+              </a:solidFill>
+              <a:latin typeface="Courier New" panose="02070309020205020404" pitchFamily="49" charset="0"/>
+              <a:cs typeface="Courier New" panose="02070309020205020404" pitchFamily="49" charset="0"/>
+            </a:endParaRPr>
+          </a:p>
+          <a:p>
+            <a:r>
+              <a:rPr lang="en-US" sz="2000" b="1" dirty="0">
+                <a:solidFill>
+                  <a:srgbClr val="00FF00"/>
+                </a:solidFill>
+                <a:latin typeface="Courier New" panose="02070309020205020404" pitchFamily="49" charset="0"/>
+                <a:cs typeface="Courier New" panose="02070309020205020404" pitchFamily="49" charset="0"/>
+              </a:rPr>
+              <a:t>   </a:t>
+            </a:r>
+            <a:r>
+              <a:rPr lang="en-US" sz="2000" b="1" dirty="0">
+                <a:solidFill>
+                  <a:srgbClr val="FF5050"/>
+                </a:solidFill>
+                <a:latin typeface="Courier New" panose="02070309020205020404" pitchFamily="49" charset="0"/>
+                <a:cs typeface="Courier New" panose="02070309020205020404" pitchFamily="49" charset="0"/>
+              </a:rPr>
+              <a:t>def get_position(self):</a:t>
+            </a:r>
+          </a:p>
+          <a:p>
+            <a:r>
+              <a:rPr lang="en-US" sz="2000" b="1" dirty="0">
+                <a:solidFill>
+                  <a:srgbClr val="FF5050"/>
+                </a:solidFill>
+                <a:latin typeface="Courier New" panose="02070309020205020404" pitchFamily="49" charset="0"/>
+                <a:cs typeface="Courier New" panose="02070309020205020404" pitchFamily="49" charset="0"/>
+              </a:rPr>
+              <a:t>      </a:t>
+            </a:r>
+            <a:r>
+              <a:rPr lang="en-US" sz="2000" b="1" dirty="0">
+                <a:solidFill>
+                  <a:srgbClr val="00FF00"/>
+                </a:solidFill>
+                <a:latin typeface="Courier New" panose="02070309020205020404" pitchFamily="49" charset="0"/>
+                <a:cs typeface="Courier New" panose="02070309020205020404" pitchFamily="49" charset="0"/>
+              </a:rPr>
+              <a:t>return self.x, self.y</a:t>
+            </a:r>
+          </a:p>
+        </p:txBody>
+      </p:sp>
+      <p:sp>
+        <p:nvSpPr>
+          <p:cNvPr id="8" name="TextBox 7">
+            <a:extLst>
+              <a:ext uri="{FF2B5EF4-FFF2-40B4-BE49-F238E27FC236}">
+                <a16:creationId xmlns:a16="http://schemas.microsoft.com/office/drawing/2014/main" id="{8B052B14-23FA-48AC-891F-115D07488F44}"/>
+              </a:ext>
+            </a:extLst>
+          </p:cNvPr>
+          <p:cNvSpPr txBox="1"/>
+          <p:nvPr/>
+        </p:nvSpPr>
+        <p:spPr>
+          <a:xfrm>
+            <a:off x="2102137" y="3586808"/>
+            <a:ext cx="3698895" cy="1384995"/>
+          </a:xfrm>
+          <a:prstGeom prst="rect">
+            <a:avLst/>
+          </a:prstGeom>
+          <a:noFill/>
+        </p:spPr>
+        <p:txBody>
+          <a:bodyPr wrap="square" rtlCol="0">
+            <a:spAutoFit/>
+          </a:bodyPr>
+          <a:lstStyle/>
+          <a:p>
+            <a:r>
+              <a:rPr lang="en-US" sz="2800" dirty="0">
+                <a:solidFill>
+                  <a:srgbClr val="FFFFFF"/>
+                </a:solidFill>
+              </a:rPr>
+              <a:t>Curved brackets are required to create an object</a:t>
+            </a:r>
+            <a:r>
+              <a:rPr lang="en-US" sz="2800" dirty="0">
+                <a:solidFill>
+                  <a:schemeClr val="accent2"/>
+                </a:solidFill>
+              </a:rPr>
+              <a:t>.</a:t>
+            </a:r>
+          </a:p>
+        </p:txBody>
+      </p:sp>
+      <p:sp>
+        <p:nvSpPr>
+          <p:cNvPr id="15" name="Arrow: Down 14">
+            <a:extLst>
+              <a:ext uri="{FF2B5EF4-FFF2-40B4-BE49-F238E27FC236}">
+                <a16:creationId xmlns:a16="http://schemas.microsoft.com/office/drawing/2014/main" id="{A5D5C628-DF69-4564-8829-7B2B5FFB4186}"/>
+              </a:ext>
+            </a:extLst>
+          </p:cNvPr>
+          <p:cNvSpPr/>
+          <p:nvPr/>
+        </p:nvSpPr>
+        <p:spPr>
+          <a:xfrm flipV="1">
+            <a:off x="2992796" y="2465930"/>
+            <a:ext cx="294968" cy="1120878"/>
+          </a:xfrm>
+          <a:prstGeom prst="downArrow">
+            <a:avLst/>
+          </a:prstGeom>
+        </p:spPr>
+        <p:style>
+          <a:lnRef idx="2">
+            <a:schemeClr val="accent1">
+              <a:shade val="50000"/>
+            </a:schemeClr>
+          </a:lnRef>
+          <a:fillRef idx="1">
+            <a:schemeClr val="accent1"/>
+          </a:fillRef>
+          <a:effectRef idx="0">
+            <a:schemeClr val="accent1"/>
+          </a:effectRef>
+          <a:fontRef idx="minor">
+            <a:schemeClr val="lt1"/>
+          </a:fontRef>
+        </p:style>
+        <p:txBody>
+          <a:bodyPr rtlCol="0" anchor="ctr"/>
+          <a:lstStyle/>
+          <a:p>
+            <a:pPr algn="ctr"/>
+            <a:endParaRPr lang="en-US"/>
+          </a:p>
+        </p:txBody>
+      </p:sp>
+    </p:spTree>
+    <p:extLst>
+      <p:ext uri="{BB962C8B-B14F-4D97-AF65-F5344CB8AC3E}">
+        <p14:creationId xmlns:p14="http://schemas.microsoft.com/office/powerpoint/2010/main" val="3798133608"/>
+      </p:ext>
+    </p:extLst>
+  </p:cSld>
+  <p:clrMapOvr>
+    <a:masterClrMapping/>
+  </p:clrMapOvr>
+</p:sld>
+</file>
+
+<file path=ppt/slides/slide2.xml><?xml version="1.0" encoding="utf-8"?>
+<p:sld xmlns:a="http://schemas.openxmlformats.org/drawingml/2006/main" xmlns:r="http://schemas.openxmlformats.org/officeDocument/2006/relationships" xmlns:p="http://schemas.openxmlformats.org/presentationml/2006/main">
+  <p:cSld>
+    <p:spTree>
+      <p:nvGrpSpPr>
+        <p:cNvPr id="1" name=""/>
+        <p:cNvGrpSpPr/>
+        <p:nvPr/>
+      </p:nvGrpSpPr>
+      <p:grpSpPr>
+        <a:xfrm>
+          <a:off x="0" y="0"/>
+          <a:ext cx="0" cy="0"/>
+          <a:chOff x="0" y="0"/>
+          <a:chExt cx="0" cy="0"/>
+        </a:xfrm>
+      </p:grpSpPr>
+      <p:sp>
+        <p:nvSpPr>
+          <p:cNvPr id="2" name="Title 1">
+            <a:extLst>
+              <a:ext uri="{FF2B5EF4-FFF2-40B4-BE49-F238E27FC236}">
+                <a16:creationId xmlns:a16="http://schemas.microsoft.com/office/drawing/2014/main" id="{8969A57B-21DC-4557-9D2E-36BBF1E923C9}"/>
+              </a:ext>
+            </a:extLst>
+          </p:cNvPr>
+          <p:cNvSpPr>
+            <a:spLocks noGrp="1"/>
+          </p:cNvSpPr>
+          <p:nvPr>
+            <p:ph type="title"/>
+          </p:nvPr>
+        </p:nvSpPr>
+        <p:spPr/>
+        <p:txBody>
+          <a:bodyPr>
+            <a:normAutofit fontScale="90000"/>
+          </a:bodyPr>
+          <a:lstStyle/>
+          <a:p>
+            <a:r>
+              <a:rPr lang="en-US" b="1" dirty="0"/>
+              <a:t>This Week</a:t>
+            </a:r>
+            <a:r>
+              <a:rPr lang="en-US" b="1" dirty="0">
+                <a:solidFill>
+                  <a:schemeClr val="accent1"/>
+                </a:solidFill>
+              </a:rPr>
+              <a:t>’</a:t>
+            </a:r>
+            <a:r>
+              <a:rPr lang="en-US" b="1" dirty="0"/>
+              <a:t>s Content</a:t>
+            </a:r>
+          </a:p>
+        </p:txBody>
+      </p:sp>
+      <p:sp>
+        <p:nvSpPr>
+          <p:cNvPr id="3" name="Content Placeholder 2">
+            <a:extLst>
+              <a:ext uri="{FF2B5EF4-FFF2-40B4-BE49-F238E27FC236}">
+                <a16:creationId xmlns:a16="http://schemas.microsoft.com/office/drawing/2014/main" id="{7AB50049-8F6C-4DF3-BA59-31343B218CF3}"/>
+              </a:ext>
+            </a:extLst>
+          </p:cNvPr>
+          <p:cNvSpPr>
+            <a:spLocks noGrp="1"/>
+          </p:cNvSpPr>
+          <p:nvPr>
+            <p:ph idx="1"/>
+          </p:nvPr>
+        </p:nvSpPr>
+        <p:spPr/>
+        <p:txBody>
+          <a:bodyPr/>
+          <a:lstStyle/>
+          <a:p>
+            <a:r>
+              <a:rPr lang="en-US" b="1" dirty="0"/>
+              <a:t>Lecture </a:t>
+            </a:r>
+            <a:r>
+              <a:rPr lang="en-US" b="1" dirty="0">
+                <a:solidFill>
+                  <a:schemeClr val="accent1"/>
+                </a:solidFill>
+              </a:rPr>
+              <a:t>10.1</a:t>
+            </a:r>
+          </a:p>
+          <a:p>
+            <a:pPr lvl="1"/>
+            <a:r>
+              <a:rPr lang="en-US" dirty="0"/>
+              <a:t>objects</a:t>
+            </a:r>
+            <a:r>
+              <a:rPr lang="en-US" dirty="0">
+                <a:solidFill>
+                  <a:schemeClr val="accent2"/>
+                </a:solidFill>
+              </a:rPr>
+              <a:t>,</a:t>
+            </a:r>
+            <a:r>
+              <a:rPr lang="en-US" dirty="0"/>
+              <a:t> classes, and methods</a:t>
+            </a:r>
+          </a:p>
+          <a:p>
+            <a:pPr lvl="1"/>
+            <a:r>
+              <a:rPr lang="en-US" dirty="0"/>
+              <a:t>Reading</a:t>
+            </a:r>
+            <a:r>
+              <a:rPr lang="en-US" dirty="0">
+                <a:solidFill>
+                  <a:schemeClr val="accent2"/>
+                </a:solidFill>
+              </a:rPr>
+              <a:t>:</a:t>
+            </a:r>
+            <a:r>
+              <a:rPr lang="en-US" dirty="0"/>
+              <a:t> Chapter 14</a:t>
+            </a:r>
+          </a:p>
+          <a:p>
+            <a:r>
+              <a:rPr lang="en-US" b="1" dirty="0"/>
+              <a:t>Lecture </a:t>
+            </a:r>
+            <a:r>
+              <a:rPr lang="en-US" b="1" dirty="0">
+                <a:solidFill>
+                  <a:schemeClr val="accent1"/>
+                </a:solidFill>
+              </a:rPr>
+              <a:t>10.2</a:t>
+            </a:r>
+          </a:p>
+          <a:p>
+            <a:pPr lvl="1"/>
+            <a:r>
+              <a:rPr lang="en-US" b="1" dirty="0"/>
+              <a:t>classes in classes</a:t>
+            </a:r>
+            <a:r>
+              <a:rPr lang="en-US" b="1" dirty="0">
+                <a:solidFill>
+                  <a:schemeClr val="accent2"/>
+                </a:solidFill>
+              </a:rPr>
+              <a:t>,</a:t>
+            </a:r>
+            <a:r>
+              <a:rPr lang="en-US" b="1" dirty="0"/>
+              <a:t> functions</a:t>
+            </a:r>
+            <a:r>
+              <a:rPr lang="en-US" b="1" dirty="0">
+                <a:solidFill>
+                  <a:schemeClr val="accent2"/>
+                </a:solidFill>
+              </a:rPr>
+              <a:t>,</a:t>
+            </a:r>
+            <a:r>
+              <a:rPr lang="en-US" b="1" dirty="0"/>
+              <a:t> and collections</a:t>
+            </a:r>
+          </a:p>
+          <a:p>
+            <a:pPr lvl="1"/>
+            <a:r>
+              <a:rPr lang="en-US" b="1" dirty="0"/>
+              <a:t>Reading</a:t>
+            </a:r>
+            <a:r>
+              <a:rPr lang="en-US" b="1" dirty="0">
+                <a:solidFill>
+                  <a:schemeClr val="accent2"/>
+                </a:solidFill>
+              </a:rPr>
+              <a:t>:</a:t>
+            </a:r>
+            <a:r>
+              <a:rPr lang="en-US" b="1" dirty="0"/>
+              <a:t> Chapter 14</a:t>
+            </a:r>
+          </a:p>
+          <a:p>
+            <a:r>
+              <a:rPr lang="en-US" b="1" dirty="0"/>
+              <a:t>Lecture </a:t>
+            </a:r>
+            <a:r>
+              <a:rPr lang="en-US" b="1" dirty="0">
+                <a:solidFill>
+                  <a:schemeClr val="accent1"/>
+                </a:solidFill>
+              </a:rPr>
+              <a:t>10.3</a:t>
+            </a:r>
+          </a:p>
+          <a:p>
+            <a:pPr lvl="1"/>
+            <a:r>
+              <a:rPr lang="en-US" dirty="0"/>
+              <a:t>Design Problem</a:t>
+            </a:r>
+            <a:r>
+              <a:rPr lang="en-US" dirty="0">
+                <a:solidFill>
+                  <a:schemeClr val="accent2"/>
+                </a:solidFill>
+              </a:rPr>
+              <a:t>:</a:t>
+            </a:r>
+            <a:r>
+              <a:rPr lang="en-US" dirty="0"/>
+              <a:t> Robot Localization</a:t>
+            </a:r>
+          </a:p>
+          <a:p>
+            <a:endParaRPr lang="en-US" dirty="0"/>
+          </a:p>
+          <a:p>
+            <a:pPr lvl="1"/>
+            <a:endParaRPr lang="en-US" dirty="0"/>
+          </a:p>
+        </p:txBody>
+      </p:sp>
+    </p:spTree>
+    <p:extLst>
+      <p:ext uri="{BB962C8B-B14F-4D97-AF65-F5344CB8AC3E}">
+        <p14:creationId xmlns:p14="http://schemas.microsoft.com/office/powerpoint/2010/main" val="2832463924"/>
+      </p:ext>
+    </p:extLst>
+  </p:cSld>
+  <p:clrMapOvr>
+    <a:masterClrMapping/>
+  </p:clrMapOvr>
+</p:sld>
+</file>
+
+<file path=ppt/slides/slide20.xml><?xml version="1.0" encoding="utf-8"?>
 <p:sld xmlns:a="http://schemas.openxmlformats.org/drawingml/2006/main" xmlns:r="http://schemas.openxmlformats.org/officeDocument/2006/relationships" xmlns:p="http://schemas.openxmlformats.org/presentationml/2006/main">
   <p:cSld>
     <p:spTree>
@@ -5465,7 +7511,7 @@
 </p:sld>
 </file>
 
-<file path=ppt/slides/slide18.xml><?xml version="1.0" encoding="utf-8"?>
+<file path=ppt/slides/slide21.xml><?xml version="1.0" encoding="utf-8"?>
 <p:sld xmlns:a="http://schemas.openxmlformats.org/drawingml/2006/main" xmlns:r="http://schemas.openxmlformats.org/officeDocument/2006/relationships" xmlns:p="http://schemas.openxmlformats.org/presentationml/2006/main">
   <p:cSld>
     <p:spTree>
@@ -5740,7 +7786,7 @@
 </p:sld>
 </file>
 
-<file path=ppt/slides/slide19.xml><?xml version="1.0" encoding="utf-8"?>
+<file path=ppt/slides/slide22.xml><?xml version="1.0" encoding="utf-8"?>
 <p:sld xmlns:a="http://schemas.openxmlformats.org/drawingml/2006/main" xmlns:r="http://schemas.openxmlformats.org/officeDocument/2006/relationships" xmlns:p="http://schemas.openxmlformats.org/presentationml/2006/main">
   <p:cSld>
     <p:spTree>
@@ -6101,7 +8147,47 @@
                 <a:latin typeface="Courier New" panose="02070309020205020404" pitchFamily="49" charset="0"/>
                 <a:cs typeface="Courier New" panose="02070309020205020404" pitchFamily="49" charset="0"/>
               </a:rPr>
-              <a:t>      body</a:t>
+              <a:t>      print(</a:t>
+            </a:r>
+            <a:r>
+              <a:rPr lang="en-US" sz="2000" b="1" dirty="0">
+                <a:solidFill>
+                  <a:srgbClr val="00FF00"/>
+                </a:solidFill>
+                <a:latin typeface="Courier New" panose="02070309020205020404" pitchFamily="49" charset="0"/>
+                <a:cs typeface="Courier New" panose="02070309020205020404" pitchFamily="49" charset="0"/>
+              </a:rPr>
+              <a:t>self</a:t>
+            </a:r>
+            <a:r>
+              <a:rPr lang="en-US" sz="2000" b="1" dirty="0">
+                <a:solidFill>
+                  <a:srgbClr val="FF5050"/>
+                </a:solidFill>
+                <a:latin typeface="Courier New" panose="02070309020205020404" pitchFamily="49" charset="0"/>
+                <a:cs typeface="Courier New" panose="02070309020205020404" pitchFamily="49" charset="0"/>
+              </a:rPr>
+              <a:t>.x, </a:t>
+            </a:r>
+            <a:r>
+              <a:rPr lang="en-US" sz="2000" b="1" dirty="0">
+                <a:solidFill>
+                  <a:srgbClr val="00FF00"/>
+                </a:solidFill>
+                <a:latin typeface="Courier New" panose="02070309020205020404" pitchFamily="49" charset="0"/>
+                <a:cs typeface="Courier New" panose="02070309020205020404" pitchFamily="49" charset="0"/>
+              </a:rPr>
+              <a:t>self</a:t>
+            </a:r>
+            <a:r>
+              <a:rPr lang="en-US" sz="2000" b="1" dirty="0">
+                <a:solidFill>
+                  <a:srgbClr val="FF5050"/>
+                </a:solidFill>
+                <a:latin typeface="Courier New" panose="02070309020205020404" pitchFamily="49" charset="0"/>
+                <a:cs typeface="Courier New" panose="02070309020205020404" pitchFamily="49" charset="0"/>
+              </a:rPr>
+              <a:t>.y)</a:t>
             </a:r>
           </a:p>
         </p:txBody>
@@ -6453,2198 +8539,6 @@
     <p:extLst>
       <p:ext uri="{BB962C8B-B14F-4D97-AF65-F5344CB8AC3E}">
         <p14:creationId xmlns:p14="http://schemas.microsoft.com/office/powerpoint/2010/main" val="4004984400"/>
-      </p:ext>
-    </p:extLst>
-  </p:cSld>
-  <p:clrMapOvr>
-    <a:masterClrMapping/>
-  </p:clrMapOvr>
-</p:sld>
-</file>
-
-<file path=ppt/slides/slide2.xml><?xml version="1.0" encoding="utf-8"?>
-<p:sld xmlns:a="http://schemas.openxmlformats.org/drawingml/2006/main" xmlns:r="http://schemas.openxmlformats.org/officeDocument/2006/relationships" xmlns:p="http://schemas.openxmlformats.org/presentationml/2006/main">
-  <p:cSld>
-    <p:spTree>
-      <p:nvGrpSpPr>
-        <p:cNvPr id="1" name=""/>
-        <p:cNvGrpSpPr/>
-        <p:nvPr/>
-      </p:nvGrpSpPr>
-      <p:grpSpPr>
-        <a:xfrm>
-          <a:off x="0" y="0"/>
-          <a:ext cx="0" cy="0"/>
-          <a:chOff x="0" y="0"/>
-          <a:chExt cx="0" cy="0"/>
-        </a:xfrm>
-      </p:grpSpPr>
-      <p:sp>
-        <p:nvSpPr>
-          <p:cNvPr id="2" name="Title 1">
-            <a:extLst>
-              <a:ext uri="{FF2B5EF4-FFF2-40B4-BE49-F238E27FC236}">
-                <a16:creationId xmlns:a16="http://schemas.microsoft.com/office/drawing/2014/main" id="{8969A57B-21DC-4557-9D2E-36BBF1E923C9}"/>
-              </a:ext>
-            </a:extLst>
-          </p:cNvPr>
-          <p:cNvSpPr>
-            <a:spLocks noGrp="1"/>
-          </p:cNvSpPr>
-          <p:nvPr>
-            <p:ph type="title"/>
-          </p:nvPr>
-        </p:nvSpPr>
-        <p:spPr/>
-        <p:txBody>
-          <a:bodyPr>
-            <a:normAutofit fontScale="90000"/>
-          </a:bodyPr>
-          <a:lstStyle/>
-          <a:p>
-            <a:r>
-              <a:rPr lang="en-US" b="1" dirty="0"/>
-              <a:t>This Week</a:t>
-            </a:r>
-            <a:r>
-              <a:rPr lang="en-US" b="1" dirty="0">
-                <a:solidFill>
-                  <a:schemeClr val="accent1"/>
-                </a:solidFill>
-              </a:rPr>
-              <a:t>’</a:t>
-            </a:r>
-            <a:r>
-              <a:rPr lang="en-US" b="1" dirty="0"/>
-              <a:t>s Content</a:t>
-            </a:r>
-          </a:p>
-        </p:txBody>
-      </p:sp>
-      <p:sp>
-        <p:nvSpPr>
-          <p:cNvPr id="3" name="Content Placeholder 2">
-            <a:extLst>
-              <a:ext uri="{FF2B5EF4-FFF2-40B4-BE49-F238E27FC236}">
-                <a16:creationId xmlns:a16="http://schemas.microsoft.com/office/drawing/2014/main" id="{7AB50049-8F6C-4DF3-BA59-31343B218CF3}"/>
-              </a:ext>
-            </a:extLst>
-          </p:cNvPr>
-          <p:cNvSpPr>
-            <a:spLocks noGrp="1"/>
-          </p:cNvSpPr>
-          <p:nvPr>
-            <p:ph idx="1"/>
-          </p:nvPr>
-        </p:nvSpPr>
-        <p:spPr/>
-        <p:txBody>
-          <a:bodyPr/>
-          <a:lstStyle/>
-          <a:p>
-            <a:r>
-              <a:rPr lang="en-US" b="1" dirty="0"/>
-              <a:t>Lecture </a:t>
-            </a:r>
-            <a:r>
-              <a:rPr lang="en-US" b="1" dirty="0">
-                <a:solidFill>
-                  <a:schemeClr val="accent1"/>
-                </a:solidFill>
-              </a:rPr>
-              <a:t>10.1</a:t>
-            </a:r>
-          </a:p>
-          <a:p>
-            <a:pPr lvl="1"/>
-            <a:r>
-              <a:rPr lang="en-US" dirty="0"/>
-              <a:t>objects</a:t>
-            </a:r>
-            <a:r>
-              <a:rPr lang="en-US" dirty="0">
-                <a:solidFill>
-                  <a:schemeClr val="accent2"/>
-                </a:solidFill>
-              </a:rPr>
-              <a:t>,</a:t>
-            </a:r>
-            <a:r>
-              <a:rPr lang="en-US" dirty="0"/>
-              <a:t> classes, and methods</a:t>
-            </a:r>
-          </a:p>
-          <a:p>
-            <a:pPr lvl="1"/>
-            <a:r>
-              <a:rPr lang="en-US" dirty="0"/>
-              <a:t>Reading</a:t>
-            </a:r>
-            <a:r>
-              <a:rPr lang="en-US" dirty="0">
-                <a:solidFill>
-                  <a:schemeClr val="accent2"/>
-                </a:solidFill>
-              </a:rPr>
-              <a:t>:</a:t>
-            </a:r>
-            <a:r>
-              <a:rPr lang="en-US" dirty="0"/>
-              <a:t> Chapter 14</a:t>
-            </a:r>
-          </a:p>
-          <a:p>
-            <a:r>
-              <a:rPr lang="en-US" b="1" dirty="0"/>
-              <a:t>Lecture </a:t>
-            </a:r>
-            <a:r>
-              <a:rPr lang="en-US" b="1" dirty="0">
-                <a:solidFill>
-                  <a:schemeClr val="accent1"/>
-                </a:solidFill>
-              </a:rPr>
-              <a:t>10.2</a:t>
-            </a:r>
-          </a:p>
-          <a:p>
-            <a:pPr lvl="1"/>
-            <a:r>
-              <a:rPr lang="en-US" b="1" dirty="0"/>
-              <a:t>classes in classes</a:t>
-            </a:r>
-            <a:r>
-              <a:rPr lang="en-US" b="1" dirty="0">
-                <a:solidFill>
-                  <a:schemeClr val="accent2"/>
-                </a:solidFill>
-              </a:rPr>
-              <a:t>,</a:t>
-            </a:r>
-            <a:r>
-              <a:rPr lang="en-US" b="1" dirty="0"/>
-              <a:t> functions</a:t>
-            </a:r>
-            <a:r>
-              <a:rPr lang="en-US" b="1" dirty="0">
-                <a:solidFill>
-                  <a:schemeClr val="accent2"/>
-                </a:solidFill>
-              </a:rPr>
-              <a:t>,</a:t>
-            </a:r>
-            <a:r>
-              <a:rPr lang="en-US" b="1" dirty="0"/>
-              <a:t> and collections</a:t>
-            </a:r>
-          </a:p>
-          <a:p>
-            <a:pPr lvl="1"/>
-            <a:r>
-              <a:rPr lang="en-US" b="1" dirty="0"/>
-              <a:t>Reading</a:t>
-            </a:r>
-            <a:r>
-              <a:rPr lang="en-US" b="1" dirty="0">
-                <a:solidFill>
-                  <a:schemeClr val="accent2"/>
-                </a:solidFill>
-              </a:rPr>
-              <a:t>:</a:t>
-            </a:r>
-            <a:r>
-              <a:rPr lang="en-US" b="1" dirty="0"/>
-              <a:t> Chapter 14</a:t>
-            </a:r>
-          </a:p>
-          <a:p>
-            <a:r>
-              <a:rPr lang="en-US" b="1" dirty="0"/>
-              <a:t>Lecture </a:t>
-            </a:r>
-            <a:r>
-              <a:rPr lang="en-US" b="1" dirty="0">
-                <a:solidFill>
-                  <a:schemeClr val="accent1"/>
-                </a:solidFill>
-              </a:rPr>
-              <a:t>10.3</a:t>
-            </a:r>
-          </a:p>
-          <a:p>
-            <a:pPr lvl="1"/>
-            <a:r>
-              <a:rPr lang="en-US" dirty="0"/>
-              <a:t>Design Problem</a:t>
-            </a:r>
-            <a:r>
-              <a:rPr lang="en-US" dirty="0">
-                <a:solidFill>
-                  <a:schemeClr val="accent2"/>
-                </a:solidFill>
-              </a:rPr>
-              <a:t>:</a:t>
-            </a:r>
-            <a:r>
-              <a:rPr lang="en-US" dirty="0"/>
-              <a:t> Robot Localization</a:t>
-            </a:r>
-          </a:p>
-          <a:p>
-            <a:endParaRPr lang="en-US" dirty="0"/>
-          </a:p>
-          <a:p>
-            <a:pPr lvl="1"/>
-            <a:endParaRPr lang="en-US" dirty="0"/>
-          </a:p>
-        </p:txBody>
-      </p:sp>
-    </p:spTree>
-    <p:extLst>
-      <p:ext uri="{BB962C8B-B14F-4D97-AF65-F5344CB8AC3E}">
-        <p14:creationId xmlns:p14="http://schemas.microsoft.com/office/powerpoint/2010/main" val="2832463924"/>
-      </p:ext>
-    </p:extLst>
-  </p:cSld>
-  <p:clrMapOvr>
-    <a:masterClrMapping/>
-  </p:clrMapOvr>
-</p:sld>
-</file>
-
-<file path=ppt/slides/slide20.xml><?xml version="1.0" encoding="utf-8"?>
-<p:sld xmlns:a="http://schemas.openxmlformats.org/drawingml/2006/main" xmlns:r="http://schemas.openxmlformats.org/officeDocument/2006/relationships" xmlns:p="http://schemas.openxmlformats.org/presentationml/2006/main">
-  <p:cSld>
-    <p:spTree>
-      <p:nvGrpSpPr>
-        <p:cNvPr id="1" name=""/>
-        <p:cNvGrpSpPr/>
-        <p:nvPr/>
-      </p:nvGrpSpPr>
-      <p:grpSpPr>
-        <a:xfrm>
-          <a:off x="0" y="0"/>
-          <a:ext cx="0" cy="0"/>
-          <a:chOff x="0" y="0"/>
-          <a:chExt cx="0" cy="0"/>
-        </a:xfrm>
-      </p:grpSpPr>
-      <p:sp>
-        <p:nvSpPr>
-          <p:cNvPr id="2" name="Title 1">
-            <a:extLst>
-              <a:ext uri="{FF2B5EF4-FFF2-40B4-BE49-F238E27FC236}">
-                <a16:creationId xmlns:a16="http://schemas.microsoft.com/office/drawing/2014/main" id="{2869D7A5-2615-487B-A824-0AFB5BD1718D}"/>
-              </a:ext>
-            </a:extLst>
-          </p:cNvPr>
-          <p:cNvSpPr>
-            <a:spLocks noGrp="1"/>
-          </p:cNvSpPr>
-          <p:nvPr>
-            <p:ph type="title"/>
-          </p:nvPr>
-        </p:nvSpPr>
-        <p:spPr/>
-        <p:txBody>
-          <a:bodyPr>
-            <a:normAutofit fontScale="90000"/>
-          </a:bodyPr>
-          <a:lstStyle/>
-          <a:p>
-            <a:r>
-              <a:rPr lang="en-US" b="1" dirty="0"/>
-              <a:t>Methods </a:t>
-            </a:r>
-            <a:r>
-              <a:rPr lang="en-US" b="1" dirty="0">
-                <a:solidFill>
-                  <a:schemeClr val="accent6"/>
-                </a:solidFill>
-              </a:rPr>
-              <a:t>and</a:t>
-            </a:r>
-            <a:r>
-              <a:rPr lang="en-US" b="1" dirty="0"/>
-              <a:t> </a:t>
-            </a:r>
-            <a:r>
-              <a:rPr lang="en-US" b="1" dirty="0">
-                <a:solidFill>
-                  <a:srgbClr val="00FF00"/>
-                </a:solidFill>
-                <a:latin typeface="Courier New" panose="02070309020205020404" pitchFamily="49" charset="0"/>
-                <a:cs typeface="Courier New" panose="02070309020205020404" pitchFamily="49" charset="0"/>
-              </a:rPr>
-              <a:t>self</a:t>
-            </a:r>
-          </a:p>
-        </p:txBody>
-      </p:sp>
-      <p:sp>
-        <p:nvSpPr>
-          <p:cNvPr id="4" name="TextBox 3">
-            <a:extLst>
-              <a:ext uri="{FF2B5EF4-FFF2-40B4-BE49-F238E27FC236}">
-                <a16:creationId xmlns:a16="http://schemas.microsoft.com/office/drawing/2014/main" id="{49C87298-20C0-4380-9C2F-A3CE16E86A5C}"/>
-              </a:ext>
-            </a:extLst>
-          </p:cNvPr>
-          <p:cNvSpPr txBox="1"/>
-          <p:nvPr/>
-        </p:nvSpPr>
-        <p:spPr>
-          <a:xfrm>
-            <a:off x="307032" y="2734443"/>
-            <a:ext cx="6453894" cy="3785652"/>
-          </a:xfrm>
-          <a:prstGeom prst="rect">
-            <a:avLst/>
-          </a:prstGeom>
-          <a:noFill/>
-        </p:spPr>
-        <p:txBody>
-          <a:bodyPr wrap="square" rtlCol="0">
-            <a:spAutoFit/>
-          </a:bodyPr>
-          <a:lstStyle/>
-          <a:p>
-            <a:r>
-              <a:rPr lang="en-US" sz="2000" b="1" dirty="0">
-                <a:solidFill>
-                  <a:srgbClr val="00FF00"/>
-                </a:solidFill>
-                <a:latin typeface="Courier New" panose="02070309020205020404" pitchFamily="49" charset="0"/>
-                <a:cs typeface="Courier New" panose="02070309020205020404" pitchFamily="49" charset="0"/>
-              </a:rPr>
-              <a:t>class Turtle:</a:t>
-            </a:r>
-          </a:p>
-          <a:p>
-            <a:r>
-              <a:rPr lang="en-US" sz="2000" b="1" dirty="0">
-                <a:solidFill>
-                  <a:srgbClr val="00FF00"/>
-                </a:solidFill>
-                <a:latin typeface="Courier New" panose="02070309020205020404" pitchFamily="49" charset="0"/>
-                <a:cs typeface="Courier New" panose="02070309020205020404" pitchFamily="49" charset="0"/>
-              </a:rPr>
-              <a:t>   </a:t>
-            </a:r>
-          </a:p>
-          <a:p>
-            <a:r>
-              <a:rPr lang="en-US" sz="2000" b="1" dirty="0">
-                <a:solidFill>
-                  <a:srgbClr val="FFD6AD"/>
-                </a:solidFill>
-                <a:latin typeface="Courier New" panose="02070309020205020404" pitchFamily="49" charset="0"/>
-                <a:cs typeface="Courier New" panose="02070309020205020404" pitchFamily="49" charset="0"/>
-              </a:rPr>
-              <a:t>   def __init__(</a:t>
-            </a:r>
-            <a:r>
-              <a:rPr lang="en-US" sz="2000" b="1" dirty="0">
-                <a:solidFill>
-                  <a:srgbClr val="00FF00"/>
-                </a:solidFill>
-                <a:latin typeface="Courier New" panose="02070309020205020404" pitchFamily="49" charset="0"/>
-                <a:cs typeface="Courier New" panose="02070309020205020404" pitchFamily="49" charset="0"/>
-              </a:rPr>
-              <a:t>self</a:t>
-            </a:r>
-            <a:r>
-              <a:rPr lang="en-US" sz="2000" b="1" dirty="0">
-                <a:solidFill>
-                  <a:srgbClr val="FFD6AD"/>
-                </a:solidFill>
-                <a:latin typeface="Courier New" panose="02070309020205020404" pitchFamily="49" charset="0"/>
-                <a:cs typeface="Courier New" panose="02070309020205020404" pitchFamily="49" charset="0"/>
-              </a:rPr>
-              <a:t>, x, y):</a:t>
-            </a:r>
-          </a:p>
-          <a:p>
-            <a:r>
-              <a:rPr lang="en-US" sz="2000" b="1" dirty="0">
-                <a:solidFill>
-                  <a:srgbClr val="FFD6AD"/>
-                </a:solidFill>
-                <a:latin typeface="Courier New" panose="02070309020205020404" pitchFamily="49" charset="0"/>
-                <a:cs typeface="Courier New" panose="02070309020205020404" pitchFamily="49" charset="0"/>
-              </a:rPr>
-              <a:t>      </a:t>
-            </a:r>
-            <a:r>
-              <a:rPr lang="en-US" sz="2000" b="1" dirty="0">
-                <a:solidFill>
-                  <a:srgbClr val="00FF00"/>
-                </a:solidFill>
-                <a:latin typeface="Courier New" panose="02070309020205020404" pitchFamily="49" charset="0"/>
-                <a:cs typeface="Courier New" panose="02070309020205020404" pitchFamily="49" charset="0"/>
-              </a:rPr>
-              <a:t>self</a:t>
-            </a:r>
-            <a:r>
-              <a:rPr lang="en-US" sz="2000" b="1" dirty="0">
-                <a:solidFill>
-                  <a:srgbClr val="FFD6AD"/>
-                </a:solidFill>
-                <a:latin typeface="Courier New" panose="02070309020205020404" pitchFamily="49" charset="0"/>
-                <a:cs typeface="Courier New" panose="02070309020205020404" pitchFamily="49" charset="0"/>
-              </a:rPr>
-              <a:t>.x = x</a:t>
-            </a:r>
-          </a:p>
-          <a:p>
-            <a:r>
-              <a:rPr lang="en-US" sz="2000" b="1" dirty="0">
-                <a:solidFill>
-                  <a:srgbClr val="FFD6AD"/>
-                </a:solidFill>
-                <a:latin typeface="Courier New" panose="02070309020205020404" pitchFamily="49" charset="0"/>
-                <a:cs typeface="Courier New" panose="02070309020205020404" pitchFamily="49" charset="0"/>
-              </a:rPr>
-              <a:t>	</a:t>
-            </a:r>
-            <a:r>
-              <a:rPr lang="en-US" sz="2000" b="1" dirty="0">
-                <a:solidFill>
-                  <a:srgbClr val="00FF00"/>
-                </a:solidFill>
-                <a:latin typeface="Courier New" panose="02070309020205020404" pitchFamily="49" charset="0"/>
-                <a:cs typeface="Courier New" panose="02070309020205020404" pitchFamily="49" charset="0"/>
-              </a:rPr>
-              <a:t>self</a:t>
-            </a:r>
-            <a:r>
-              <a:rPr lang="en-US" sz="2000" b="1" dirty="0">
-                <a:solidFill>
-                  <a:srgbClr val="FFD6AD"/>
-                </a:solidFill>
-                <a:latin typeface="Courier New" panose="02070309020205020404" pitchFamily="49" charset="0"/>
-                <a:cs typeface="Courier New" panose="02070309020205020404" pitchFamily="49" charset="0"/>
-              </a:rPr>
-              <a:t>.y = y</a:t>
-            </a:r>
-          </a:p>
-          <a:p>
-            <a:r>
-              <a:rPr lang="en-US" sz="2000" b="1" dirty="0">
-                <a:solidFill>
-                  <a:srgbClr val="FFD6AD"/>
-                </a:solidFill>
-                <a:latin typeface="Courier New" panose="02070309020205020404" pitchFamily="49" charset="0"/>
-                <a:cs typeface="Courier New" panose="02070309020205020404" pitchFamily="49" charset="0"/>
-              </a:rPr>
-              <a:t>	</a:t>
-            </a:r>
-            <a:endParaRPr lang="en-US" sz="2000" b="1" dirty="0">
-              <a:solidFill>
-                <a:srgbClr val="FF5050"/>
-              </a:solidFill>
-              <a:latin typeface="Courier New" panose="02070309020205020404" pitchFamily="49" charset="0"/>
-              <a:cs typeface="Courier New" panose="02070309020205020404" pitchFamily="49" charset="0"/>
-            </a:endParaRPr>
-          </a:p>
-          <a:p>
-            <a:r>
-              <a:rPr lang="en-US" sz="2000" b="1" dirty="0">
-                <a:solidFill>
-                  <a:srgbClr val="FF5050"/>
-                </a:solidFill>
-                <a:latin typeface="Courier New" panose="02070309020205020404" pitchFamily="49" charset="0"/>
-                <a:cs typeface="Courier New" panose="02070309020205020404" pitchFamily="49" charset="0"/>
-              </a:rPr>
-              <a:t>   def goto(</a:t>
-            </a:r>
-            <a:r>
-              <a:rPr lang="en-US" sz="2000" b="1" dirty="0">
-                <a:solidFill>
-                  <a:srgbClr val="00FF00"/>
-                </a:solidFill>
-                <a:latin typeface="Courier New" panose="02070309020205020404" pitchFamily="49" charset="0"/>
-                <a:cs typeface="Courier New" panose="02070309020205020404" pitchFamily="49" charset="0"/>
-              </a:rPr>
-              <a:t>self</a:t>
-            </a:r>
-            <a:r>
-              <a:rPr lang="en-US" sz="2000" b="1" dirty="0">
-                <a:solidFill>
-                  <a:srgbClr val="FF5050"/>
-                </a:solidFill>
-                <a:latin typeface="Courier New" panose="02070309020205020404" pitchFamily="49" charset="0"/>
-                <a:cs typeface="Courier New" panose="02070309020205020404" pitchFamily="49" charset="0"/>
-              </a:rPr>
-              <a:t>, x, y):</a:t>
-            </a:r>
-          </a:p>
-          <a:p>
-            <a:r>
-              <a:rPr lang="en-US" sz="2000" b="1" dirty="0">
-                <a:solidFill>
-                  <a:srgbClr val="FF5050"/>
-                </a:solidFill>
-                <a:latin typeface="Courier New" panose="02070309020205020404" pitchFamily="49" charset="0"/>
-                <a:cs typeface="Courier New" panose="02070309020205020404" pitchFamily="49" charset="0"/>
-              </a:rPr>
-              <a:t>      body</a:t>
-            </a:r>
-          </a:p>
-          <a:p>
-            <a:r>
-              <a:rPr lang="en-US" sz="2000" b="1" dirty="0">
-                <a:solidFill>
-                  <a:srgbClr val="FF5050"/>
-                </a:solidFill>
-                <a:latin typeface="Courier New" panose="02070309020205020404" pitchFamily="49" charset="0"/>
-                <a:cs typeface="Courier New" panose="02070309020205020404" pitchFamily="49" charset="0"/>
-              </a:rPr>
-              <a:t>	</a:t>
-            </a:r>
-            <a:r>
-              <a:rPr lang="en-US" sz="2000" b="1" dirty="0">
-                <a:solidFill>
-                  <a:srgbClr val="00FF00"/>
-                </a:solidFill>
-                <a:latin typeface="Courier New" panose="02070309020205020404" pitchFamily="49" charset="0"/>
-                <a:cs typeface="Courier New" panose="02070309020205020404" pitchFamily="49" charset="0"/>
-              </a:rPr>
-              <a:t>self</a:t>
-            </a:r>
-            <a:r>
-              <a:rPr lang="en-US" sz="2000" b="1" dirty="0">
-                <a:solidFill>
-                  <a:srgbClr val="FF5050"/>
-                </a:solidFill>
-                <a:latin typeface="Courier New" panose="02070309020205020404" pitchFamily="49" charset="0"/>
-                <a:cs typeface="Courier New" panose="02070309020205020404" pitchFamily="49" charset="0"/>
-              </a:rPr>
-              <a:t>.print_location()</a:t>
-            </a:r>
-          </a:p>
-          <a:p>
-            <a:endParaRPr lang="en-US" sz="2000" b="1" dirty="0">
-              <a:solidFill>
-                <a:srgbClr val="FF5050"/>
-              </a:solidFill>
-              <a:latin typeface="Courier New" panose="02070309020205020404" pitchFamily="49" charset="0"/>
-              <a:cs typeface="Courier New" panose="02070309020205020404" pitchFamily="49" charset="0"/>
-            </a:endParaRPr>
-          </a:p>
-          <a:p>
-            <a:r>
-              <a:rPr lang="en-US" sz="2000" b="1" dirty="0">
-                <a:solidFill>
-                  <a:srgbClr val="FF5050"/>
-                </a:solidFill>
-                <a:latin typeface="Courier New" panose="02070309020205020404" pitchFamily="49" charset="0"/>
-                <a:cs typeface="Courier New" panose="02070309020205020404" pitchFamily="49" charset="0"/>
-              </a:rPr>
-              <a:t>   def print_location(</a:t>
-            </a:r>
-            <a:r>
-              <a:rPr lang="en-US" sz="2000" b="1" dirty="0">
-                <a:solidFill>
-                  <a:srgbClr val="00FF00"/>
-                </a:solidFill>
-                <a:latin typeface="Courier New" panose="02070309020205020404" pitchFamily="49" charset="0"/>
-                <a:cs typeface="Courier New" panose="02070309020205020404" pitchFamily="49" charset="0"/>
-              </a:rPr>
-              <a:t>self</a:t>
-            </a:r>
-            <a:r>
-              <a:rPr lang="en-US" sz="2000" b="1" dirty="0">
-                <a:solidFill>
-                  <a:srgbClr val="FF5050"/>
-                </a:solidFill>
-                <a:latin typeface="Courier New" panose="02070309020205020404" pitchFamily="49" charset="0"/>
-                <a:cs typeface="Courier New" panose="02070309020205020404" pitchFamily="49" charset="0"/>
-              </a:rPr>
-              <a:t>):</a:t>
-            </a:r>
-          </a:p>
-          <a:p>
-            <a:r>
-              <a:rPr lang="en-US" sz="2000" b="1" dirty="0">
-                <a:solidFill>
-                  <a:srgbClr val="FF5050"/>
-                </a:solidFill>
-                <a:latin typeface="Courier New" panose="02070309020205020404" pitchFamily="49" charset="0"/>
-                <a:cs typeface="Courier New" panose="02070309020205020404" pitchFamily="49" charset="0"/>
-              </a:rPr>
-              <a:t>      body</a:t>
-            </a:r>
-          </a:p>
-        </p:txBody>
-      </p:sp>
-      <p:sp>
-        <p:nvSpPr>
-          <p:cNvPr id="6" name="TextBox 5">
-            <a:extLst>
-              <a:ext uri="{FF2B5EF4-FFF2-40B4-BE49-F238E27FC236}">
-                <a16:creationId xmlns:a16="http://schemas.microsoft.com/office/drawing/2014/main" id="{27FDB0C0-2566-4051-9A4E-DBFDDEF4F45F}"/>
-              </a:ext>
-            </a:extLst>
-          </p:cNvPr>
-          <p:cNvSpPr txBox="1"/>
-          <p:nvPr/>
-        </p:nvSpPr>
-        <p:spPr>
-          <a:xfrm>
-            <a:off x="307032" y="2006930"/>
-            <a:ext cx="3930884" cy="523220"/>
-          </a:xfrm>
-          <a:prstGeom prst="rect">
-            <a:avLst/>
-          </a:prstGeom>
-          <a:noFill/>
-        </p:spPr>
-        <p:txBody>
-          <a:bodyPr wrap="none" rtlCol="0">
-            <a:spAutoFit/>
-          </a:bodyPr>
-          <a:lstStyle/>
-          <a:p>
-            <a:r>
-              <a:rPr lang="en-US" sz="2800" b="1" dirty="0">
-                <a:solidFill>
-                  <a:srgbClr val="FFFFFF"/>
-                </a:solidFill>
-              </a:rPr>
-              <a:t>Inside Class Definition</a:t>
-            </a:r>
-          </a:p>
-        </p:txBody>
-      </p:sp>
-      <p:sp>
-        <p:nvSpPr>
-          <p:cNvPr id="14" name="TextBox 13">
-            <a:extLst>
-              <a:ext uri="{FF2B5EF4-FFF2-40B4-BE49-F238E27FC236}">
-                <a16:creationId xmlns:a16="http://schemas.microsoft.com/office/drawing/2014/main" id="{B9228819-FF67-4559-A355-3B29EFA79DBE}"/>
-              </a:ext>
-            </a:extLst>
-          </p:cNvPr>
-          <p:cNvSpPr txBox="1"/>
-          <p:nvPr/>
-        </p:nvSpPr>
-        <p:spPr>
-          <a:xfrm>
-            <a:off x="7675415" y="2734442"/>
-            <a:ext cx="3701143" cy="1015663"/>
-          </a:xfrm>
-          <a:prstGeom prst="rect">
-            <a:avLst/>
-          </a:prstGeom>
-          <a:noFill/>
-        </p:spPr>
-        <p:txBody>
-          <a:bodyPr wrap="square" rtlCol="0">
-            <a:spAutoFit/>
-          </a:bodyPr>
-          <a:lstStyle/>
-          <a:p>
-            <a:r>
-              <a:rPr lang="en-US" sz="2000" b="1" dirty="0">
-                <a:solidFill>
-                  <a:srgbClr val="00FF00"/>
-                </a:solidFill>
-                <a:latin typeface="Courier New" panose="02070309020205020404" pitchFamily="49" charset="0"/>
-                <a:cs typeface="Courier New" panose="02070309020205020404" pitchFamily="49" charset="0"/>
-              </a:rPr>
-              <a:t>alex = Turtle(10, 12)</a:t>
-            </a:r>
-          </a:p>
-          <a:p>
-            <a:endParaRPr lang="en-US" sz="2000" b="1" dirty="0">
-              <a:solidFill>
-                <a:srgbClr val="00FF00"/>
-              </a:solidFill>
-              <a:latin typeface="Courier New" panose="02070309020205020404" pitchFamily="49" charset="0"/>
-              <a:cs typeface="Courier New" panose="02070309020205020404" pitchFamily="49" charset="0"/>
-            </a:endParaRPr>
-          </a:p>
-          <a:p>
-            <a:r>
-              <a:rPr lang="en-US" sz="2000" b="1" dirty="0">
-                <a:solidFill>
-                  <a:srgbClr val="00FF00"/>
-                </a:solidFill>
-                <a:latin typeface="Courier New" panose="02070309020205020404" pitchFamily="49" charset="0"/>
-                <a:cs typeface="Courier New" panose="02070309020205020404" pitchFamily="49" charset="0"/>
-              </a:rPr>
-              <a:t>alex.print_location()</a:t>
-            </a:r>
-            <a:endParaRPr lang="en-US" sz="2000" b="1" dirty="0">
-              <a:solidFill>
-                <a:srgbClr val="FF5050"/>
-              </a:solidFill>
-              <a:latin typeface="Courier New" panose="02070309020205020404" pitchFamily="49" charset="0"/>
-              <a:cs typeface="Courier New" panose="02070309020205020404" pitchFamily="49" charset="0"/>
-            </a:endParaRPr>
-          </a:p>
-        </p:txBody>
-      </p:sp>
-      <p:sp>
-        <p:nvSpPr>
-          <p:cNvPr id="16" name="TextBox 15">
-            <a:extLst>
-              <a:ext uri="{FF2B5EF4-FFF2-40B4-BE49-F238E27FC236}">
-                <a16:creationId xmlns:a16="http://schemas.microsoft.com/office/drawing/2014/main" id="{10E37282-697B-4A9E-887E-389A062682D3}"/>
-              </a:ext>
-            </a:extLst>
-          </p:cNvPr>
-          <p:cNvSpPr txBox="1"/>
-          <p:nvPr/>
-        </p:nvSpPr>
-        <p:spPr>
-          <a:xfrm>
-            <a:off x="7675415" y="2006930"/>
-            <a:ext cx="4229043" cy="523220"/>
-          </a:xfrm>
-          <a:prstGeom prst="rect">
-            <a:avLst/>
-          </a:prstGeom>
-          <a:noFill/>
-        </p:spPr>
-        <p:txBody>
-          <a:bodyPr wrap="none" rtlCol="0">
-            <a:spAutoFit/>
-          </a:bodyPr>
-          <a:lstStyle/>
-          <a:p>
-            <a:r>
-              <a:rPr lang="en-US" sz="2800" b="1" dirty="0">
-                <a:solidFill>
-                  <a:srgbClr val="FFFFFF"/>
-                </a:solidFill>
-              </a:rPr>
-              <a:t>Outside Class Definition</a:t>
-            </a:r>
-          </a:p>
-        </p:txBody>
-      </p:sp>
-      <p:sp>
-        <p:nvSpPr>
-          <p:cNvPr id="17" name="TextBox 16">
-            <a:extLst>
-              <a:ext uri="{FF2B5EF4-FFF2-40B4-BE49-F238E27FC236}">
-                <a16:creationId xmlns:a16="http://schemas.microsoft.com/office/drawing/2014/main" id="{F74EE469-D981-4C85-8386-231CFE0E3916}"/>
-              </a:ext>
-            </a:extLst>
-          </p:cNvPr>
-          <p:cNvSpPr txBox="1"/>
-          <p:nvPr/>
-        </p:nvSpPr>
-        <p:spPr>
-          <a:xfrm>
-            <a:off x="5044892" y="4135420"/>
-            <a:ext cx="3137207" cy="1938992"/>
-          </a:xfrm>
-          <a:prstGeom prst="rect">
-            <a:avLst/>
-          </a:prstGeom>
-          <a:noFill/>
-        </p:spPr>
-        <p:txBody>
-          <a:bodyPr wrap="square" rtlCol="0">
-            <a:spAutoFit/>
-          </a:bodyPr>
-          <a:lstStyle/>
-          <a:p>
-            <a:r>
-              <a:rPr lang="en-US" sz="2400" dirty="0">
-                <a:solidFill>
-                  <a:srgbClr val="FFFFFF"/>
-                </a:solidFill>
-                <a:cs typeface="Courier New" panose="02070309020205020404" pitchFamily="49" charset="0"/>
-              </a:rPr>
-              <a:t>When defining a method</a:t>
-            </a:r>
-            <a:r>
-              <a:rPr lang="en-US" sz="2400" dirty="0">
-                <a:solidFill>
-                  <a:schemeClr val="accent1"/>
-                </a:solidFill>
-                <a:cs typeface="Courier New" panose="02070309020205020404" pitchFamily="49" charset="0"/>
-              </a:rPr>
-              <a:t>, </a:t>
-            </a:r>
-            <a:r>
-              <a:rPr lang="en-US" sz="2400" dirty="0">
-                <a:solidFill>
-                  <a:srgbClr val="FFFFFF"/>
-                </a:solidFill>
-                <a:cs typeface="Courier New" panose="02070309020205020404" pitchFamily="49" charset="0"/>
-              </a:rPr>
-              <a:t>the first parameter refers to the instance being manipulated (</a:t>
-            </a:r>
-            <a:r>
-              <a:rPr lang="en-US" sz="2400" b="1" dirty="0">
-                <a:solidFill>
-                  <a:srgbClr val="00FF00"/>
-                </a:solidFill>
-                <a:latin typeface="Courier New" panose="02070309020205020404" pitchFamily="49" charset="0"/>
-                <a:cs typeface="Courier New" panose="02070309020205020404" pitchFamily="49" charset="0"/>
-              </a:rPr>
-              <a:t>self</a:t>
-            </a:r>
-            <a:r>
-              <a:rPr lang="en-US" sz="2400" dirty="0">
-                <a:solidFill>
-                  <a:srgbClr val="FFFFFF"/>
-                </a:solidFill>
-                <a:cs typeface="Courier New" panose="02070309020205020404" pitchFamily="49" charset="0"/>
-              </a:rPr>
-              <a:t>)</a:t>
-            </a:r>
-            <a:r>
-              <a:rPr lang="en-US" sz="2400" dirty="0">
-                <a:solidFill>
-                  <a:schemeClr val="accent1"/>
-                </a:solidFill>
-              </a:rPr>
-              <a:t>.</a:t>
-            </a:r>
-          </a:p>
-        </p:txBody>
-      </p:sp>
-      <p:sp>
-        <p:nvSpPr>
-          <p:cNvPr id="19" name="Arrow: Bent-Up 18">
-            <a:extLst>
-              <a:ext uri="{FF2B5EF4-FFF2-40B4-BE49-F238E27FC236}">
-                <a16:creationId xmlns:a16="http://schemas.microsoft.com/office/drawing/2014/main" id="{AFDEA425-DB6A-4649-9A6C-AA7091A41752}"/>
-              </a:ext>
-            </a:extLst>
-          </p:cNvPr>
-          <p:cNvSpPr/>
-          <p:nvPr/>
-        </p:nvSpPr>
-        <p:spPr>
-          <a:xfrm flipH="1" flipV="1">
-            <a:off x="2378933" y="4379475"/>
-            <a:ext cx="2644419" cy="299402"/>
-          </a:xfrm>
-          <a:prstGeom prst="bentUpArrow">
-            <a:avLst/>
-          </a:prstGeom>
-        </p:spPr>
-        <p:style>
-          <a:lnRef idx="2">
-            <a:schemeClr val="accent1">
-              <a:shade val="50000"/>
-            </a:schemeClr>
-          </a:lnRef>
-          <a:fillRef idx="1">
-            <a:schemeClr val="accent1"/>
-          </a:fillRef>
-          <a:effectRef idx="0">
-            <a:schemeClr val="accent1"/>
-          </a:effectRef>
-          <a:fontRef idx="minor">
-            <a:schemeClr val="lt1"/>
-          </a:fontRef>
-        </p:style>
-        <p:txBody>
-          <a:bodyPr rtlCol="0" anchor="ctr"/>
-          <a:lstStyle/>
-          <a:p>
-            <a:pPr algn="ctr"/>
-            <a:endParaRPr lang="en-US"/>
-          </a:p>
-        </p:txBody>
-      </p:sp>
-    </p:spTree>
-    <p:extLst>
-      <p:ext uri="{BB962C8B-B14F-4D97-AF65-F5344CB8AC3E}">
-        <p14:creationId xmlns:p14="http://schemas.microsoft.com/office/powerpoint/2010/main" val="118192181"/>
-      </p:ext>
-    </p:extLst>
-  </p:cSld>
-  <p:clrMapOvr>
-    <a:masterClrMapping/>
-  </p:clrMapOvr>
-</p:sld>
-</file>
-
-<file path=ppt/slides/slide21.xml><?xml version="1.0" encoding="utf-8"?>
-<p:sld xmlns:a="http://schemas.openxmlformats.org/drawingml/2006/main" xmlns:r="http://schemas.openxmlformats.org/officeDocument/2006/relationships" xmlns:p="http://schemas.openxmlformats.org/presentationml/2006/main">
-  <p:cSld>
-    <p:spTree>
-      <p:nvGrpSpPr>
-        <p:cNvPr id="1" name=""/>
-        <p:cNvGrpSpPr/>
-        <p:nvPr/>
-      </p:nvGrpSpPr>
-      <p:grpSpPr>
-        <a:xfrm>
-          <a:off x="0" y="0"/>
-          <a:ext cx="0" cy="0"/>
-          <a:chOff x="0" y="0"/>
-          <a:chExt cx="0" cy="0"/>
-        </a:xfrm>
-      </p:grpSpPr>
-      <p:sp>
-        <p:nvSpPr>
-          <p:cNvPr id="2" name="Title 1">
-            <a:extLst>
-              <a:ext uri="{FF2B5EF4-FFF2-40B4-BE49-F238E27FC236}">
-                <a16:creationId xmlns:a16="http://schemas.microsoft.com/office/drawing/2014/main" id="{2869D7A5-2615-487B-A824-0AFB5BD1718D}"/>
-              </a:ext>
-            </a:extLst>
-          </p:cNvPr>
-          <p:cNvSpPr>
-            <a:spLocks noGrp="1"/>
-          </p:cNvSpPr>
-          <p:nvPr>
-            <p:ph type="title"/>
-          </p:nvPr>
-        </p:nvSpPr>
-        <p:spPr/>
-        <p:txBody>
-          <a:bodyPr>
-            <a:normAutofit fontScale="90000"/>
-          </a:bodyPr>
-          <a:lstStyle/>
-          <a:p>
-            <a:r>
-              <a:rPr lang="en-US" b="1" dirty="0"/>
-              <a:t>Methods </a:t>
-            </a:r>
-            <a:r>
-              <a:rPr lang="en-US" b="1" dirty="0">
-                <a:solidFill>
-                  <a:schemeClr val="accent6"/>
-                </a:solidFill>
-              </a:rPr>
-              <a:t>and</a:t>
-            </a:r>
-            <a:r>
-              <a:rPr lang="en-US" b="1" dirty="0"/>
-              <a:t> </a:t>
-            </a:r>
-            <a:r>
-              <a:rPr lang="en-US" b="1" dirty="0">
-                <a:solidFill>
-                  <a:srgbClr val="00FF00"/>
-                </a:solidFill>
-                <a:latin typeface="Courier New" panose="02070309020205020404" pitchFamily="49" charset="0"/>
-                <a:cs typeface="Courier New" panose="02070309020205020404" pitchFamily="49" charset="0"/>
-              </a:rPr>
-              <a:t>self</a:t>
-            </a:r>
-          </a:p>
-        </p:txBody>
-      </p:sp>
-      <p:sp>
-        <p:nvSpPr>
-          <p:cNvPr id="4" name="TextBox 3">
-            <a:extLst>
-              <a:ext uri="{FF2B5EF4-FFF2-40B4-BE49-F238E27FC236}">
-                <a16:creationId xmlns:a16="http://schemas.microsoft.com/office/drawing/2014/main" id="{49C87298-20C0-4380-9C2F-A3CE16E86A5C}"/>
-              </a:ext>
-            </a:extLst>
-          </p:cNvPr>
-          <p:cNvSpPr txBox="1"/>
-          <p:nvPr/>
-        </p:nvSpPr>
-        <p:spPr>
-          <a:xfrm>
-            <a:off x="307032" y="2734443"/>
-            <a:ext cx="6453894" cy="3785652"/>
-          </a:xfrm>
-          <a:prstGeom prst="rect">
-            <a:avLst/>
-          </a:prstGeom>
-          <a:noFill/>
-        </p:spPr>
-        <p:txBody>
-          <a:bodyPr wrap="square" rtlCol="0">
-            <a:spAutoFit/>
-          </a:bodyPr>
-          <a:lstStyle/>
-          <a:p>
-            <a:r>
-              <a:rPr lang="en-US" sz="2000" b="1" dirty="0">
-                <a:solidFill>
-                  <a:srgbClr val="00FF00"/>
-                </a:solidFill>
-                <a:latin typeface="Courier New" panose="02070309020205020404" pitchFamily="49" charset="0"/>
-                <a:cs typeface="Courier New" panose="02070309020205020404" pitchFamily="49" charset="0"/>
-              </a:rPr>
-              <a:t>class Turtle:</a:t>
-            </a:r>
-          </a:p>
-          <a:p>
-            <a:r>
-              <a:rPr lang="en-US" sz="2000" b="1" dirty="0">
-                <a:solidFill>
-                  <a:srgbClr val="00FF00"/>
-                </a:solidFill>
-                <a:latin typeface="Courier New" panose="02070309020205020404" pitchFamily="49" charset="0"/>
-                <a:cs typeface="Courier New" panose="02070309020205020404" pitchFamily="49" charset="0"/>
-              </a:rPr>
-              <a:t>   </a:t>
-            </a:r>
-          </a:p>
-          <a:p>
-            <a:r>
-              <a:rPr lang="en-US" sz="2000" b="1" dirty="0">
-                <a:solidFill>
-                  <a:srgbClr val="FFD6AD"/>
-                </a:solidFill>
-                <a:latin typeface="Courier New" panose="02070309020205020404" pitchFamily="49" charset="0"/>
-                <a:cs typeface="Courier New" panose="02070309020205020404" pitchFamily="49" charset="0"/>
-              </a:rPr>
-              <a:t>   def __init__(x, y):</a:t>
-            </a:r>
-          </a:p>
-          <a:p>
-            <a:r>
-              <a:rPr lang="en-US" sz="2000" b="1" dirty="0">
-                <a:solidFill>
-                  <a:srgbClr val="FFD6AD"/>
-                </a:solidFill>
-                <a:latin typeface="Courier New" panose="02070309020205020404" pitchFamily="49" charset="0"/>
-                <a:cs typeface="Courier New" panose="02070309020205020404" pitchFamily="49" charset="0"/>
-              </a:rPr>
-              <a:t>      </a:t>
-            </a:r>
-            <a:r>
-              <a:rPr lang="en-US" sz="2000" b="1" dirty="0">
-                <a:solidFill>
-                  <a:srgbClr val="00FF00"/>
-                </a:solidFill>
-                <a:latin typeface="Courier New" panose="02070309020205020404" pitchFamily="49" charset="0"/>
-                <a:cs typeface="Courier New" panose="02070309020205020404" pitchFamily="49" charset="0"/>
-              </a:rPr>
-              <a:t>self</a:t>
-            </a:r>
-            <a:r>
-              <a:rPr lang="en-US" sz="2000" b="1" dirty="0">
-                <a:solidFill>
-                  <a:srgbClr val="FFD6AD"/>
-                </a:solidFill>
-                <a:latin typeface="Courier New" panose="02070309020205020404" pitchFamily="49" charset="0"/>
-                <a:cs typeface="Courier New" panose="02070309020205020404" pitchFamily="49" charset="0"/>
-              </a:rPr>
-              <a:t>.x = x</a:t>
-            </a:r>
-          </a:p>
-          <a:p>
-            <a:r>
-              <a:rPr lang="en-US" sz="2000" b="1" dirty="0">
-                <a:solidFill>
-                  <a:srgbClr val="FFD6AD"/>
-                </a:solidFill>
-                <a:latin typeface="Courier New" panose="02070309020205020404" pitchFamily="49" charset="0"/>
-                <a:cs typeface="Courier New" panose="02070309020205020404" pitchFamily="49" charset="0"/>
-              </a:rPr>
-              <a:t>	</a:t>
-            </a:r>
-            <a:r>
-              <a:rPr lang="en-US" sz="2000" b="1" dirty="0">
-                <a:solidFill>
-                  <a:srgbClr val="00FF00"/>
-                </a:solidFill>
-                <a:latin typeface="Courier New" panose="02070309020205020404" pitchFamily="49" charset="0"/>
-                <a:cs typeface="Courier New" panose="02070309020205020404" pitchFamily="49" charset="0"/>
-              </a:rPr>
-              <a:t>self</a:t>
-            </a:r>
-            <a:r>
-              <a:rPr lang="en-US" sz="2000" b="1" dirty="0">
-                <a:solidFill>
-                  <a:srgbClr val="FFD6AD"/>
-                </a:solidFill>
-                <a:latin typeface="Courier New" panose="02070309020205020404" pitchFamily="49" charset="0"/>
-                <a:cs typeface="Courier New" panose="02070309020205020404" pitchFamily="49" charset="0"/>
-              </a:rPr>
-              <a:t>.y = y</a:t>
-            </a:r>
-          </a:p>
-          <a:p>
-            <a:r>
-              <a:rPr lang="en-US" sz="2000" b="1" dirty="0">
-                <a:solidFill>
-                  <a:srgbClr val="FFD6AD"/>
-                </a:solidFill>
-                <a:latin typeface="Courier New" panose="02070309020205020404" pitchFamily="49" charset="0"/>
-                <a:cs typeface="Courier New" panose="02070309020205020404" pitchFamily="49" charset="0"/>
-              </a:rPr>
-              <a:t>	</a:t>
-            </a:r>
-            <a:endParaRPr lang="en-US" sz="2000" b="1" dirty="0">
-              <a:solidFill>
-                <a:srgbClr val="FF5050"/>
-              </a:solidFill>
-              <a:latin typeface="Courier New" panose="02070309020205020404" pitchFamily="49" charset="0"/>
-              <a:cs typeface="Courier New" panose="02070309020205020404" pitchFamily="49" charset="0"/>
-            </a:endParaRPr>
-          </a:p>
-          <a:p>
-            <a:r>
-              <a:rPr lang="en-US" sz="2000" b="1" dirty="0">
-                <a:solidFill>
-                  <a:srgbClr val="FF5050"/>
-                </a:solidFill>
-                <a:latin typeface="Courier New" panose="02070309020205020404" pitchFamily="49" charset="0"/>
-                <a:cs typeface="Courier New" panose="02070309020205020404" pitchFamily="49" charset="0"/>
-              </a:rPr>
-              <a:t>   def goto(x, y):</a:t>
-            </a:r>
-          </a:p>
-          <a:p>
-            <a:r>
-              <a:rPr lang="en-US" sz="2000" b="1" dirty="0">
-                <a:solidFill>
-                  <a:srgbClr val="FF5050"/>
-                </a:solidFill>
-                <a:latin typeface="Courier New" panose="02070309020205020404" pitchFamily="49" charset="0"/>
-                <a:cs typeface="Courier New" panose="02070309020205020404" pitchFamily="49" charset="0"/>
-              </a:rPr>
-              <a:t>      body</a:t>
-            </a:r>
-          </a:p>
-          <a:p>
-            <a:r>
-              <a:rPr lang="en-US" sz="2000" b="1" dirty="0">
-                <a:solidFill>
-                  <a:srgbClr val="FF5050"/>
-                </a:solidFill>
-                <a:latin typeface="Courier New" panose="02070309020205020404" pitchFamily="49" charset="0"/>
-                <a:cs typeface="Courier New" panose="02070309020205020404" pitchFamily="49" charset="0"/>
-              </a:rPr>
-              <a:t>	</a:t>
-            </a:r>
-            <a:r>
-              <a:rPr lang="en-US" sz="2000" b="1" dirty="0">
-                <a:solidFill>
-                  <a:srgbClr val="00FF00"/>
-                </a:solidFill>
-                <a:latin typeface="Courier New" panose="02070309020205020404" pitchFamily="49" charset="0"/>
-                <a:cs typeface="Courier New" panose="02070309020205020404" pitchFamily="49" charset="0"/>
-              </a:rPr>
-              <a:t>self</a:t>
-            </a:r>
-            <a:r>
-              <a:rPr lang="en-US" sz="2000" b="1" dirty="0">
-                <a:solidFill>
-                  <a:srgbClr val="FF5050"/>
-                </a:solidFill>
-                <a:latin typeface="Courier New" panose="02070309020205020404" pitchFamily="49" charset="0"/>
-                <a:cs typeface="Courier New" panose="02070309020205020404" pitchFamily="49" charset="0"/>
-              </a:rPr>
-              <a:t>.print_location()</a:t>
-            </a:r>
-          </a:p>
-          <a:p>
-            <a:endParaRPr lang="en-US" sz="2000" b="1" dirty="0">
-              <a:solidFill>
-                <a:srgbClr val="FF5050"/>
-              </a:solidFill>
-              <a:latin typeface="Courier New" panose="02070309020205020404" pitchFamily="49" charset="0"/>
-              <a:cs typeface="Courier New" panose="02070309020205020404" pitchFamily="49" charset="0"/>
-            </a:endParaRPr>
-          </a:p>
-          <a:p>
-            <a:r>
-              <a:rPr lang="en-US" sz="2000" b="1" dirty="0">
-                <a:solidFill>
-                  <a:srgbClr val="FF5050"/>
-                </a:solidFill>
-                <a:latin typeface="Courier New" panose="02070309020205020404" pitchFamily="49" charset="0"/>
-                <a:cs typeface="Courier New" panose="02070309020205020404" pitchFamily="49" charset="0"/>
-              </a:rPr>
-              <a:t>   def print_location():</a:t>
-            </a:r>
-          </a:p>
-          <a:p>
-            <a:r>
-              <a:rPr lang="en-US" sz="2000" b="1" dirty="0">
-                <a:solidFill>
-                  <a:srgbClr val="FF5050"/>
-                </a:solidFill>
-                <a:latin typeface="Courier New" panose="02070309020205020404" pitchFamily="49" charset="0"/>
-                <a:cs typeface="Courier New" panose="02070309020205020404" pitchFamily="49" charset="0"/>
-              </a:rPr>
-              <a:t>      body</a:t>
-            </a:r>
-          </a:p>
-        </p:txBody>
-      </p:sp>
-      <p:sp>
-        <p:nvSpPr>
-          <p:cNvPr id="6" name="TextBox 5">
-            <a:extLst>
-              <a:ext uri="{FF2B5EF4-FFF2-40B4-BE49-F238E27FC236}">
-                <a16:creationId xmlns:a16="http://schemas.microsoft.com/office/drawing/2014/main" id="{27FDB0C0-2566-4051-9A4E-DBFDDEF4F45F}"/>
-              </a:ext>
-            </a:extLst>
-          </p:cNvPr>
-          <p:cNvSpPr txBox="1"/>
-          <p:nvPr/>
-        </p:nvSpPr>
-        <p:spPr>
-          <a:xfrm>
-            <a:off x="307032" y="2006930"/>
-            <a:ext cx="3930884" cy="523220"/>
-          </a:xfrm>
-          <a:prstGeom prst="rect">
-            <a:avLst/>
-          </a:prstGeom>
-          <a:noFill/>
-        </p:spPr>
-        <p:txBody>
-          <a:bodyPr wrap="none" rtlCol="0">
-            <a:spAutoFit/>
-          </a:bodyPr>
-          <a:lstStyle/>
-          <a:p>
-            <a:r>
-              <a:rPr lang="en-US" sz="2800" b="1" dirty="0">
-                <a:solidFill>
-                  <a:srgbClr val="FFFFFF"/>
-                </a:solidFill>
-              </a:rPr>
-              <a:t>Inside Class Definition</a:t>
-            </a:r>
-          </a:p>
-        </p:txBody>
-      </p:sp>
-      <p:sp>
-        <p:nvSpPr>
-          <p:cNvPr id="14" name="TextBox 13">
-            <a:extLst>
-              <a:ext uri="{FF2B5EF4-FFF2-40B4-BE49-F238E27FC236}">
-                <a16:creationId xmlns:a16="http://schemas.microsoft.com/office/drawing/2014/main" id="{B9228819-FF67-4559-A355-3B29EFA79DBE}"/>
-              </a:ext>
-            </a:extLst>
-          </p:cNvPr>
-          <p:cNvSpPr txBox="1"/>
-          <p:nvPr/>
-        </p:nvSpPr>
-        <p:spPr>
-          <a:xfrm>
-            <a:off x="7675415" y="2734442"/>
-            <a:ext cx="3701143" cy="1015663"/>
-          </a:xfrm>
-          <a:prstGeom prst="rect">
-            <a:avLst/>
-          </a:prstGeom>
-          <a:noFill/>
-        </p:spPr>
-        <p:txBody>
-          <a:bodyPr wrap="square" rtlCol="0">
-            <a:spAutoFit/>
-          </a:bodyPr>
-          <a:lstStyle/>
-          <a:p>
-            <a:r>
-              <a:rPr lang="en-US" sz="2000" b="1" dirty="0">
-                <a:solidFill>
-                  <a:srgbClr val="00FF00"/>
-                </a:solidFill>
-                <a:latin typeface="Courier New" panose="02070309020205020404" pitchFamily="49" charset="0"/>
-                <a:cs typeface="Courier New" panose="02070309020205020404" pitchFamily="49" charset="0"/>
-              </a:rPr>
-              <a:t>alex = Turtle(10, 12)</a:t>
-            </a:r>
-          </a:p>
-          <a:p>
-            <a:endParaRPr lang="en-US" sz="2000" b="1" dirty="0">
-              <a:solidFill>
-                <a:srgbClr val="00FF00"/>
-              </a:solidFill>
-              <a:latin typeface="Courier New" panose="02070309020205020404" pitchFamily="49" charset="0"/>
-              <a:cs typeface="Courier New" panose="02070309020205020404" pitchFamily="49" charset="0"/>
-            </a:endParaRPr>
-          </a:p>
-          <a:p>
-            <a:r>
-              <a:rPr lang="en-US" sz="2000" b="1" dirty="0">
-                <a:solidFill>
-                  <a:srgbClr val="00FF00"/>
-                </a:solidFill>
-                <a:latin typeface="Courier New" panose="02070309020205020404" pitchFamily="49" charset="0"/>
-                <a:cs typeface="Courier New" panose="02070309020205020404" pitchFamily="49" charset="0"/>
-              </a:rPr>
-              <a:t>alex.print_location()</a:t>
-            </a:r>
-            <a:endParaRPr lang="en-US" sz="2000" b="1" dirty="0">
-              <a:solidFill>
-                <a:srgbClr val="FF5050"/>
-              </a:solidFill>
-              <a:latin typeface="Courier New" panose="02070309020205020404" pitchFamily="49" charset="0"/>
-              <a:cs typeface="Courier New" panose="02070309020205020404" pitchFamily="49" charset="0"/>
-            </a:endParaRPr>
-          </a:p>
-        </p:txBody>
-      </p:sp>
-      <p:sp>
-        <p:nvSpPr>
-          <p:cNvPr id="16" name="TextBox 15">
-            <a:extLst>
-              <a:ext uri="{FF2B5EF4-FFF2-40B4-BE49-F238E27FC236}">
-                <a16:creationId xmlns:a16="http://schemas.microsoft.com/office/drawing/2014/main" id="{10E37282-697B-4A9E-887E-389A062682D3}"/>
-              </a:ext>
-            </a:extLst>
-          </p:cNvPr>
-          <p:cNvSpPr txBox="1"/>
-          <p:nvPr/>
-        </p:nvSpPr>
-        <p:spPr>
-          <a:xfrm>
-            <a:off x="7675415" y="2006930"/>
-            <a:ext cx="4229043" cy="523220"/>
-          </a:xfrm>
-          <a:prstGeom prst="rect">
-            <a:avLst/>
-          </a:prstGeom>
-          <a:noFill/>
-        </p:spPr>
-        <p:txBody>
-          <a:bodyPr wrap="none" rtlCol="0">
-            <a:spAutoFit/>
-          </a:bodyPr>
-          <a:lstStyle/>
-          <a:p>
-            <a:r>
-              <a:rPr lang="en-US" sz="2800" b="1" dirty="0">
-                <a:solidFill>
-                  <a:srgbClr val="FFFFFF"/>
-                </a:solidFill>
-              </a:rPr>
-              <a:t>Outside Class Definition</a:t>
-            </a:r>
-          </a:p>
-        </p:txBody>
-      </p:sp>
-      <p:sp>
-        <p:nvSpPr>
-          <p:cNvPr id="17" name="TextBox 16">
-            <a:extLst>
-              <a:ext uri="{FF2B5EF4-FFF2-40B4-BE49-F238E27FC236}">
-                <a16:creationId xmlns:a16="http://schemas.microsoft.com/office/drawing/2014/main" id="{F74EE469-D981-4C85-8386-231CFE0E3916}"/>
-              </a:ext>
-            </a:extLst>
-          </p:cNvPr>
-          <p:cNvSpPr txBox="1"/>
-          <p:nvPr/>
-        </p:nvSpPr>
-        <p:spPr>
-          <a:xfrm>
-            <a:off x="5044892" y="4135420"/>
-            <a:ext cx="3137207" cy="1938992"/>
-          </a:xfrm>
-          <a:prstGeom prst="rect">
-            <a:avLst/>
-          </a:prstGeom>
-          <a:noFill/>
-        </p:spPr>
-        <p:txBody>
-          <a:bodyPr wrap="square" rtlCol="0">
-            <a:spAutoFit/>
-          </a:bodyPr>
-          <a:lstStyle/>
-          <a:p>
-            <a:r>
-              <a:rPr lang="en-US" sz="2400" dirty="0">
-                <a:solidFill>
-                  <a:srgbClr val="FFFFFF"/>
-                </a:solidFill>
-                <a:cs typeface="Courier New" panose="02070309020205020404" pitchFamily="49" charset="0"/>
-              </a:rPr>
-              <a:t>A common error is to omit the </a:t>
-            </a:r>
-            <a:r>
-              <a:rPr lang="en-US" sz="2400" b="1" dirty="0">
-                <a:solidFill>
-                  <a:srgbClr val="00FF00"/>
-                </a:solidFill>
-                <a:latin typeface="Courier New" panose="02070309020205020404" pitchFamily="49" charset="0"/>
-                <a:cs typeface="Courier New" panose="02070309020205020404" pitchFamily="49" charset="0"/>
-              </a:rPr>
-              <a:t>self</a:t>
-            </a:r>
-            <a:r>
-              <a:rPr lang="en-US" sz="2400" dirty="0">
-                <a:solidFill>
-                  <a:srgbClr val="FFFFFF"/>
-                </a:solidFill>
-                <a:cs typeface="Courier New" panose="02070309020205020404" pitchFamily="49" charset="0"/>
-              </a:rPr>
-              <a:t> argument as the first parameter of a method definition</a:t>
-            </a:r>
-            <a:r>
-              <a:rPr lang="en-US" sz="2400" dirty="0">
-                <a:solidFill>
-                  <a:schemeClr val="accent1"/>
-                </a:solidFill>
-                <a:cs typeface="Courier New" panose="02070309020205020404" pitchFamily="49" charset="0"/>
-              </a:rPr>
-              <a:t>.</a:t>
-            </a:r>
-            <a:endParaRPr lang="en-US" sz="2400" dirty="0">
-              <a:solidFill>
-                <a:schemeClr val="accent1"/>
-              </a:solidFill>
-            </a:endParaRPr>
-          </a:p>
-        </p:txBody>
-      </p:sp>
-      <p:sp>
-        <p:nvSpPr>
-          <p:cNvPr id="19" name="Arrow: Bent-Up 18">
-            <a:extLst>
-              <a:ext uri="{FF2B5EF4-FFF2-40B4-BE49-F238E27FC236}">
-                <a16:creationId xmlns:a16="http://schemas.microsoft.com/office/drawing/2014/main" id="{AFDEA425-DB6A-4649-9A6C-AA7091A41752}"/>
-              </a:ext>
-            </a:extLst>
-          </p:cNvPr>
-          <p:cNvSpPr/>
-          <p:nvPr/>
-        </p:nvSpPr>
-        <p:spPr>
-          <a:xfrm flipH="1" flipV="1">
-            <a:off x="2149434" y="4379475"/>
-            <a:ext cx="2873918" cy="299402"/>
-          </a:xfrm>
-          <a:prstGeom prst="bentUpArrow">
-            <a:avLst/>
-          </a:prstGeom>
-        </p:spPr>
-        <p:style>
-          <a:lnRef idx="2">
-            <a:schemeClr val="accent1">
-              <a:shade val="50000"/>
-            </a:schemeClr>
-          </a:lnRef>
-          <a:fillRef idx="1">
-            <a:schemeClr val="accent1"/>
-          </a:fillRef>
-          <a:effectRef idx="0">
-            <a:schemeClr val="accent1"/>
-          </a:effectRef>
-          <a:fontRef idx="minor">
-            <a:schemeClr val="lt1"/>
-          </a:fontRef>
-        </p:style>
-        <p:txBody>
-          <a:bodyPr rtlCol="0" anchor="ctr"/>
-          <a:lstStyle/>
-          <a:p>
-            <a:pPr algn="ctr"/>
-            <a:endParaRPr lang="en-US"/>
-          </a:p>
-        </p:txBody>
-      </p:sp>
-    </p:spTree>
-    <p:extLst>
-      <p:ext uri="{BB962C8B-B14F-4D97-AF65-F5344CB8AC3E}">
-        <p14:creationId xmlns:p14="http://schemas.microsoft.com/office/powerpoint/2010/main" val="1616078632"/>
-      </p:ext>
-    </p:extLst>
-  </p:cSld>
-  <p:clrMapOvr>
-    <a:masterClrMapping/>
-  </p:clrMapOvr>
-</p:sld>
-</file>
-
-<file path=ppt/slides/slide22.xml><?xml version="1.0" encoding="utf-8"?>
-<p:sld xmlns:a="http://schemas.openxmlformats.org/drawingml/2006/main" xmlns:r="http://schemas.openxmlformats.org/officeDocument/2006/relationships" xmlns:p="http://schemas.openxmlformats.org/presentationml/2006/main">
-  <p:cSld>
-    <p:spTree>
-      <p:nvGrpSpPr>
-        <p:cNvPr id="1" name=""/>
-        <p:cNvGrpSpPr/>
-        <p:nvPr/>
-      </p:nvGrpSpPr>
-      <p:grpSpPr>
-        <a:xfrm>
-          <a:off x="0" y="0"/>
-          <a:ext cx="0" cy="0"/>
-          <a:chOff x="0" y="0"/>
-          <a:chExt cx="0" cy="0"/>
-        </a:xfrm>
-      </p:grpSpPr>
-      <p:sp>
-        <p:nvSpPr>
-          <p:cNvPr id="2" name="Title 1">
-            <a:extLst>
-              <a:ext uri="{FF2B5EF4-FFF2-40B4-BE49-F238E27FC236}">
-                <a16:creationId xmlns:a16="http://schemas.microsoft.com/office/drawing/2014/main" id="{2869D7A5-2615-487B-A824-0AFB5BD1718D}"/>
-              </a:ext>
-            </a:extLst>
-          </p:cNvPr>
-          <p:cNvSpPr>
-            <a:spLocks noGrp="1"/>
-          </p:cNvSpPr>
-          <p:nvPr>
-            <p:ph type="title"/>
-          </p:nvPr>
-        </p:nvSpPr>
-        <p:spPr/>
-        <p:txBody>
-          <a:bodyPr>
-            <a:normAutofit fontScale="90000"/>
-          </a:bodyPr>
-          <a:lstStyle/>
-          <a:p>
-            <a:r>
-              <a:rPr lang="en-US" b="1" dirty="0"/>
-              <a:t>Methods </a:t>
-            </a:r>
-            <a:r>
-              <a:rPr lang="en-US" b="1" dirty="0">
-                <a:solidFill>
-                  <a:schemeClr val="accent6"/>
-                </a:solidFill>
-              </a:rPr>
-              <a:t>and</a:t>
-            </a:r>
-            <a:r>
-              <a:rPr lang="en-US" b="1" dirty="0"/>
-              <a:t> </a:t>
-            </a:r>
-            <a:r>
-              <a:rPr lang="en-US" b="1" dirty="0">
-                <a:solidFill>
-                  <a:srgbClr val="00FF00"/>
-                </a:solidFill>
-                <a:latin typeface="Courier New" panose="02070309020205020404" pitchFamily="49" charset="0"/>
-                <a:cs typeface="Courier New" panose="02070309020205020404" pitchFamily="49" charset="0"/>
-              </a:rPr>
-              <a:t>self</a:t>
-            </a:r>
-          </a:p>
-        </p:txBody>
-      </p:sp>
-      <p:sp>
-        <p:nvSpPr>
-          <p:cNvPr id="4" name="TextBox 3">
-            <a:extLst>
-              <a:ext uri="{FF2B5EF4-FFF2-40B4-BE49-F238E27FC236}">
-                <a16:creationId xmlns:a16="http://schemas.microsoft.com/office/drawing/2014/main" id="{49C87298-20C0-4380-9C2F-A3CE16E86A5C}"/>
-              </a:ext>
-            </a:extLst>
-          </p:cNvPr>
-          <p:cNvSpPr txBox="1"/>
-          <p:nvPr/>
-        </p:nvSpPr>
-        <p:spPr>
-          <a:xfrm>
-            <a:off x="307032" y="2734443"/>
-            <a:ext cx="6453894" cy="3785652"/>
-          </a:xfrm>
-          <a:prstGeom prst="rect">
-            <a:avLst/>
-          </a:prstGeom>
-          <a:noFill/>
-        </p:spPr>
-        <p:txBody>
-          <a:bodyPr wrap="square" rtlCol="0">
-            <a:spAutoFit/>
-          </a:bodyPr>
-          <a:lstStyle/>
-          <a:p>
-            <a:r>
-              <a:rPr lang="en-US" sz="2000" b="1" dirty="0">
-                <a:solidFill>
-                  <a:srgbClr val="00FF00"/>
-                </a:solidFill>
-                <a:latin typeface="Courier New" panose="02070309020205020404" pitchFamily="49" charset="0"/>
-                <a:cs typeface="Courier New" panose="02070309020205020404" pitchFamily="49" charset="0"/>
-              </a:rPr>
-              <a:t>class Turtle:</a:t>
-            </a:r>
-          </a:p>
-          <a:p>
-            <a:r>
-              <a:rPr lang="en-US" sz="2000" b="1" dirty="0">
-                <a:solidFill>
-                  <a:srgbClr val="00FF00"/>
-                </a:solidFill>
-                <a:latin typeface="Courier New" panose="02070309020205020404" pitchFamily="49" charset="0"/>
-                <a:cs typeface="Courier New" panose="02070309020205020404" pitchFamily="49" charset="0"/>
-              </a:rPr>
-              <a:t>   </a:t>
-            </a:r>
-          </a:p>
-          <a:p>
-            <a:r>
-              <a:rPr lang="en-US" sz="2000" b="1" dirty="0">
-                <a:solidFill>
-                  <a:srgbClr val="FFD6AD"/>
-                </a:solidFill>
-                <a:latin typeface="Courier New" panose="02070309020205020404" pitchFamily="49" charset="0"/>
-                <a:cs typeface="Courier New" panose="02070309020205020404" pitchFamily="49" charset="0"/>
-              </a:rPr>
-              <a:t>   def __init__(x, y):</a:t>
-            </a:r>
-          </a:p>
-          <a:p>
-            <a:r>
-              <a:rPr lang="en-US" sz="2000" b="1" dirty="0">
-                <a:solidFill>
-                  <a:srgbClr val="FFD6AD"/>
-                </a:solidFill>
-                <a:latin typeface="Courier New" panose="02070309020205020404" pitchFamily="49" charset="0"/>
-                <a:cs typeface="Courier New" panose="02070309020205020404" pitchFamily="49" charset="0"/>
-              </a:rPr>
-              <a:t>      </a:t>
-            </a:r>
-            <a:r>
-              <a:rPr lang="en-US" sz="2000" b="1" dirty="0">
-                <a:solidFill>
-                  <a:srgbClr val="00FF00"/>
-                </a:solidFill>
-                <a:latin typeface="Courier New" panose="02070309020205020404" pitchFamily="49" charset="0"/>
-                <a:cs typeface="Courier New" panose="02070309020205020404" pitchFamily="49" charset="0"/>
-              </a:rPr>
-              <a:t>self</a:t>
-            </a:r>
-            <a:r>
-              <a:rPr lang="en-US" sz="2000" b="1" dirty="0">
-                <a:solidFill>
-                  <a:srgbClr val="FFD6AD"/>
-                </a:solidFill>
-                <a:latin typeface="Courier New" panose="02070309020205020404" pitchFamily="49" charset="0"/>
-                <a:cs typeface="Courier New" panose="02070309020205020404" pitchFamily="49" charset="0"/>
-              </a:rPr>
-              <a:t>.x = x</a:t>
-            </a:r>
-          </a:p>
-          <a:p>
-            <a:r>
-              <a:rPr lang="en-US" sz="2000" b="1" dirty="0">
-                <a:solidFill>
-                  <a:srgbClr val="FFD6AD"/>
-                </a:solidFill>
-                <a:latin typeface="Courier New" panose="02070309020205020404" pitchFamily="49" charset="0"/>
-                <a:cs typeface="Courier New" panose="02070309020205020404" pitchFamily="49" charset="0"/>
-              </a:rPr>
-              <a:t>	</a:t>
-            </a:r>
-            <a:r>
-              <a:rPr lang="en-US" sz="2000" b="1" dirty="0">
-                <a:solidFill>
-                  <a:srgbClr val="00FF00"/>
-                </a:solidFill>
-                <a:latin typeface="Courier New" panose="02070309020205020404" pitchFamily="49" charset="0"/>
-                <a:cs typeface="Courier New" panose="02070309020205020404" pitchFamily="49" charset="0"/>
-              </a:rPr>
-              <a:t>self</a:t>
-            </a:r>
-            <a:r>
-              <a:rPr lang="en-US" sz="2000" b="1" dirty="0">
-                <a:solidFill>
-                  <a:srgbClr val="FFD6AD"/>
-                </a:solidFill>
-                <a:latin typeface="Courier New" panose="02070309020205020404" pitchFamily="49" charset="0"/>
-                <a:cs typeface="Courier New" panose="02070309020205020404" pitchFamily="49" charset="0"/>
-              </a:rPr>
-              <a:t>.y = y</a:t>
-            </a:r>
-          </a:p>
-          <a:p>
-            <a:r>
-              <a:rPr lang="en-US" sz="2000" b="1" dirty="0">
-                <a:solidFill>
-                  <a:srgbClr val="FFD6AD"/>
-                </a:solidFill>
-                <a:latin typeface="Courier New" panose="02070309020205020404" pitchFamily="49" charset="0"/>
-                <a:cs typeface="Courier New" panose="02070309020205020404" pitchFamily="49" charset="0"/>
-              </a:rPr>
-              <a:t>	</a:t>
-            </a:r>
-            <a:endParaRPr lang="en-US" sz="2000" b="1" dirty="0">
-              <a:solidFill>
-                <a:srgbClr val="FF5050"/>
-              </a:solidFill>
-              <a:latin typeface="Courier New" panose="02070309020205020404" pitchFamily="49" charset="0"/>
-              <a:cs typeface="Courier New" panose="02070309020205020404" pitchFamily="49" charset="0"/>
-            </a:endParaRPr>
-          </a:p>
-          <a:p>
-            <a:r>
-              <a:rPr lang="en-US" sz="2000" b="1" dirty="0">
-                <a:solidFill>
-                  <a:srgbClr val="FF5050"/>
-                </a:solidFill>
-                <a:latin typeface="Courier New" panose="02070309020205020404" pitchFamily="49" charset="0"/>
-                <a:cs typeface="Courier New" panose="02070309020205020404" pitchFamily="49" charset="0"/>
-              </a:rPr>
-              <a:t>   def goto(x, y):</a:t>
-            </a:r>
-          </a:p>
-          <a:p>
-            <a:r>
-              <a:rPr lang="en-US" sz="2000" b="1" dirty="0">
-                <a:solidFill>
-                  <a:srgbClr val="FF5050"/>
-                </a:solidFill>
-                <a:latin typeface="Courier New" panose="02070309020205020404" pitchFamily="49" charset="0"/>
-                <a:cs typeface="Courier New" panose="02070309020205020404" pitchFamily="49" charset="0"/>
-              </a:rPr>
-              <a:t>      body</a:t>
-            </a:r>
-          </a:p>
-          <a:p>
-            <a:r>
-              <a:rPr lang="en-US" sz="2000" b="1" dirty="0">
-                <a:solidFill>
-                  <a:srgbClr val="FF5050"/>
-                </a:solidFill>
-                <a:latin typeface="Courier New" panose="02070309020205020404" pitchFamily="49" charset="0"/>
-                <a:cs typeface="Courier New" panose="02070309020205020404" pitchFamily="49" charset="0"/>
-              </a:rPr>
-              <a:t>	</a:t>
-            </a:r>
-            <a:r>
-              <a:rPr lang="en-US" sz="2000" b="1" dirty="0">
-                <a:solidFill>
-                  <a:srgbClr val="00FF00"/>
-                </a:solidFill>
-                <a:latin typeface="Courier New" panose="02070309020205020404" pitchFamily="49" charset="0"/>
-                <a:cs typeface="Courier New" panose="02070309020205020404" pitchFamily="49" charset="0"/>
-              </a:rPr>
-              <a:t>self</a:t>
-            </a:r>
-            <a:r>
-              <a:rPr lang="en-US" sz="2000" b="1" dirty="0">
-                <a:solidFill>
-                  <a:srgbClr val="FF5050"/>
-                </a:solidFill>
-                <a:latin typeface="Courier New" panose="02070309020205020404" pitchFamily="49" charset="0"/>
-                <a:cs typeface="Courier New" panose="02070309020205020404" pitchFamily="49" charset="0"/>
-              </a:rPr>
-              <a:t>.print_location()</a:t>
-            </a:r>
-          </a:p>
-          <a:p>
-            <a:endParaRPr lang="en-US" sz="2000" b="1" dirty="0">
-              <a:solidFill>
-                <a:srgbClr val="FF5050"/>
-              </a:solidFill>
-              <a:latin typeface="Courier New" panose="02070309020205020404" pitchFamily="49" charset="0"/>
-              <a:cs typeface="Courier New" panose="02070309020205020404" pitchFamily="49" charset="0"/>
-            </a:endParaRPr>
-          </a:p>
-          <a:p>
-            <a:r>
-              <a:rPr lang="en-US" sz="2000" b="1" dirty="0">
-                <a:solidFill>
-                  <a:srgbClr val="FF5050"/>
-                </a:solidFill>
-                <a:latin typeface="Courier New" panose="02070309020205020404" pitchFamily="49" charset="0"/>
-                <a:cs typeface="Courier New" panose="02070309020205020404" pitchFamily="49" charset="0"/>
-              </a:rPr>
-              <a:t>   def print_location():</a:t>
-            </a:r>
-          </a:p>
-          <a:p>
-            <a:r>
-              <a:rPr lang="en-US" sz="2000" b="1" dirty="0">
-                <a:solidFill>
-                  <a:srgbClr val="FF5050"/>
-                </a:solidFill>
-                <a:latin typeface="Courier New" panose="02070309020205020404" pitchFamily="49" charset="0"/>
-                <a:cs typeface="Courier New" panose="02070309020205020404" pitchFamily="49" charset="0"/>
-              </a:rPr>
-              <a:t>      body</a:t>
-            </a:r>
-          </a:p>
-        </p:txBody>
-      </p:sp>
-      <p:sp>
-        <p:nvSpPr>
-          <p:cNvPr id="6" name="TextBox 5">
-            <a:extLst>
-              <a:ext uri="{FF2B5EF4-FFF2-40B4-BE49-F238E27FC236}">
-                <a16:creationId xmlns:a16="http://schemas.microsoft.com/office/drawing/2014/main" id="{27FDB0C0-2566-4051-9A4E-DBFDDEF4F45F}"/>
-              </a:ext>
-            </a:extLst>
-          </p:cNvPr>
-          <p:cNvSpPr txBox="1"/>
-          <p:nvPr/>
-        </p:nvSpPr>
-        <p:spPr>
-          <a:xfrm>
-            <a:off x="307032" y="2006930"/>
-            <a:ext cx="3930884" cy="523220"/>
-          </a:xfrm>
-          <a:prstGeom prst="rect">
-            <a:avLst/>
-          </a:prstGeom>
-          <a:noFill/>
-        </p:spPr>
-        <p:txBody>
-          <a:bodyPr wrap="none" rtlCol="0">
-            <a:spAutoFit/>
-          </a:bodyPr>
-          <a:lstStyle/>
-          <a:p>
-            <a:r>
-              <a:rPr lang="en-US" sz="2800" b="1" dirty="0">
-                <a:solidFill>
-                  <a:srgbClr val="FFFFFF"/>
-                </a:solidFill>
-              </a:rPr>
-              <a:t>Inside Class Definition</a:t>
-            </a:r>
-          </a:p>
-        </p:txBody>
-      </p:sp>
-      <p:sp>
-        <p:nvSpPr>
-          <p:cNvPr id="14" name="TextBox 13">
-            <a:extLst>
-              <a:ext uri="{FF2B5EF4-FFF2-40B4-BE49-F238E27FC236}">
-                <a16:creationId xmlns:a16="http://schemas.microsoft.com/office/drawing/2014/main" id="{B9228819-FF67-4559-A355-3B29EFA79DBE}"/>
-              </a:ext>
-            </a:extLst>
-          </p:cNvPr>
-          <p:cNvSpPr txBox="1"/>
-          <p:nvPr/>
-        </p:nvSpPr>
-        <p:spPr>
-          <a:xfrm>
-            <a:off x="7675415" y="2734442"/>
-            <a:ext cx="3701143" cy="1015663"/>
-          </a:xfrm>
-          <a:prstGeom prst="rect">
-            <a:avLst/>
-          </a:prstGeom>
-          <a:noFill/>
-        </p:spPr>
-        <p:txBody>
-          <a:bodyPr wrap="square" rtlCol="0">
-            <a:spAutoFit/>
-          </a:bodyPr>
-          <a:lstStyle/>
-          <a:p>
-            <a:r>
-              <a:rPr lang="en-US" sz="2000" b="1" dirty="0">
-                <a:solidFill>
-                  <a:srgbClr val="00FF00"/>
-                </a:solidFill>
-                <a:latin typeface="Courier New" panose="02070309020205020404" pitchFamily="49" charset="0"/>
-                <a:cs typeface="Courier New" panose="02070309020205020404" pitchFamily="49" charset="0"/>
-              </a:rPr>
-              <a:t>alex = Turtle(10, 12)</a:t>
-            </a:r>
-          </a:p>
-          <a:p>
-            <a:endParaRPr lang="en-US" sz="2000" b="1" dirty="0">
-              <a:solidFill>
-                <a:srgbClr val="00FF00"/>
-              </a:solidFill>
-              <a:latin typeface="Courier New" panose="02070309020205020404" pitchFamily="49" charset="0"/>
-              <a:cs typeface="Courier New" panose="02070309020205020404" pitchFamily="49" charset="0"/>
-            </a:endParaRPr>
-          </a:p>
-          <a:p>
-            <a:r>
-              <a:rPr lang="en-US" sz="2000" b="1" dirty="0">
-                <a:solidFill>
-                  <a:srgbClr val="00FF00"/>
-                </a:solidFill>
-                <a:latin typeface="Courier New" panose="02070309020205020404" pitchFamily="49" charset="0"/>
-                <a:cs typeface="Courier New" panose="02070309020205020404" pitchFamily="49" charset="0"/>
-              </a:rPr>
-              <a:t>alex.print_location()</a:t>
-            </a:r>
-            <a:endParaRPr lang="en-US" sz="2000" b="1" dirty="0">
-              <a:solidFill>
-                <a:srgbClr val="FF5050"/>
-              </a:solidFill>
-              <a:latin typeface="Courier New" panose="02070309020205020404" pitchFamily="49" charset="0"/>
-              <a:cs typeface="Courier New" panose="02070309020205020404" pitchFamily="49" charset="0"/>
-            </a:endParaRPr>
-          </a:p>
-        </p:txBody>
-      </p:sp>
-      <p:sp>
-        <p:nvSpPr>
-          <p:cNvPr id="16" name="TextBox 15">
-            <a:extLst>
-              <a:ext uri="{FF2B5EF4-FFF2-40B4-BE49-F238E27FC236}">
-                <a16:creationId xmlns:a16="http://schemas.microsoft.com/office/drawing/2014/main" id="{10E37282-697B-4A9E-887E-389A062682D3}"/>
-              </a:ext>
-            </a:extLst>
-          </p:cNvPr>
-          <p:cNvSpPr txBox="1"/>
-          <p:nvPr/>
-        </p:nvSpPr>
-        <p:spPr>
-          <a:xfrm>
-            <a:off x="7675415" y="2006930"/>
-            <a:ext cx="4229043" cy="523220"/>
-          </a:xfrm>
-          <a:prstGeom prst="rect">
-            <a:avLst/>
-          </a:prstGeom>
-          <a:noFill/>
-        </p:spPr>
-        <p:txBody>
-          <a:bodyPr wrap="none" rtlCol="0">
-            <a:spAutoFit/>
-          </a:bodyPr>
-          <a:lstStyle/>
-          <a:p>
-            <a:r>
-              <a:rPr lang="en-US" sz="2800" b="1" dirty="0">
-                <a:solidFill>
-                  <a:srgbClr val="FFFFFF"/>
-                </a:solidFill>
-              </a:rPr>
-              <a:t>Outside Class Definition</a:t>
-            </a:r>
-          </a:p>
-        </p:txBody>
-      </p:sp>
-      <p:sp>
-        <p:nvSpPr>
-          <p:cNvPr id="7" name="TextBox 6">
-            <a:extLst>
-              <a:ext uri="{FF2B5EF4-FFF2-40B4-BE49-F238E27FC236}">
-                <a16:creationId xmlns:a16="http://schemas.microsoft.com/office/drawing/2014/main" id="{0C30AC32-C539-4C61-9767-1EC21B9BD904}"/>
-              </a:ext>
-            </a:extLst>
-          </p:cNvPr>
-          <p:cNvSpPr txBox="1"/>
-          <p:nvPr/>
-        </p:nvSpPr>
-        <p:spPr>
-          <a:xfrm>
-            <a:off x="4813501" y="2006930"/>
-            <a:ext cx="2855939" cy="4278094"/>
-          </a:xfrm>
-          <a:prstGeom prst="rect">
-            <a:avLst/>
-          </a:prstGeom>
-          <a:noFill/>
-        </p:spPr>
-        <p:txBody>
-          <a:bodyPr wrap="square" rtlCol="0">
-            <a:spAutoFit/>
-          </a:bodyPr>
-          <a:lstStyle/>
-          <a:p>
-            <a:r>
-              <a:rPr lang="en-US" sz="3200" b="1" dirty="0">
-                <a:solidFill>
-                  <a:srgbClr val="FF0000"/>
-                </a:solidFill>
-              </a:rPr>
-              <a:t>TypeError: </a:t>
-            </a:r>
-          </a:p>
-          <a:p>
-            <a:r>
-              <a:rPr lang="en-US" sz="2400" dirty="0">
-                <a:solidFill>
-                  <a:srgbClr val="00FF00"/>
-                </a:solidFill>
-              </a:rPr>
-              <a:t>print_location() </a:t>
-            </a:r>
-            <a:r>
-              <a:rPr lang="en-US" sz="2400" dirty="0">
-                <a:solidFill>
-                  <a:srgbClr val="FFFFFF"/>
-                </a:solidFill>
-              </a:rPr>
-              <a:t>takes 0 positional arguments but 1 was given</a:t>
-            </a:r>
-            <a:r>
-              <a:rPr lang="en-US" sz="2400" dirty="0">
-                <a:solidFill>
-                  <a:schemeClr val="accent2"/>
-                </a:solidFill>
-              </a:rPr>
-              <a:t>.</a:t>
-            </a:r>
-          </a:p>
-          <a:p>
-            <a:endParaRPr lang="en-US" sz="2400" dirty="0">
-              <a:solidFill>
-                <a:schemeClr val="accent2"/>
-              </a:solidFill>
-            </a:endParaRPr>
-          </a:p>
-          <a:p>
-            <a:r>
-              <a:rPr lang="en-US" sz="2400" dirty="0">
-                <a:solidFill>
-                  <a:srgbClr val="FFFFFF"/>
-                </a:solidFill>
-              </a:rPr>
-              <a:t>A method call automatically inserts an instance reference as the first argument</a:t>
-            </a:r>
-            <a:r>
-              <a:rPr lang="en-US" sz="2400" dirty="0">
-                <a:solidFill>
-                  <a:schemeClr val="accent2"/>
-                </a:solidFill>
-              </a:rPr>
-              <a:t>.</a:t>
-            </a:r>
-          </a:p>
-        </p:txBody>
-      </p:sp>
-      <p:sp>
-        <p:nvSpPr>
-          <p:cNvPr id="12" name="TextBox 11">
-            <a:extLst>
-              <a:ext uri="{FF2B5EF4-FFF2-40B4-BE49-F238E27FC236}">
-                <a16:creationId xmlns:a16="http://schemas.microsoft.com/office/drawing/2014/main" id="{BE378CD8-8F4C-40C2-819F-587C016BB3C7}"/>
-              </a:ext>
-            </a:extLst>
-          </p:cNvPr>
-          <p:cNvSpPr txBox="1"/>
-          <p:nvPr/>
-        </p:nvSpPr>
-        <p:spPr>
-          <a:xfrm>
-            <a:off x="8413705" y="3876807"/>
-            <a:ext cx="3271613" cy="2677656"/>
-          </a:xfrm>
-          <a:prstGeom prst="rect">
-            <a:avLst/>
-          </a:prstGeom>
-          <a:noFill/>
-        </p:spPr>
-        <p:txBody>
-          <a:bodyPr wrap="square" rtlCol="0">
-            <a:spAutoFit/>
-          </a:bodyPr>
-          <a:lstStyle/>
-          <a:p>
-            <a:r>
-              <a:rPr lang="en-US" sz="2400" dirty="0">
-                <a:solidFill>
-                  <a:srgbClr val="FFFFFF"/>
-                </a:solidFill>
-              </a:rPr>
-              <a:t>The error only occurs when you call the function</a:t>
-            </a:r>
-            <a:r>
-              <a:rPr lang="en-US" sz="2400" dirty="0">
-                <a:solidFill>
-                  <a:schemeClr val="accent3"/>
-                </a:solidFill>
-              </a:rPr>
-              <a:t>.</a:t>
-            </a:r>
-          </a:p>
-          <a:p>
-            <a:endParaRPr lang="en-US" sz="2400" dirty="0">
-              <a:solidFill>
-                <a:schemeClr val="accent3"/>
-              </a:solidFill>
-            </a:endParaRPr>
-          </a:p>
-          <a:p>
-            <a:r>
-              <a:rPr lang="en-US" sz="2400" dirty="0">
-                <a:solidFill>
-                  <a:srgbClr val="FFFFFF"/>
-                </a:solidFill>
-              </a:rPr>
-              <a:t>Defining the methods without </a:t>
-            </a:r>
-            <a:r>
-              <a:rPr lang="en-US" sz="2400" b="1" dirty="0">
-                <a:solidFill>
-                  <a:srgbClr val="00FF00"/>
-                </a:solidFill>
-                <a:latin typeface="Courier New" panose="02070309020205020404" pitchFamily="49" charset="0"/>
-                <a:cs typeface="Courier New" panose="02070309020205020404" pitchFamily="49" charset="0"/>
-              </a:rPr>
-              <a:t>self</a:t>
-            </a:r>
-            <a:r>
-              <a:rPr lang="en-US" sz="2400" b="1" dirty="0">
-                <a:solidFill>
-                  <a:srgbClr val="00FF00"/>
-                </a:solidFill>
-              </a:rPr>
-              <a:t> </a:t>
-            </a:r>
-            <a:r>
-              <a:rPr lang="en-US" sz="2400" dirty="0">
-                <a:solidFill>
-                  <a:srgbClr val="FFFFFF"/>
-                </a:solidFill>
-              </a:rPr>
-              <a:t>will not cause an error</a:t>
-            </a:r>
-            <a:r>
-              <a:rPr lang="en-US" sz="2400" dirty="0">
-                <a:solidFill>
-                  <a:schemeClr val="accent3"/>
-                </a:solidFill>
-              </a:rPr>
-              <a:t>.</a:t>
-            </a:r>
-          </a:p>
-        </p:txBody>
-      </p:sp>
-      <p:sp>
-        <p:nvSpPr>
-          <p:cNvPr id="13" name="Arrow: Bent-Up 12">
-            <a:extLst>
-              <a:ext uri="{FF2B5EF4-FFF2-40B4-BE49-F238E27FC236}">
-                <a16:creationId xmlns:a16="http://schemas.microsoft.com/office/drawing/2014/main" id="{D352B2C3-C8F5-4E06-A6B3-B662E7CA2798}"/>
-              </a:ext>
-            </a:extLst>
-          </p:cNvPr>
-          <p:cNvSpPr/>
-          <p:nvPr/>
-        </p:nvSpPr>
-        <p:spPr>
-          <a:xfrm flipH="1">
-            <a:off x="7992180" y="3713470"/>
-            <a:ext cx="415550" cy="487681"/>
-          </a:xfrm>
-          <a:prstGeom prst="bentUpArrow">
-            <a:avLst/>
-          </a:prstGeom>
-        </p:spPr>
-        <p:style>
-          <a:lnRef idx="2">
-            <a:schemeClr val="accent1">
-              <a:shade val="50000"/>
-            </a:schemeClr>
-          </a:lnRef>
-          <a:fillRef idx="1">
-            <a:schemeClr val="accent1"/>
-          </a:fillRef>
-          <a:effectRef idx="0">
-            <a:schemeClr val="accent1"/>
-          </a:effectRef>
-          <a:fontRef idx="minor">
-            <a:schemeClr val="lt1"/>
-          </a:fontRef>
-        </p:style>
-        <p:txBody>
-          <a:bodyPr rtlCol="0" anchor="ctr"/>
-          <a:lstStyle/>
-          <a:p>
-            <a:pPr algn="ctr"/>
-            <a:endParaRPr lang="en-US"/>
-          </a:p>
-        </p:txBody>
-      </p:sp>
-    </p:spTree>
-    <p:extLst>
-      <p:ext uri="{BB962C8B-B14F-4D97-AF65-F5344CB8AC3E}">
-        <p14:creationId xmlns:p14="http://schemas.microsoft.com/office/powerpoint/2010/main" val="626163990"/>
       </p:ext>
     </p:extLst>
   </p:cSld>
@@ -8783,7 +8677,27 @@
                 <a:latin typeface="Courier New" panose="02070309020205020404" pitchFamily="49" charset="0"/>
                 <a:cs typeface="Courier New" panose="02070309020205020404" pitchFamily="49" charset="0"/>
               </a:rPr>
-              <a:t>   def __init__(x, y):</a:t>
+              <a:t>   def __init__(</a:t>
+            </a:r>
+            <a:r>
+              <a:rPr lang="en-US" sz="2000" b="1" dirty="0">
+                <a:solidFill>
+                  <a:srgbClr val="00FF00"/>
+                </a:solidFill>
+                <a:latin typeface="Courier New" panose="02070309020205020404" pitchFamily="49" charset="0"/>
+                <a:cs typeface="Courier New" panose="02070309020205020404" pitchFamily="49" charset="0"/>
+              </a:rPr>
+              <a:t>self</a:t>
+            </a:r>
+            <a:r>
+              <a:rPr lang="en-US" sz="2000" b="1" dirty="0">
+                <a:solidFill>
+                  <a:srgbClr val="FFD6AD"/>
+                </a:solidFill>
+                <a:latin typeface="Courier New" panose="02070309020205020404" pitchFamily="49" charset="0"/>
+                <a:cs typeface="Courier New" panose="02070309020205020404" pitchFamily="49" charset="0"/>
+              </a:rPr>
+              <a:t>, x, y):</a:t>
             </a:r>
           </a:p>
           <a:p>
@@ -8898,18 +8812,10 @@
                 <a:latin typeface="Courier New" panose="02070309020205020404" pitchFamily="49" charset="0"/>
                 <a:cs typeface="Courier New" panose="02070309020205020404" pitchFamily="49" charset="0"/>
               </a:rPr>
-              <a:t>,</a:t>
-            </a:r>
-            <a:r>
-              <a:rPr lang="en-US" sz="2000" b="1" dirty="0">
-                <a:solidFill>
-                  <a:srgbClr val="00FF00"/>
-                </a:solidFill>
-                <a:latin typeface="Courier New" panose="02070309020205020404" pitchFamily="49" charset="0"/>
-                <a:cs typeface="Courier New" panose="02070309020205020404" pitchFamily="49" charset="0"/>
-              </a:rPr>
-              <a:t> </a:t>
-            </a:r>
+              <a:t>, x, y):</a:t>
+            </a:r>
+          </a:p>
+          <a:p>
             <a:r>
               <a:rPr lang="en-US" sz="2000" b="1" dirty="0">
                 <a:solidFill>
@@ -8918,19 +8824,7 @@
                 <a:latin typeface="Courier New" panose="02070309020205020404" pitchFamily="49" charset="0"/>
                 <a:cs typeface="Courier New" panose="02070309020205020404" pitchFamily="49" charset="0"/>
               </a:rPr>
-              <a:t>x, y):</a:t>
-            </a:r>
-          </a:p>
-          <a:p>
-            <a:r>
-              <a:rPr lang="en-US" sz="2000" b="1" dirty="0">
-                <a:solidFill>
-                  <a:srgbClr val="FF5050"/>
-                </a:solidFill>
-                <a:latin typeface="Courier New" panose="02070309020205020404" pitchFamily="49" charset="0"/>
-                <a:cs typeface="Courier New" panose="02070309020205020404" pitchFamily="49" charset="0"/>
-              </a:rPr>
-              <a:t>      body</a:t>
+              <a:t>	body</a:t>
             </a:r>
           </a:p>
           <a:p>
@@ -9015,7 +8909,2842 @@
                 <a:latin typeface="Courier New" panose="02070309020205020404" pitchFamily="49" charset="0"/>
                 <a:cs typeface="Courier New" panose="02070309020205020404" pitchFamily="49" charset="0"/>
               </a:rPr>
+              <a:t>      print(</a:t>
+            </a:r>
+            <a:r>
+              <a:rPr lang="en-US" sz="2000" b="1" dirty="0">
+                <a:solidFill>
+                  <a:srgbClr val="00FF00"/>
+                </a:solidFill>
+                <a:latin typeface="Courier New" panose="02070309020205020404" pitchFamily="49" charset="0"/>
+                <a:cs typeface="Courier New" panose="02070309020205020404" pitchFamily="49" charset="0"/>
+              </a:rPr>
+              <a:t>self</a:t>
+            </a:r>
+            <a:r>
+              <a:rPr lang="en-US" sz="2000" b="1" dirty="0">
+                <a:solidFill>
+                  <a:srgbClr val="FF5050"/>
+                </a:solidFill>
+                <a:latin typeface="Courier New" panose="02070309020205020404" pitchFamily="49" charset="0"/>
+                <a:cs typeface="Courier New" panose="02070309020205020404" pitchFamily="49" charset="0"/>
+              </a:rPr>
+              <a:t>.x, </a:t>
+            </a:r>
+            <a:r>
+              <a:rPr lang="en-US" sz="2000" b="1" dirty="0">
+                <a:solidFill>
+                  <a:srgbClr val="00FF00"/>
+                </a:solidFill>
+                <a:latin typeface="Courier New" panose="02070309020205020404" pitchFamily="49" charset="0"/>
+                <a:cs typeface="Courier New" panose="02070309020205020404" pitchFamily="49" charset="0"/>
+              </a:rPr>
+              <a:t>self</a:t>
+            </a:r>
+            <a:r>
+              <a:rPr lang="en-US" sz="2000" b="1" dirty="0">
+                <a:solidFill>
+                  <a:srgbClr val="FF5050"/>
+                </a:solidFill>
+                <a:latin typeface="Courier New" panose="02070309020205020404" pitchFamily="49" charset="0"/>
+                <a:cs typeface="Courier New" panose="02070309020205020404" pitchFamily="49" charset="0"/>
+              </a:rPr>
+              <a:t>.y)</a:t>
+            </a:r>
+          </a:p>
+        </p:txBody>
+      </p:sp>
+      <p:sp>
+        <p:nvSpPr>
+          <p:cNvPr id="6" name="TextBox 5">
+            <a:extLst>
+              <a:ext uri="{FF2B5EF4-FFF2-40B4-BE49-F238E27FC236}">
+                <a16:creationId xmlns:a16="http://schemas.microsoft.com/office/drawing/2014/main" id="{27FDB0C0-2566-4051-9A4E-DBFDDEF4F45F}"/>
+              </a:ext>
+            </a:extLst>
+          </p:cNvPr>
+          <p:cNvSpPr txBox="1"/>
+          <p:nvPr/>
+        </p:nvSpPr>
+        <p:spPr>
+          <a:xfrm>
+            <a:off x="307032" y="2006930"/>
+            <a:ext cx="3930884" cy="523220"/>
+          </a:xfrm>
+          <a:prstGeom prst="rect">
+            <a:avLst/>
+          </a:prstGeom>
+          <a:noFill/>
+        </p:spPr>
+        <p:txBody>
+          <a:bodyPr wrap="none" rtlCol="0">
+            <a:spAutoFit/>
+          </a:bodyPr>
+          <a:lstStyle/>
+          <a:p>
+            <a:r>
+              <a:rPr lang="en-US" sz="2800" b="1" dirty="0">
+                <a:solidFill>
+                  <a:srgbClr val="FFFFFF"/>
+                </a:solidFill>
+              </a:rPr>
+              <a:t>Inside Class Definition</a:t>
+            </a:r>
+          </a:p>
+        </p:txBody>
+      </p:sp>
+      <p:sp>
+        <p:nvSpPr>
+          <p:cNvPr id="14" name="TextBox 13">
+            <a:extLst>
+              <a:ext uri="{FF2B5EF4-FFF2-40B4-BE49-F238E27FC236}">
+                <a16:creationId xmlns:a16="http://schemas.microsoft.com/office/drawing/2014/main" id="{B9228819-FF67-4559-A355-3B29EFA79DBE}"/>
+              </a:ext>
+            </a:extLst>
+          </p:cNvPr>
+          <p:cNvSpPr txBox="1"/>
+          <p:nvPr/>
+        </p:nvSpPr>
+        <p:spPr>
+          <a:xfrm>
+            <a:off x="7675415" y="2734442"/>
+            <a:ext cx="3701143" cy="1015663"/>
+          </a:xfrm>
+          <a:prstGeom prst="rect">
+            <a:avLst/>
+          </a:prstGeom>
+          <a:noFill/>
+        </p:spPr>
+        <p:txBody>
+          <a:bodyPr wrap="square" rtlCol="0">
+            <a:spAutoFit/>
+          </a:bodyPr>
+          <a:lstStyle/>
+          <a:p>
+            <a:r>
+              <a:rPr lang="en-US" sz="2000" b="1" dirty="0">
+                <a:solidFill>
+                  <a:srgbClr val="00FF00"/>
+                </a:solidFill>
+                <a:latin typeface="Courier New" panose="02070309020205020404" pitchFamily="49" charset="0"/>
+                <a:cs typeface="Courier New" panose="02070309020205020404" pitchFamily="49" charset="0"/>
+              </a:rPr>
+              <a:t>alex = Turtle(10, 12)</a:t>
+            </a:r>
+          </a:p>
+          <a:p>
+            <a:endParaRPr lang="en-US" sz="2000" b="1" dirty="0">
+              <a:solidFill>
+                <a:srgbClr val="00FF00"/>
+              </a:solidFill>
+              <a:latin typeface="Courier New" panose="02070309020205020404" pitchFamily="49" charset="0"/>
+              <a:cs typeface="Courier New" panose="02070309020205020404" pitchFamily="49" charset="0"/>
+            </a:endParaRPr>
+          </a:p>
+          <a:p>
+            <a:r>
+              <a:rPr lang="en-US" sz="2000" b="1" dirty="0">
+                <a:solidFill>
+                  <a:srgbClr val="00FF00"/>
+                </a:solidFill>
+                <a:latin typeface="Courier New" panose="02070309020205020404" pitchFamily="49" charset="0"/>
+                <a:cs typeface="Courier New" panose="02070309020205020404" pitchFamily="49" charset="0"/>
+              </a:rPr>
+              <a:t>alex.print_location()</a:t>
+            </a:r>
+            <a:endParaRPr lang="en-US" sz="2000" b="1" dirty="0">
+              <a:solidFill>
+                <a:srgbClr val="FF5050"/>
+              </a:solidFill>
+              <a:latin typeface="Courier New" panose="02070309020205020404" pitchFamily="49" charset="0"/>
+              <a:cs typeface="Courier New" panose="02070309020205020404" pitchFamily="49" charset="0"/>
+            </a:endParaRPr>
+          </a:p>
+        </p:txBody>
+      </p:sp>
+      <p:sp>
+        <p:nvSpPr>
+          <p:cNvPr id="16" name="TextBox 15">
+            <a:extLst>
+              <a:ext uri="{FF2B5EF4-FFF2-40B4-BE49-F238E27FC236}">
+                <a16:creationId xmlns:a16="http://schemas.microsoft.com/office/drawing/2014/main" id="{10E37282-697B-4A9E-887E-389A062682D3}"/>
+              </a:ext>
+            </a:extLst>
+          </p:cNvPr>
+          <p:cNvSpPr txBox="1"/>
+          <p:nvPr/>
+        </p:nvSpPr>
+        <p:spPr>
+          <a:xfrm>
+            <a:off x="7675415" y="2006930"/>
+            <a:ext cx="4229043" cy="523220"/>
+          </a:xfrm>
+          <a:prstGeom prst="rect">
+            <a:avLst/>
+          </a:prstGeom>
+          <a:noFill/>
+        </p:spPr>
+        <p:txBody>
+          <a:bodyPr wrap="none" rtlCol="0">
+            <a:spAutoFit/>
+          </a:bodyPr>
+          <a:lstStyle/>
+          <a:p>
+            <a:r>
+              <a:rPr lang="en-US" sz="2800" b="1" dirty="0">
+                <a:solidFill>
+                  <a:srgbClr val="FFFFFF"/>
+                </a:solidFill>
+              </a:rPr>
+              <a:t>Outside Class Definition</a:t>
+            </a:r>
+          </a:p>
+        </p:txBody>
+      </p:sp>
+      <p:sp>
+        <p:nvSpPr>
+          <p:cNvPr id="17" name="TextBox 16">
+            <a:extLst>
+              <a:ext uri="{FF2B5EF4-FFF2-40B4-BE49-F238E27FC236}">
+                <a16:creationId xmlns:a16="http://schemas.microsoft.com/office/drawing/2014/main" id="{F74EE469-D981-4C85-8386-231CFE0E3916}"/>
+              </a:ext>
+            </a:extLst>
+          </p:cNvPr>
+          <p:cNvSpPr txBox="1"/>
+          <p:nvPr/>
+        </p:nvSpPr>
+        <p:spPr>
+          <a:xfrm>
+            <a:off x="5044892" y="4135420"/>
+            <a:ext cx="3137207" cy="1938992"/>
+          </a:xfrm>
+          <a:prstGeom prst="rect">
+            <a:avLst/>
+          </a:prstGeom>
+          <a:noFill/>
+        </p:spPr>
+        <p:txBody>
+          <a:bodyPr wrap="square" rtlCol="0">
+            <a:spAutoFit/>
+          </a:bodyPr>
+          <a:lstStyle/>
+          <a:p>
+            <a:r>
+              <a:rPr lang="en-US" sz="2400" dirty="0">
+                <a:solidFill>
+                  <a:srgbClr val="FFFFFF"/>
+                </a:solidFill>
+                <a:cs typeface="Courier New" panose="02070309020205020404" pitchFamily="49" charset="0"/>
+              </a:rPr>
+              <a:t>When defining a method</a:t>
+            </a:r>
+            <a:r>
+              <a:rPr lang="en-US" sz="2400" dirty="0">
+                <a:solidFill>
+                  <a:schemeClr val="accent1"/>
+                </a:solidFill>
+                <a:cs typeface="Courier New" panose="02070309020205020404" pitchFamily="49" charset="0"/>
+              </a:rPr>
+              <a:t>, </a:t>
+            </a:r>
+            <a:r>
+              <a:rPr lang="en-US" sz="2400" dirty="0">
+                <a:solidFill>
+                  <a:srgbClr val="FFFFFF"/>
+                </a:solidFill>
+                <a:cs typeface="Courier New" panose="02070309020205020404" pitchFamily="49" charset="0"/>
+              </a:rPr>
+              <a:t>the first parameter refers to the instance being manipulated (</a:t>
+            </a:r>
+            <a:r>
+              <a:rPr lang="en-US" sz="2400" b="1" dirty="0">
+                <a:solidFill>
+                  <a:srgbClr val="00FF00"/>
+                </a:solidFill>
+                <a:latin typeface="Courier New" panose="02070309020205020404" pitchFamily="49" charset="0"/>
+                <a:cs typeface="Courier New" panose="02070309020205020404" pitchFamily="49" charset="0"/>
+              </a:rPr>
+              <a:t>self</a:t>
+            </a:r>
+            <a:r>
+              <a:rPr lang="en-US" sz="2400" dirty="0">
+                <a:solidFill>
+                  <a:srgbClr val="FFFFFF"/>
+                </a:solidFill>
+                <a:cs typeface="Courier New" panose="02070309020205020404" pitchFamily="49" charset="0"/>
+              </a:rPr>
+              <a:t>)</a:t>
+            </a:r>
+            <a:r>
+              <a:rPr lang="en-US" sz="2400" dirty="0">
+                <a:solidFill>
+                  <a:schemeClr val="accent1"/>
+                </a:solidFill>
+              </a:rPr>
+              <a:t>.</a:t>
+            </a:r>
+          </a:p>
+        </p:txBody>
+      </p:sp>
+      <p:sp>
+        <p:nvSpPr>
+          <p:cNvPr id="19" name="Arrow: Bent-Up 18">
+            <a:extLst>
+              <a:ext uri="{FF2B5EF4-FFF2-40B4-BE49-F238E27FC236}">
+                <a16:creationId xmlns:a16="http://schemas.microsoft.com/office/drawing/2014/main" id="{AFDEA425-DB6A-4649-9A6C-AA7091A41752}"/>
+              </a:ext>
+            </a:extLst>
+          </p:cNvPr>
+          <p:cNvSpPr/>
+          <p:nvPr/>
+        </p:nvSpPr>
+        <p:spPr>
+          <a:xfrm flipH="1" flipV="1">
+            <a:off x="2378933" y="4379475"/>
+            <a:ext cx="2644419" cy="299402"/>
+          </a:xfrm>
+          <a:prstGeom prst="bentUpArrow">
+            <a:avLst/>
+          </a:prstGeom>
+        </p:spPr>
+        <p:style>
+          <a:lnRef idx="2">
+            <a:schemeClr val="accent1">
+              <a:shade val="50000"/>
+            </a:schemeClr>
+          </a:lnRef>
+          <a:fillRef idx="1">
+            <a:schemeClr val="accent1"/>
+          </a:fillRef>
+          <a:effectRef idx="0">
+            <a:schemeClr val="accent1"/>
+          </a:effectRef>
+          <a:fontRef idx="minor">
+            <a:schemeClr val="lt1"/>
+          </a:fontRef>
+        </p:style>
+        <p:txBody>
+          <a:bodyPr rtlCol="0" anchor="ctr"/>
+          <a:lstStyle/>
+          <a:p>
+            <a:pPr algn="ctr"/>
+            <a:endParaRPr lang="en-US"/>
+          </a:p>
+        </p:txBody>
+      </p:sp>
+    </p:spTree>
+    <p:extLst>
+      <p:ext uri="{BB962C8B-B14F-4D97-AF65-F5344CB8AC3E}">
+        <p14:creationId xmlns:p14="http://schemas.microsoft.com/office/powerpoint/2010/main" val="118192181"/>
+      </p:ext>
+    </p:extLst>
+  </p:cSld>
+  <p:clrMapOvr>
+    <a:masterClrMapping/>
+  </p:clrMapOvr>
+</p:sld>
+</file>
+
+<file path=ppt/slides/slide24.xml><?xml version="1.0" encoding="utf-8"?>
+<p:sld xmlns:a="http://schemas.openxmlformats.org/drawingml/2006/main" xmlns:r="http://schemas.openxmlformats.org/officeDocument/2006/relationships" xmlns:p="http://schemas.openxmlformats.org/presentationml/2006/main">
+  <p:cSld>
+    <p:spTree>
+      <p:nvGrpSpPr>
+        <p:cNvPr id="1" name=""/>
+        <p:cNvGrpSpPr/>
+        <p:nvPr/>
+      </p:nvGrpSpPr>
+      <p:grpSpPr>
+        <a:xfrm>
+          <a:off x="0" y="0"/>
+          <a:ext cx="0" cy="0"/>
+          <a:chOff x="0" y="0"/>
+          <a:chExt cx="0" cy="0"/>
+        </a:xfrm>
+      </p:grpSpPr>
+      <p:sp>
+        <p:nvSpPr>
+          <p:cNvPr id="2" name="Title 1">
+            <a:extLst>
+              <a:ext uri="{FF2B5EF4-FFF2-40B4-BE49-F238E27FC236}">
+                <a16:creationId xmlns:a16="http://schemas.microsoft.com/office/drawing/2014/main" id="{2869D7A5-2615-487B-A824-0AFB5BD1718D}"/>
+              </a:ext>
+            </a:extLst>
+          </p:cNvPr>
+          <p:cNvSpPr>
+            <a:spLocks noGrp="1"/>
+          </p:cNvSpPr>
+          <p:nvPr>
+            <p:ph type="title"/>
+          </p:nvPr>
+        </p:nvSpPr>
+        <p:spPr/>
+        <p:txBody>
+          <a:bodyPr>
+            <a:normAutofit fontScale="90000"/>
+          </a:bodyPr>
+          <a:lstStyle/>
+          <a:p>
+            <a:r>
+              <a:rPr lang="en-US" b="1" dirty="0"/>
+              <a:t>Methods </a:t>
+            </a:r>
+            <a:r>
+              <a:rPr lang="en-US" b="1" dirty="0">
+                <a:solidFill>
+                  <a:schemeClr val="accent6"/>
+                </a:solidFill>
+              </a:rPr>
+              <a:t>and</a:t>
+            </a:r>
+            <a:r>
+              <a:rPr lang="en-US" b="1" dirty="0"/>
+              <a:t> </a:t>
+            </a:r>
+            <a:r>
+              <a:rPr lang="en-US" b="1" dirty="0">
+                <a:solidFill>
+                  <a:srgbClr val="00FF00"/>
+                </a:solidFill>
+                <a:latin typeface="Courier New" panose="02070309020205020404" pitchFamily="49" charset="0"/>
+                <a:cs typeface="Courier New" panose="02070309020205020404" pitchFamily="49" charset="0"/>
+              </a:rPr>
+              <a:t>self</a:t>
+            </a:r>
+          </a:p>
+        </p:txBody>
+      </p:sp>
+      <p:sp>
+        <p:nvSpPr>
+          <p:cNvPr id="4" name="TextBox 3">
+            <a:extLst>
+              <a:ext uri="{FF2B5EF4-FFF2-40B4-BE49-F238E27FC236}">
+                <a16:creationId xmlns:a16="http://schemas.microsoft.com/office/drawing/2014/main" id="{49C87298-20C0-4380-9C2F-A3CE16E86A5C}"/>
+              </a:ext>
+            </a:extLst>
+          </p:cNvPr>
+          <p:cNvSpPr txBox="1"/>
+          <p:nvPr/>
+        </p:nvSpPr>
+        <p:spPr>
+          <a:xfrm>
+            <a:off x="307032" y="2734443"/>
+            <a:ext cx="6453894" cy="3785652"/>
+          </a:xfrm>
+          <a:prstGeom prst="rect">
+            <a:avLst/>
+          </a:prstGeom>
+          <a:noFill/>
+        </p:spPr>
+        <p:txBody>
+          <a:bodyPr wrap="square" rtlCol="0">
+            <a:spAutoFit/>
+          </a:bodyPr>
+          <a:lstStyle/>
+          <a:p>
+            <a:r>
+              <a:rPr lang="en-US" sz="2000" b="1" dirty="0">
+                <a:solidFill>
+                  <a:srgbClr val="00FF00"/>
+                </a:solidFill>
+                <a:latin typeface="Courier New" panose="02070309020205020404" pitchFamily="49" charset="0"/>
+                <a:cs typeface="Courier New" panose="02070309020205020404" pitchFamily="49" charset="0"/>
+              </a:rPr>
+              <a:t>class Turtle:</a:t>
+            </a:r>
+          </a:p>
+          <a:p>
+            <a:r>
+              <a:rPr lang="en-US" sz="2000" b="1" dirty="0">
+                <a:solidFill>
+                  <a:srgbClr val="00FF00"/>
+                </a:solidFill>
+                <a:latin typeface="Courier New" panose="02070309020205020404" pitchFamily="49" charset="0"/>
+                <a:cs typeface="Courier New" panose="02070309020205020404" pitchFamily="49" charset="0"/>
+              </a:rPr>
+              <a:t>   </a:t>
+            </a:r>
+          </a:p>
+          <a:p>
+            <a:r>
+              <a:rPr lang="en-US" sz="2000" b="1" dirty="0">
+                <a:solidFill>
+                  <a:srgbClr val="FFD6AD"/>
+                </a:solidFill>
+                <a:latin typeface="Courier New" panose="02070309020205020404" pitchFamily="49" charset="0"/>
+                <a:cs typeface="Courier New" panose="02070309020205020404" pitchFamily="49" charset="0"/>
+              </a:rPr>
+              <a:t>   def __init__(x, y):</a:t>
+            </a:r>
+          </a:p>
+          <a:p>
+            <a:r>
+              <a:rPr lang="en-US" sz="2000" b="1" dirty="0">
+                <a:solidFill>
+                  <a:srgbClr val="FFD6AD"/>
+                </a:solidFill>
+                <a:latin typeface="Courier New" panose="02070309020205020404" pitchFamily="49" charset="0"/>
+                <a:cs typeface="Courier New" panose="02070309020205020404" pitchFamily="49" charset="0"/>
+              </a:rPr>
+              <a:t>      </a:t>
+            </a:r>
+            <a:r>
+              <a:rPr lang="en-US" sz="2000" b="1" dirty="0">
+                <a:solidFill>
+                  <a:srgbClr val="00FF00"/>
+                </a:solidFill>
+                <a:latin typeface="Courier New" panose="02070309020205020404" pitchFamily="49" charset="0"/>
+                <a:cs typeface="Courier New" panose="02070309020205020404" pitchFamily="49" charset="0"/>
+              </a:rPr>
+              <a:t>self</a:t>
+            </a:r>
+            <a:r>
+              <a:rPr lang="en-US" sz="2000" b="1" dirty="0">
+                <a:solidFill>
+                  <a:srgbClr val="FFD6AD"/>
+                </a:solidFill>
+                <a:latin typeface="Courier New" panose="02070309020205020404" pitchFamily="49" charset="0"/>
+                <a:cs typeface="Courier New" panose="02070309020205020404" pitchFamily="49" charset="0"/>
+              </a:rPr>
+              <a:t>.x = x</a:t>
+            </a:r>
+          </a:p>
+          <a:p>
+            <a:r>
+              <a:rPr lang="en-US" sz="2000" b="1" dirty="0">
+                <a:solidFill>
+                  <a:srgbClr val="FFD6AD"/>
+                </a:solidFill>
+                <a:latin typeface="Courier New" panose="02070309020205020404" pitchFamily="49" charset="0"/>
+                <a:cs typeface="Courier New" panose="02070309020205020404" pitchFamily="49" charset="0"/>
+              </a:rPr>
+              <a:t>	</a:t>
+            </a:r>
+            <a:r>
+              <a:rPr lang="en-US" sz="2000" b="1" dirty="0">
+                <a:solidFill>
+                  <a:srgbClr val="00FF00"/>
+                </a:solidFill>
+                <a:latin typeface="Courier New" panose="02070309020205020404" pitchFamily="49" charset="0"/>
+                <a:cs typeface="Courier New" panose="02070309020205020404" pitchFamily="49" charset="0"/>
+              </a:rPr>
+              <a:t>self</a:t>
+            </a:r>
+            <a:r>
+              <a:rPr lang="en-US" sz="2000" b="1" dirty="0">
+                <a:solidFill>
+                  <a:srgbClr val="FFD6AD"/>
+                </a:solidFill>
+                <a:latin typeface="Courier New" panose="02070309020205020404" pitchFamily="49" charset="0"/>
+                <a:cs typeface="Courier New" panose="02070309020205020404" pitchFamily="49" charset="0"/>
+              </a:rPr>
+              <a:t>.y = y</a:t>
+            </a:r>
+          </a:p>
+          <a:p>
+            <a:r>
+              <a:rPr lang="en-US" sz="2000" b="1" dirty="0">
+                <a:solidFill>
+                  <a:srgbClr val="FFD6AD"/>
+                </a:solidFill>
+                <a:latin typeface="Courier New" panose="02070309020205020404" pitchFamily="49" charset="0"/>
+                <a:cs typeface="Courier New" panose="02070309020205020404" pitchFamily="49" charset="0"/>
+              </a:rPr>
+              <a:t>	</a:t>
+            </a:r>
+            <a:endParaRPr lang="en-US" sz="2000" b="1" dirty="0">
+              <a:solidFill>
+                <a:srgbClr val="FF5050"/>
+              </a:solidFill>
+              <a:latin typeface="Courier New" panose="02070309020205020404" pitchFamily="49" charset="0"/>
+              <a:cs typeface="Courier New" panose="02070309020205020404" pitchFamily="49" charset="0"/>
+            </a:endParaRPr>
+          </a:p>
+          <a:p>
+            <a:r>
+              <a:rPr lang="en-US" sz="2000" b="1" dirty="0">
+                <a:solidFill>
+                  <a:srgbClr val="FF5050"/>
+                </a:solidFill>
+                <a:latin typeface="Courier New" panose="02070309020205020404" pitchFamily="49" charset="0"/>
+                <a:cs typeface="Courier New" panose="02070309020205020404" pitchFamily="49" charset="0"/>
+              </a:rPr>
+              <a:t>   def goto(x, y):</a:t>
+            </a:r>
+          </a:p>
+          <a:p>
+            <a:r>
+              <a:rPr lang="en-US" sz="2000" b="1" dirty="0">
+                <a:solidFill>
+                  <a:srgbClr val="FF5050"/>
+                </a:solidFill>
+                <a:latin typeface="Courier New" panose="02070309020205020404" pitchFamily="49" charset="0"/>
+                <a:cs typeface="Courier New" panose="02070309020205020404" pitchFamily="49" charset="0"/>
+              </a:rPr>
               <a:t>      body</a:t>
+            </a:r>
+          </a:p>
+          <a:p>
+            <a:r>
+              <a:rPr lang="en-US" sz="2000" b="1" dirty="0">
+                <a:solidFill>
+                  <a:srgbClr val="FF5050"/>
+                </a:solidFill>
+                <a:latin typeface="Courier New" panose="02070309020205020404" pitchFamily="49" charset="0"/>
+                <a:cs typeface="Courier New" panose="02070309020205020404" pitchFamily="49" charset="0"/>
+              </a:rPr>
+              <a:t>	</a:t>
+            </a:r>
+            <a:r>
+              <a:rPr lang="en-US" sz="2000" b="1" dirty="0">
+                <a:solidFill>
+                  <a:srgbClr val="00FF00"/>
+                </a:solidFill>
+                <a:latin typeface="Courier New" panose="02070309020205020404" pitchFamily="49" charset="0"/>
+                <a:cs typeface="Courier New" panose="02070309020205020404" pitchFamily="49" charset="0"/>
+              </a:rPr>
+              <a:t>self</a:t>
+            </a:r>
+            <a:r>
+              <a:rPr lang="en-US" sz="2000" b="1" dirty="0">
+                <a:solidFill>
+                  <a:srgbClr val="FF5050"/>
+                </a:solidFill>
+                <a:latin typeface="Courier New" panose="02070309020205020404" pitchFamily="49" charset="0"/>
+                <a:cs typeface="Courier New" panose="02070309020205020404" pitchFamily="49" charset="0"/>
+              </a:rPr>
+              <a:t>.print_location()</a:t>
+            </a:r>
+          </a:p>
+          <a:p>
+            <a:endParaRPr lang="en-US" sz="2000" b="1" dirty="0">
+              <a:solidFill>
+                <a:srgbClr val="FF5050"/>
+              </a:solidFill>
+              <a:latin typeface="Courier New" panose="02070309020205020404" pitchFamily="49" charset="0"/>
+              <a:cs typeface="Courier New" panose="02070309020205020404" pitchFamily="49" charset="0"/>
+            </a:endParaRPr>
+          </a:p>
+          <a:p>
+            <a:r>
+              <a:rPr lang="en-US" sz="2000" b="1" dirty="0">
+                <a:solidFill>
+                  <a:srgbClr val="FF5050"/>
+                </a:solidFill>
+                <a:latin typeface="Courier New" panose="02070309020205020404" pitchFamily="49" charset="0"/>
+                <a:cs typeface="Courier New" panose="02070309020205020404" pitchFamily="49" charset="0"/>
+              </a:rPr>
+              <a:t>   def print_location():</a:t>
+            </a:r>
+          </a:p>
+          <a:p>
+            <a:r>
+              <a:rPr lang="en-US" sz="2000" b="1" dirty="0">
+                <a:solidFill>
+                  <a:srgbClr val="FF5050"/>
+                </a:solidFill>
+                <a:latin typeface="Courier New" panose="02070309020205020404" pitchFamily="49" charset="0"/>
+                <a:cs typeface="Courier New" panose="02070309020205020404" pitchFamily="49" charset="0"/>
+              </a:rPr>
+              <a:t>      print(</a:t>
+            </a:r>
+            <a:r>
+              <a:rPr lang="en-US" sz="2000" b="1" dirty="0">
+                <a:solidFill>
+                  <a:srgbClr val="00FF00"/>
+                </a:solidFill>
+                <a:latin typeface="Courier New" panose="02070309020205020404" pitchFamily="49" charset="0"/>
+                <a:cs typeface="Courier New" panose="02070309020205020404" pitchFamily="49" charset="0"/>
+              </a:rPr>
+              <a:t>self</a:t>
+            </a:r>
+            <a:r>
+              <a:rPr lang="en-US" sz="2000" b="1" dirty="0">
+                <a:solidFill>
+                  <a:srgbClr val="FF5050"/>
+                </a:solidFill>
+                <a:latin typeface="Courier New" panose="02070309020205020404" pitchFamily="49" charset="0"/>
+                <a:cs typeface="Courier New" panose="02070309020205020404" pitchFamily="49" charset="0"/>
+              </a:rPr>
+              <a:t>.x, </a:t>
+            </a:r>
+            <a:r>
+              <a:rPr lang="en-US" sz="2000" b="1" dirty="0">
+                <a:solidFill>
+                  <a:srgbClr val="00FF00"/>
+                </a:solidFill>
+                <a:latin typeface="Courier New" panose="02070309020205020404" pitchFamily="49" charset="0"/>
+                <a:cs typeface="Courier New" panose="02070309020205020404" pitchFamily="49" charset="0"/>
+              </a:rPr>
+              <a:t>self</a:t>
+            </a:r>
+            <a:r>
+              <a:rPr lang="en-US" sz="2000" b="1" dirty="0">
+                <a:solidFill>
+                  <a:srgbClr val="FF5050"/>
+                </a:solidFill>
+                <a:latin typeface="Courier New" panose="02070309020205020404" pitchFamily="49" charset="0"/>
+                <a:cs typeface="Courier New" panose="02070309020205020404" pitchFamily="49" charset="0"/>
+              </a:rPr>
+              <a:t>.y)</a:t>
+            </a:r>
+          </a:p>
+        </p:txBody>
+      </p:sp>
+      <p:sp>
+        <p:nvSpPr>
+          <p:cNvPr id="6" name="TextBox 5">
+            <a:extLst>
+              <a:ext uri="{FF2B5EF4-FFF2-40B4-BE49-F238E27FC236}">
+                <a16:creationId xmlns:a16="http://schemas.microsoft.com/office/drawing/2014/main" id="{27FDB0C0-2566-4051-9A4E-DBFDDEF4F45F}"/>
+              </a:ext>
+            </a:extLst>
+          </p:cNvPr>
+          <p:cNvSpPr txBox="1"/>
+          <p:nvPr/>
+        </p:nvSpPr>
+        <p:spPr>
+          <a:xfrm>
+            <a:off x="307032" y="2006930"/>
+            <a:ext cx="3930884" cy="523220"/>
+          </a:xfrm>
+          <a:prstGeom prst="rect">
+            <a:avLst/>
+          </a:prstGeom>
+          <a:noFill/>
+        </p:spPr>
+        <p:txBody>
+          <a:bodyPr wrap="none" rtlCol="0">
+            <a:spAutoFit/>
+          </a:bodyPr>
+          <a:lstStyle/>
+          <a:p>
+            <a:r>
+              <a:rPr lang="en-US" sz="2800" b="1" dirty="0">
+                <a:solidFill>
+                  <a:srgbClr val="FFFFFF"/>
+                </a:solidFill>
+              </a:rPr>
+              <a:t>Inside Class Definition</a:t>
+            </a:r>
+          </a:p>
+        </p:txBody>
+      </p:sp>
+      <p:sp>
+        <p:nvSpPr>
+          <p:cNvPr id="14" name="TextBox 13">
+            <a:extLst>
+              <a:ext uri="{FF2B5EF4-FFF2-40B4-BE49-F238E27FC236}">
+                <a16:creationId xmlns:a16="http://schemas.microsoft.com/office/drawing/2014/main" id="{B9228819-FF67-4559-A355-3B29EFA79DBE}"/>
+              </a:ext>
+            </a:extLst>
+          </p:cNvPr>
+          <p:cNvSpPr txBox="1"/>
+          <p:nvPr/>
+        </p:nvSpPr>
+        <p:spPr>
+          <a:xfrm>
+            <a:off x="7675415" y="2734442"/>
+            <a:ext cx="3701143" cy="1015663"/>
+          </a:xfrm>
+          <a:prstGeom prst="rect">
+            <a:avLst/>
+          </a:prstGeom>
+          <a:noFill/>
+        </p:spPr>
+        <p:txBody>
+          <a:bodyPr wrap="square" rtlCol="0">
+            <a:spAutoFit/>
+          </a:bodyPr>
+          <a:lstStyle/>
+          <a:p>
+            <a:r>
+              <a:rPr lang="en-US" sz="2000" b="1" dirty="0">
+                <a:solidFill>
+                  <a:srgbClr val="00FF00"/>
+                </a:solidFill>
+                <a:latin typeface="Courier New" panose="02070309020205020404" pitchFamily="49" charset="0"/>
+                <a:cs typeface="Courier New" panose="02070309020205020404" pitchFamily="49" charset="0"/>
+              </a:rPr>
+              <a:t>alex = Turtle(10, 12)</a:t>
+            </a:r>
+          </a:p>
+          <a:p>
+            <a:endParaRPr lang="en-US" sz="2000" b="1" dirty="0">
+              <a:solidFill>
+                <a:srgbClr val="00FF00"/>
+              </a:solidFill>
+              <a:latin typeface="Courier New" panose="02070309020205020404" pitchFamily="49" charset="0"/>
+              <a:cs typeface="Courier New" panose="02070309020205020404" pitchFamily="49" charset="0"/>
+            </a:endParaRPr>
+          </a:p>
+          <a:p>
+            <a:r>
+              <a:rPr lang="en-US" sz="2000" b="1" dirty="0">
+                <a:solidFill>
+                  <a:srgbClr val="00FF00"/>
+                </a:solidFill>
+                <a:latin typeface="Courier New" panose="02070309020205020404" pitchFamily="49" charset="0"/>
+                <a:cs typeface="Courier New" panose="02070309020205020404" pitchFamily="49" charset="0"/>
+              </a:rPr>
+              <a:t>alex.print_location()</a:t>
+            </a:r>
+            <a:endParaRPr lang="en-US" sz="2000" b="1" dirty="0">
+              <a:solidFill>
+                <a:srgbClr val="FF5050"/>
+              </a:solidFill>
+              <a:latin typeface="Courier New" panose="02070309020205020404" pitchFamily="49" charset="0"/>
+              <a:cs typeface="Courier New" panose="02070309020205020404" pitchFamily="49" charset="0"/>
+            </a:endParaRPr>
+          </a:p>
+        </p:txBody>
+      </p:sp>
+      <p:sp>
+        <p:nvSpPr>
+          <p:cNvPr id="16" name="TextBox 15">
+            <a:extLst>
+              <a:ext uri="{FF2B5EF4-FFF2-40B4-BE49-F238E27FC236}">
+                <a16:creationId xmlns:a16="http://schemas.microsoft.com/office/drawing/2014/main" id="{10E37282-697B-4A9E-887E-389A062682D3}"/>
+              </a:ext>
+            </a:extLst>
+          </p:cNvPr>
+          <p:cNvSpPr txBox="1"/>
+          <p:nvPr/>
+        </p:nvSpPr>
+        <p:spPr>
+          <a:xfrm>
+            <a:off x="7675415" y="2006930"/>
+            <a:ext cx="4229043" cy="523220"/>
+          </a:xfrm>
+          <a:prstGeom prst="rect">
+            <a:avLst/>
+          </a:prstGeom>
+          <a:noFill/>
+        </p:spPr>
+        <p:txBody>
+          <a:bodyPr wrap="none" rtlCol="0">
+            <a:spAutoFit/>
+          </a:bodyPr>
+          <a:lstStyle/>
+          <a:p>
+            <a:r>
+              <a:rPr lang="en-US" sz="2800" b="1" dirty="0">
+                <a:solidFill>
+                  <a:srgbClr val="FFFFFF"/>
+                </a:solidFill>
+              </a:rPr>
+              <a:t>Outside Class Definition</a:t>
+            </a:r>
+          </a:p>
+        </p:txBody>
+      </p:sp>
+      <p:sp>
+        <p:nvSpPr>
+          <p:cNvPr id="17" name="TextBox 16">
+            <a:extLst>
+              <a:ext uri="{FF2B5EF4-FFF2-40B4-BE49-F238E27FC236}">
+                <a16:creationId xmlns:a16="http://schemas.microsoft.com/office/drawing/2014/main" id="{F74EE469-D981-4C85-8386-231CFE0E3916}"/>
+              </a:ext>
+            </a:extLst>
+          </p:cNvPr>
+          <p:cNvSpPr txBox="1"/>
+          <p:nvPr/>
+        </p:nvSpPr>
+        <p:spPr>
+          <a:xfrm>
+            <a:off x="4844314" y="3577392"/>
+            <a:ext cx="3137207" cy="3046988"/>
+          </a:xfrm>
+          <a:prstGeom prst="rect">
+            <a:avLst/>
+          </a:prstGeom>
+          <a:noFill/>
+        </p:spPr>
+        <p:txBody>
+          <a:bodyPr wrap="square" rtlCol="0">
+            <a:spAutoFit/>
+          </a:bodyPr>
+          <a:lstStyle/>
+          <a:p>
+            <a:r>
+              <a:rPr lang="en-US" sz="2400" dirty="0">
+                <a:solidFill>
+                  <a:srgbClr val="FFFFFF"/>
+                </a:solidFill>
+                <a:cs typeface="Courier New" panose="02070309020205020404" pitchFamily="49" charset="0"/>
+              </a:rPr>
+              <a:t>Why do we always need to pass in self as the first parameter of a method</a:t>
+            </a:r>
+            <a:r>
+              <a:rPr lang="en-US" sz="2400" dirty="0">
+                <a:solidFill>
+                  <a:schemeClr val="accent6"/>
+                </a:solidFill>
+                <a:cs typeface="Courier New" panose="02070309020205020404" pitchFamily="49" charset="0"/>
+              </a:rPr>
+              <a:t>?</a:t>
+            </a:r>
+          </a:p>
+          <a:p>
+            <a:r>
+              <a:rPr lang="en-US" sz="2400" b="1" dirty="0">
+                <a:solidFill>
+                  <a:srgbClr val="FFFFFF"/>
+                </a:solidFill>
+                <a:cs typeface="Courier New" panose="02070309020205020404" pitchFamily="49" charset="0"/>
+              </a:rPr>
+              <a:t>Python assumes you need to access </a:t>
+            </a:r>
+            <a:r>
+              <a:rPr lang="en-US" sz="2400" b="1" dirty="0">
+                <a:solidFill>
+                  <a:schemeClr val="accent6"/>
+                </a:solidFill>
+                <a:cs typeface="Courier New" panose="02070309020205020404" pitchFamily="49" charset="0"/>
+              </a:rPr>
+              <a:t>data</a:t>
+            </a:r>
+            <a:r>
+              <a:rPr lang="en-US" sz="2400" b="1" dirty="0">
+                <a:solidFill>
+                  <a:srgbClr val="FFFFFF"/>
+                </a:solidFill>
+                <a:cs typeface="Courier New" panose="02070309020205020404" pitchFamily="49" charset="0"/>
+              </a:rPr>
+              <a:t> and</a:t>
+            </a:r>
+            <a:r>
+              <a:rPr lang="en-US" sz="2400" b="1" dirty="0">
+                <a:solidFill>
+                  <a:schemeClr val="accent6"/>
+                </a:solidFill>
+                <a:cs typeface="Courier New" panose="02070309020205020404" pitchFamily="49" charset="0"/>
+              </a:rPr>
+              <a:t>/</a:t>
+            </a:r>
+            <a:r>
+              <a:rPr lang="en-US" sz="2400" b="1" dirty="0">
+                <a:solidFill>
+                  <a:srgbClr val="FFFFFF"/>
+                </a:solidFill>
+                <a:cs typeface="Courier New" panose="02070309020205020404" pitchFamily="49" charset="0"/>
+              </a:rPr>
+              <a:t>or </a:t>
+            </a:r>
+            <a:r>
+              <a:rPr lang="en-US" sz="2400" b="1" dirty="0">
+                <a:solidFill>
+                  <a:schemeClr val="accent6"/>
+                </a:solidFill>
+                <a:cs typeface="Courier New" panose="02070309020205020404" pitchFamily="49" charset="0"/>
+              </a:rPr>
+              <a:t>functions</a:t>
+            </a:r>
+            <a:r>
+              <a:rPr lang="en-US" sz="2400" b="1" dirty="0">
+                <a:solidFill>
+                  <a:srgbClr val="FFFFFF"/>
+                </a:solidFill>
+                <a:cs typeface="Courier New" panose="02070309020205020404" pitchFamily="49" charset="0"/>
+              </a:rPr>
+              <a:t> of the object</a:t>
+            </a:r>
+            <a:r>
+              <a:rPr lang="en-US" sz="2400" b="1" dirty="0">
+                <a:solidFill>
+                  <a:schemeClr val="accent6"/>
+                </a:solidFill>
+                <a:cs typeface="Courier New" panose="02070309020205020404" pitchFamily="49" charset="0"/>
+              </a:rPr>
+              <a:t>.</a:t>
+            </a:r>
+            <a:endParaRPr lang="en-US" sz="2400" b="1" dirty="0">
+              <a:solidFill>
+                <a:schemeClr val="accent6"/>
+              </a:solidFill>
+            </a:endParaRPr>
+          </a:p>
+        </p:txBody>
+      </p:sp>
+      <p:sp>
+        <p:nvSpPr>
+          <p:cNvPr id="19" name="Arrow: Bent-Up 18">
+            <a:extLst>
+              <a:ext uri="{FF2B5EF4-FFF2-40B4-BE49-F238E27FC236}">
+                <a16:creationId xmlns:a16="http://schemas.microsoft.com/office/drawing/2014/main" id="{AFDEA425-DB6A-4649-9A6C-AA7091A41752}"/>
+              </a:ext>
+            </a:extLst>
+          </p:cNvPr>
+          <p:cNvSpPr/>
+          <p:nvPr/>
+        </p:nvSpPr>
+        <p:spPr>
+          <a:xfrm flipH="1" flipV="1">
+            <a:off x="3192980" y="3776645"/>
+            <a:ext cx="1651334" cy="1428979"/>
+          </a:xfrm>
+          <a:prstGeom prst="bentUpArrow">
+            <a:avLst>
+              <a:gd name="adj1" fmla="val 9312"/>
+              <a:gd name="adj2" fmla="val 10757"/>
+              <a:gd name="adj3" fmla="val 13441"/>
+            </a:avLst>
+          </a:prstGeom>
+        </p:spPr>
+        <p:style>
+          <a:lnRef idx="2">
+            <a:schemeClr val="accent1">
+              <a:shade val="50000"/>
+            </a:schemeClr>
+          </a:lnRef>
+          <a:fillRef idx="1">
+            <a:schemeClr val="accent1"/>
+          </a:fillRef>
+          <a:effectRef idx="0">
+            <a:schemeClr val="accent1"/>
+          </a:effectRef>
+          <a:fontRef idx="minor">
+            <a:schemeClr val="lt1"/>
+          </a:fontRef>
+        </p:style>
+        <p:txBody>
+          <a:bodyPr rtlCol="0" anchor="ctr"/>
+          <a:lstStyle/>
+          <a:p>
+            <a:pPr algn="ctr"/>
+            <a:endParaRPr lang="en-US"/>
+          </a:p>
+        </p:txBody>
+      </p:sp>
+      <p:sp>
+        <p:nvSpPr>
+          <p:cNvPr id="5" name="Arrow: Down 4">
+            <a:extLst>
+              <a:ext uri="{FF2B5EF4-FFF2-40B4-BE49-F238E27FC236}">
+                <a16:creationId xmlns:a16="http://schemas.microsoft.com/office/drawing/2014/main" id="{23F92886-9EA9-594B-93CB-01320B321B8E}"/>
+              </a:ext>
+            </a:extLst>
+          </p:cNvPr>
+          <p:cNvSpPr/>
+          <p:nvPr/>
+        </p:nvSpPr>
+        <p:spPr>
+          <a:xfrm>
+            <a:off x="3868995" y="3880931"/>
+            <a:ext cx="253672" cy="2249555"/>
+          </a:xfrm>
+          <a:prstGeom prst="downArrow">
+            <a:avLst/>
+          </a:prstGeom>
+          <a:ln>
+            <a:noFill/>
+          </a:ln>
+        </p:spPr>
+        <p:style>
+          <a:lnRef idx="2">
+            <a:schemeClr val="accent1">
+              <a:shade val="50000"/>
+            </a:schemeClr>
+          </a:lnRef>
+          <a:fillRef idx="1">
+            <a:schemeClr val="accent1"/>
+          </a:fillRef>
+          <a:effectRef idx="0">
+            <a:schemeClr val="accent1"/>
+          </a:effectRef>
+          <a:fontRef idx="minor">
+            <a:schemeClr val="lt1"/>
+          </a:fontRef>
+        </p:style>
+        <p:txBody>
+          <a:bodyPr rtlCol="0" anchor="ctr"/>
+          <a:lstStyle/>
+          <a:p>
+            <a:pPr algn="ctr"/>
+            <a:endParaRPr lang="en-US"/>
+          </a:p>
+        </p:txBody>
+      </p:sp>
+    </p:spTree>
+    <p:extLst>
+      <p:ext uri="{BB962C8B-B14F-4D97-AF65-F5344CB8AC3E}">
+        <p14:creationId xmlns:p14="http://schemas.microsoft.com/office/powerpoint/2010/main" val="1818346352"/>
+      </p:ext>
+    </p:extLst>
+  </p:cSld>
+  <p:clrMapOvr>
+    <a:masterClrMapping/>
+  </p:clrMapOvr>
+</p:sld>
+</file>
+
+<file path=ppt/slides/slide25.xml><?xml version="1.0" encoding="utf-8"?>
+<p:sld xmlns:a="http://schemas.openxmlformats.org/drawingml/2006/main" xmlns:r="http://schemas.openxmlformats.org/officeDocument/2006/relationships" xmlns:p="http://schemas.openxmlformats.org/presentationml/2006/main">
+  <p:cSld>
+    <p:spTree>
+      <p:nvGrpSpPr>
+        <p:cNvPr id="1" name=""/>
+        <p:cNvGrpSpPr/>
+        <p:nvPr/>
+      </p:nvGrpSpPr>
+      <p:grpSpPr>
+        <a:xfrm>
+          <a:off x="0" y="0"/>
+          <a:ext cx="0" cy="0"/>
+          <a:chOff x="0" y="0"/>
+          <a:chExt cx="0" cy="0"/>
+        </a:xfrm>
+      </p:grpSpPr>
+      <p:sp>
+        <p:nvSpPr>
+          <p:cNvPr id="2" name="Title 1">
+            <a:extLst>
+              <a:ext uri="{FF2B5EF4-FFF2-40B4-BE49-F238E27FC236}">
+                <a16:creationId xmlns:a16="http://schemas.microsoft.com/office/drawing/2014/main" id="{2869D7A5-2615-487B-A824-0AFB5BD1718D}"/>
+              </a:ext>
+            </a:extLst>
+          </p:cNvPr>
+          <p:cNvSpPr>
+            <a:spLocks noGrp="1"/>
+          </p:cNvSpPr>
+          <p:nvPr>
+            <p:ph type="title"/>
+          </p:nvPr>
+        </p:nvSpPr>
+        <p:spPr/>
+        <p:txBody>
+          <a:bodyPr>
+            <a:normAutofit fontScale="90000"/>
+          </a:bodyPr>
+          <a:lstStyle/>
+          <a:p>
+            <a:r>
+              <a:rPr lang="en-US" b="1" dirty="0"/>
+              <a:t>Methods </a:t>
+            </a:r>
+            <a:r>
+              <a:rPr lang="en-US" b="1" dirty="0">
+                <a:solidFill>
+                  <a:schemeClr val="accent6"/>
+                </a:solidFill>
+              </a:rPr>
+              <a:t>and</a:t>
+            </a:r>
+            <a:r>
+              <a:rPr lang="en-US" b="1" dirty="0"/>
+              <a:t> </a:t>
+            </a:r>
+            <a:r>
+              <a:rPr lang="en-US" b="1" dirty="0">
+                <a:solidFill>
+                  <a:srgbClr val="00FF00"/>
+                </a:solidFill>
+                <a:latin typeface="Courier New" panose="02070309020205020404" pitchFamily="49" charset="0"/>
+                <a:cs typeface="Courier New" panose="02070309020205020404" pitchFamily="49" charset="0"/>
+              </a:rPr>
+              <a:t>self</a:t>
+            </a:r>
+          </a:p>
+        </p:txBody>
+      </p:sp>
+      <p:sp>
+        <p:nvSpPr>
+          <p:cNvPr id="4" name="TextBox 3">
+            <a:extLst>
+              <a:ext uri="{FF2B5EF4-FFF2-40B4-BE49-F238E27FC236}">
+                <a16:creationId xmlns:a16="http://schemas.microsoft.com/office/drawing/2014/main" id="{49C87298-20C0-4380-9C2F-A3CE16E86A5C}"/>
+              </a:ext>
+            </a:extLst>
+          </p:cNvPr>
+          <p:cNvSpPr txBox="1"/>
+          <p:nvPr/>
+        </p:nvSpPr>
+        <p:spPr>
+          <a:xfrm>
+            <a:off x="307032" y="2734443"/>
+            <a:ext cx="6453894" cy="3785652"/>
+          </a:xfrm>
+          <a:prstGeom prst="rect">
+            <a:avLst/>
+          </a:prstGeom>
+          <a:noFill/>
+        </p:spPr>
+        <p:txBody>
+          <a:bodyPr wrap="square" rtlCol="0">
+            <a:spAutoFit/>
+          </a:bodyPr>
+          <a:lstStyle/>
+          <a:p>
+            <a:r>
+              <a:rPr lang="en-US" sz="2000" b="1" dirty="0">
+                <a:solidFill>
+                  <a:srgbClr val="00FF00"/>
+                </a:solidFill>
+                <a:latin typeface="Courier New" panose="02070309020205020404" pitchFamily="49" charset="0"/>
+                <a:cs typeface="Courier New" panose="02070309020205020404" pitchFamily="49" charset="0"/>
+              </a:rPr>
+              <a:t>class Turtle:</a:t>
+            </a:r>
+          </a:p>
+          <a:p>
+            <a:r>
+              <a:rPr lang="en-US" sz="2000" b="1" dirty="0">
+                <a:solidFill>
+                  <a:srgbClr val="00FF00"/>
+                </a:solidFill>
+                <a:latin typeface="Courier New" panose="02070309020205020404" pitchFamily="49" charset="0"/>
+                <a:cs typeface="Courier New" panose="02070309020205020404" pitchFamily="49" charset="0"/>
+              </a:rPr>
+              <a:t>   </a:t>
+            </a:r>
+          </a:p>
+          <a:p>
+            <a:r>
+              <a:rPr lang="en-US" sz="2000" b="1" dirty="0">
+                <a:solidFill>
+                  <a:srgbClr val="FFD6AD"/>
+                </a:solidFill>
+                <a:latin typeface="Courier New" panose="02070309020205020404" pitchFamily="49" charset="0"/>
+                <a:cs typeface="Courier New" panose="02070309020205020404" pitchFamily="49" charset="0"/>
+              </a:rPr>
+              <a:t>   def __init__(x, y):</a:t>
+            </a:r>
+          </a:p>
+          <a:p>
+            <a:r>
+              <a:rPr lang="en-US" sz="2000" b="1" dirty="0">
+                <a:solidFill>
+                  <a:srgbClr val="FFD6AD"/>
+                </a:solidFill>
+                <a:latin typeface="Courier New" panose="02070309020205020404" pitchFamily="49" charset="0"/>
+                <a:cs typeface="Courier New" panose="02070309020205020404" pitchFamily="49" charset="0"/>
+              </a:rPr>
+              <a:t>      </a:t>
+            </a:r>
+            <a:r>
+              <a:rPr lang="en-US" sz="2000" b="1" dirty="0">
+                <a:solidFill>
+                  <a:srgbClr val="00FF00"/>
+                </a:solidFill>
+                <a:latin typeface="Courier New" panose="02070309020205020404" pitchFamily="49" charset="0"/>
+                <a:cs typeface="Courier New" panose="02070309020205020404" pitchFamily="49" charset="0"/>
+              </a:rPr>
+              <a:t>self</a:t>
+            </a:r>
+            <a:r>
+              <a:rPr lang="en-US" sz="2000" b="1" dirty="0">
+                <a:solidFill>
+                  <a:srgbClr val="FFD6AD"/>
+                </a:solidFill>
+                <a:latin typeface="Courier New" panose="02070309020205020404" pitchFamily="49" charset="0"/>
+                <a:cs typeface="Courier New" panose="02070309020205020404" pitchFamily="49" charset="0"/>
+              </a:rPr>
+              <a:t>.x = x</a:t>
+            </a:r>
+          </a:p>
+          <a:p>
+            <a:r>
+              <a:rPr lang="en-US" sz="2000" b="1" dirty="0">
+                <a:solidFill>
+                  <a:srgbClr val="FFD6AD"/>
+                </a:solidFill>
+                <a:latin typeface="Courier New" panose="02070309020205020404" pitchFamily="49" charset="0"/>
+                <a:cs typeface="Courier New" panose="02070309020205020404" pitchFamily="49" charset="0"/>
+              </a:rPr>
+              <a:t>	</a:t>
+            </a:r>
+            <a:r>
+              <a:rPr lang="en-US" sz="2000" b="1" dirty="0">
+                <a:solidFill>
+                  <a:srgbClr val="00FF00"/>
+                </a:solidFill>
+                <a:latin typeface="Courier New" panose="02070309020205020404" pitchFamily="49" charset="0"/>
+                <a:cs typeface="Courier New" panose="02070309020205020404" pitchFamily="49" charset="0"/>
+              </a:rPr>
+              <a:t>self</a:t>
+            </a:r>
+            <a:r>
+              <a:rPr lang="en-US" sz="2000" b="1" dirty="0">
+                <a:solidFill>
+                  <a:srgbClr val="FFD6AD"/>
+                </a:solidFill>
+                <a:latin typeface="Courier New" panose="02070309020205020404" pitchFamily="49" charset="0"/>
+                <a:cs typeface="Courier New" panose="02070309020205020404" pitchFamily="49" charset="0"/>
+              </a:rPr>
+              <a:t>.y = y</a:t>
+            </a:r>
+          </a:p>
+          <a:p>
+            <a:r>
+              <a:rPr lang="en-US" sz="2000" b="1" dirty="0">
+                <a:solidFill>
+                  <a:srgbClr val="FFD6AD"/>
+                </a:solidFill>
+                <a:latin typeface="Courier New" panose="02070309020205020404" pitchFamily="49" charset="0"/>
+                <a:cs typeface="Courier New" panose="02070309020205020404" pitchFamily="49" charset="0"/>
+              </a:rPr>
+              <a:t>	</a:t>
+            </a:r>
+            <a:endParaRPr lang="en-US" sz="2000" b="1" dirty="0">
+              <a:solidFill>
+                <a:srgbClr val="FF5050"/>
+              </a:solidFill>
+              <a:latin typeface="Courier New" panose="02070309020205020404" pitchFamily="49" charset="0"/>
+              <a:cs typeface="Courier New" panose="02070309020205020404" pitchFamily="49" charset="0"/>
+            </a:endParaRPr>
+          </a:p>
+          <a:p>
+            <a:r>
+              <a:rPr lang="en-US" sz="2000" b="1" dirty="0">
+                <a:solidFill>
+                  <a:srgbClr val="FF5050"/>
+                </a:solidFill>
+                <a:latin typeface="Courier New" panose="02070309020205020404" pitchFamily="49" charset="0"/>
+                <a:cs typeface="Courier New" panose="02070309020205020404" pitchFamily="49" charset="0"/>
+              </a:rPr>
+              <a:t>   def goto(x, y):</a:t>
+            </a:r>
+          </a:p>
+          <a:p>
+            <a:r>
+              <a:rPr lang="en-US" sz="2000" b="1" dirty="0">
+                <a:solidFill>
+                  <a:srgbClr val="FF5050"/>
+                </a:solidFill>
+                <a:latin typeface="Courier New" panose="02070309020205020404" pitchFamily="49" charset="0"/>
+                <a:cs typeface="Courier New" panose="02070309020205020404" pitchFamily="49" charset="0"/>
+              </a:rPr>
+              <a:t>      body</a:t>
+            </a:r>
+          </a:p>
+          <a:p>
+            <a:r>
+              <a:rPr lang="en-US" sz="2000" b="1" dirty="0">
+                <a:solidFill>
+                  <a:srgbClr val="FF5050"/>
+                </a:solidFill>
+                <a:latin typeface="Courier New" panose="02070309020205020404" pitchFamily="49" charset="0"/>
+                <a:cs typeface="Courier New" panose="02070309020205020404" pitchFamily="49" charset="0"/>
+              </a:rPr>
+              <a:t>	</a:t>
+            </a:r>
+            <a:r>
+              <a:rPr lang="en-US" sz="2000" b="1" dirty="0">
+                <a:solidFill>
+                  <a:srgbClr val="00FF00"/>
+                </a:solidFill>
+                <a:latin typeface="Courier New" panose="02070309020205020404" pitchFamily="49" charset="0"/>
+                <a:cs typeface="Courier New" panose="02070309020205020404" pitchFamily="49" charset="0"/>
+              </a:rPr>
+              <a:t>self</a:t>
+            </a:r>
+            <a:r>
+              <a:rPr lang="en-US" sz="2000" b="1" dirty="0">
+                <a:solidFill>
+                  <a:srgbClr val="FF5050"/>
+                </a:solidFill>
+                <a:latin typeface="Courier New" panose="02070309020205020404" pitchFamily="49" charset="0"/>
+                <a:cs typeface="Courier New" panose="02070309020205020404" pitchFamily="49" charset="0"/>
+              </a:rPr>
+              <a:t>.print_location()</a:t>
+            </a:r>
+          </a:p>
+          <a:p>
+            <a:endParaRPr lang="en-US" sz="2000" b="1" dirty="0">
+              <a:solidFill>
+                <a:srgbClr val="FF5050"/>
+              </a:solidFill>
+              <a:latin typeface="Courier New" panose="02070309020205020404" pitchFamily="49" charset="0"/>
+              <a:cs typeface="Courier New" panose="02070309020205020404" pitchFamily="49" charset="0"/>
+            </a:endParaRPr>
+          </a:p>
+          <a:p>
+            <a:r>
+              <a:rPr lang="en-US" sz="2000" b="1" dirty="0">
+                <a:solidFill>
+                  <a:srgbClr val="FF5050"/>
+                </a:solidFill>
+                <a:latin typeface="Courier New" panose="02070309020205020404" pitchFamily="49" charset="0"/>
+                <a:cs typeface="Courier New" panose="02070309020205020404" pitchFamily="49" charset="0"/>
+              </a:rPr>
+              <a:t>   def print_location():</a:t>
+            </a:r>
+          </a:p>
+          <a:p>
+            <a:r>
+              <a:rPr lang="en-US" sz="2000" b="1" dirty="0">
+                <a:solidFill>
+                  <a:srgbClr val="FF5050"/>
+                </a:solidFill>
+                <a:latin typeface="Courier New" panose="02070309020205020404" pitchFamily="49" charset="0"/>
+                <a:cs typeface="Courier New" panose="02070309020205020404" pitchFamily="49" charset="0"/>
+              </a:rPr>
+              <a:t>      print(</a:t>
+            </a:r>
+            <a:r>
+              <a:rPr lang="en-US" sz="2000" b="1" dirty="0">
+                <a:solidFill>
+                  <a:srgbClr val="00FF00"/>
+                </a:solidFill>
+                <a:latin typeface="Courier New" panose="02070309020205020404" pitchFamily="49" charset="0"/>
+                <a:cs typeface="Courier New" panose="02070309020205020404" pitchFamily="49" charset="0"/>
+              </a:rPr>
+              <a:t>self</a:t>
+            </a:r>
+            <a:r>
+              <a:rPr lang="en-US" sz="2000" b="1" dirty="0">
+                <a:solidFill>
+                  <a:srgbClr val="FF5050"/>
+                </a:solidFill>
+                <a:latin typeface="Courier New" panose="02070309020205020404" pitchFamily="49" charset="0"/>
+                <a:cs typeface="Courier New" panose="02070309020205020404" pitchFamily="49" charset="0"/>
+              </a:rPr>
+              <a:t>.x, </a:t>
+            </a:r>
+            <a:r>
+              <a:rPr lang="en-US" sz="2000" b="1" dirty="0">
+                <a:solidFill>
+                  <a:srgbClr val="00FF00"/>
+                </a:solidFill>
+                <a:latin typeface="Courier New" panose="02070309020205020404" pitchFamily="49" charset="0"/>
+                <a:cs typeface="Courier New" panose="02070309020205020404" pitchFamily="49" charset="0"/>
+              </a:rPr>
+              <a:t>self</a:t>
+            </a:r>
+            <a:r>
+              <a:rPr lang="en-US" sz="2000" b="1" dirty="0">
+                <a:solidFill>
+                  <a:srgbClr val="FF5050"/>
+                </a:solidFill>
+                <a:latin typeface="Courier New" panose="02070309020205020404" pitchFamily="49" charset="0"/>
+                <a:cs typeface="Courier New" panose="02070309020205020404" pitchFamily="49" charset="0"/>
+              </a:rPr>
+              <a:t>.y)</a:t>
+            </a:r>
+          </a:p>
+        </p:txBody>
+      </p:sp>
+      <p:sp>
+        <p:nvSpPr>
+          <p:cNvPr id="6" name="TextBox 5">
+            <a:extLst>
+              <a:ext uri="{FF2B5EF4-FFF2-40B4-BE49-F238E27FC236}">
+                <a16:creationId xmlns:a16="http://schemas.microsoft.com/office/drawing/2014/main" id="{27FDB0C0-2566-4051-9A4E-DBFDDEF4F45F}"/>
+              </a:ext>
+            </a:extLst>
+          </p:cNvPr>
+          <p:cNvSpPr txBox="1"/>
+          <p:nvPr/>
+        </p:nvSpPr>
+        <p:spPr>
+          <a:xfrm>
+            <a:off x="307032" y="2006930"/>
+            <a:ext cx="3930884" cy="523220"/>
+          </a:xfrm>
+          <a:prstGeom prst="rect">
+            <a:avLst/>
+          </a:prstGeom>
+          <a:noFill/>
+        </p:spPr>
+        <p:txBody>
+          <a:bodyPr wrap="none" rtlCol="0">
+            <a:spAutoFit/>
+          </a:bodyPr>
+          <a:lstStyle/>
+          <a:p>
+            <a:r>
+              <a:rPr lang="en-US" sz="2800" b="1" dirty="0">
+                <a:solidFill>
+                  <a:srgbClr val="FFFFFF"/>
+                </a:solidFill>
+              </a:rPr>
+              <a:t>Inside Class Definition</a:t>
+            </a:r>
+          </a:p>
+        </p:txBody>
+      </p:sp>
+      <p:sp>
+        <p:nvSpPr>
+          <p:cNvPr id="14" name="TextBox 13">
+            <a:extLst>
+              <a:ext uri="{FF2B5EF4-FFF2-40B4-BE49-F238E27FC236}">
+                <a16:creationId xmlns:a16="http://schemas.microsoft.com/office/drawing/2014/main" id="{B9228819-FF67-4559-A355-3B29EFA79DBE}"/>
+              </a:ext>
+            </a:extLst>
+          </p:cNvPr>
+          <p:cNvSpPr txBox="1"/>
+          <p:nvPr/>
+        </p:nvSpPr>
+        <p:spPr>
+          <a:xfrm>
+            <a:off x="7675415" y="2734442"/>
+            <a:ext cx="3701143" cy="1015663"/>
+          </a:xfrm>
+          <a:prstGeom prst="rect">
+            <a:avLst/>
+          </a:prstGeom>
+          <a:noFill/>
+        </p:spPr>
+        <p:txBody>
+          <a:bodyPr wrap="square" rtlCol="0">
+            <a:spAutoFit/>
+          </a:bodyPr>
+          <a:lstStyle/>
+          <a:p>
+            <a:r>
+              <a:rPr lang="en-US" sz="2000" b="1" dirty="0">
+                <a:solidFill>
+                  <a:srgbClr val="00FF00"/>
+                </a:solidFill>
+                <a:latin typeface="Courier New" panose="02070309020205020404" pitchFamily="49" charset="0"/>
+                <a:cs typeface="Courier New" panose="02070309020205020404" pitchFamily="49" charset="0"/>
+              </a:rPr>
+              <a:t>alex = Turtle(10, 12)</a:t>
+            </a:r>
+          </a:p>
+          <a:p>
+            <a:endParaRPr lang="en-US" sz="2000" b="1" dirty="0">
+              <a:solidFill>
+                <a:srgbClr val="00FF00"/>
+              </a:solidFill>
+              <a:latin typeface="Courier New" panose="02070309020205020404" pitchFamily="49" charset="0"/>
+              <a:cs typeface="Courier New" panose="02070309020205020404" pitchFamily="49" charset="0"/>
+            </a:endParaRPr>
+          </a:p>
+          <a:p>
+            <a:r>
+              <a:rPr lang="en-US" sz="2000" b="1" dirty="0">
+                <a:solidFill>
+                  <a:srgbClr val="00FF00"/>
+                </a:solidFill>
+                <a:latin typeface="Courier New" panose="02070309020205020404" pitchFamily="49" charset="0"/>
+                <a:cs typeface="Courier New" panose="02070309020205020404" pitchFamily="49" charset="0"/>
+              </a:rPr>
+              <a:t>alex.print_location()</a:t>
+            </a:r>
+            <a:endParaRPr lang="en-US" sz="2000" b="1" dirty="0">
+              <a:solidFill>
+                <a:srgbClr val="FF5050"/>
+              </a:solidFill>
+              <a:latin typeface="Courier New" panose="02070309020205020404" pitchFamily="49" charset="0"/>
+              <a:cs typeface="Courier New" panose="02070309020205020404" pitchFamily="49" charset="0"/>
+            </a:endParaRPr>
+          </a:p>
+        </p:txBody>
+      </p:sp>
+      <p:sp>
+        <p:nvSpPr>
+          <p:cNvPr id="16" name="TextBox 15">
+            <a:extLst>
+              <a:ext uri="{FF2B5EF4-FFF2-40B4-BE49-F238E27FC236}">
+                <a16:creationId xmlns:a16="http://schemas.microsoft.com/office/drawing/2014/main" id="{10E37282-697B-4A9E-887E-389A062682D3}"/>
+              </a:ext>
+            </a:extLst>
+          </p:cNvPr>
+          <p:cNvSpPr txBox="1"/>
+          <p:nvPr/>
+        </p:nvSpPr>
+        <p:spPr>
+          <a:xfrm>
+            <a:off x="7675415" y="2006930"/>
+            <a:ext cx="4229043" cy="523220"/>
+          </a:xfrm>
+          <a:prstGeom prst="rect">
+            <a:avLst/>
+          </a:prstGeom>
+          <a:noFill/>
+        </p:spPr>
+        <p:txBody>
+          <a:bodyPr wrap="none" rtlCol="0">
+            <a:spAutoFit/>
+          </a:bodyPr>
+          <a:lstStyle/>
+          <a:p>
+            <a:r>
+              <a:rPr lang="en-US" sz="2800" b="1" dirty="0">
+                <a:solidFill>
+                  <a:srgbClr val="FFFFFF"/>
+                </a:solidFill>
+              </a:rPr>
+              <a:t>Outside Class Definition</a:t>
+            </a:r>
+          </a:p>
+        </p:txBody>
+      </p:sp>
+      <p:sp>
+        <p:nvSpPr>
+          <p:cNvPr id="17" name="TextBox 16">
+            <a:extLst>
+              <a:ext uri="{FF2B5EF4-FFF2-40B4-BE49-F238E27FC236}">
+                <a16:creationId xmlns:a16="http://schemas.microsoft.com/office/drawing/2014/main" id="{F74EE469-D981-4C85-8386-231CFE0E3916}"/>
+              </a:ext>
+            </a:extLst>
+          </p:cNvPr>
+          <p:cNvSpPr txBox="1"/>
+          <p:nvPr/>
+        </p:nvSpPr>
+        <p:spPr>
+          <a:xfrm>
+            <a:off x="5044892" y="4135420"/>
+            <a:ext cx="3137207" cy="1938992"/>
+          </a:xfrm>
+          <a:prstGeom prst="rect">
+            <a:avLst/>
+          </a:prstGeom>
+          <a:noFill/>
+        </p:spPr>
+        <p:txBody>
+          <a:bodyPr wrap="square" rtlCol="0">
+            <a:spAutoFit/>
+          </a:bodyPr>
+          <a:lstStyle/>
+          <a:p>
+            <a:r>
+              <a:rPr lang="en-US" sz="2400" dirty="0">
+                <a:solidFill>
+                  <a:srgbClr val="FFFFFF"/>
+                </a:solidFill>
+                <a:cs typeface="Courier New" panose="02070309020205020404" pitchFamily="49" charset="0"/>
+              </a:rPr>
+              <a:t>A common error is to omit the </a:t>
+            </a:r>
+            <a:r>
+              <a:rPr lang="en-US" sz="2400" b="1" dirty="0">
+                <a:solidFill>
+                  <a:srgbClr val="00FF00"/>
+                </a:solidFill>
+                <a:latin typeface="Courier New" panose="02070309020205020404" pitchFamily="49" charset="0"/>
+                <a:cs typeface="Courier New" panose="02070309020205020404" pitchFamily="49" charset="0"/>
+              </a:rPr>
+              <a:t>self</a:t>
+            </a:r>
+            <a:r>
+              <a:rPr lang="en-US" sz="2400" dirty="0">
+                <a:solidFill>
+                  <a:srgbClr val="FFFFFF"/>
+                </a:solidFill>
+                <a:cs typeface="Courier New" panose="02070309020205020404" pitchFamily="49" charset="0"/>
+              </a:rPr>
+              <a:t> argument as the first parameter of a method definition</a:t>
+            </a:r>
+            <a:r>
+              <a:rPr lang="en-US" sz="2400" dirty="0">
+                <a:solidFill>
+                  <a:schemeClr val="accent1"/>
+                </a:solidFill>
+                <a:cs typeface="Courier New" panose="02070309020205020404" pitchFamily="49" charset="0"/>
+              </a:rPr>
+              <a:t>.</a:t>
+            </a:r>
+            <a:endParaRPr lang="en-US" sz="2400" dirty="0">
+              <a:solidFill>
+                <a:schemeClr val="accent1"/>
+              </a:solidFill>
+            </a:endParaRPr>
+          </a:p>
+        </p:txBody>
+      </p:sp>
+      <p:sp>
+        <p:nvSpPr>
+          <p:cNvPr id="19" name="Arrow: Bent-Up 18">
+            <a:extLst>
+              <a:ext uri="{FF2B5EF4-FFF2-40B4-BE49-F238E27FC236}">
+                <a16:creationId xmlns:a16="http://schemas.microsoft.com/office/drawing/2014/main" id="{AFDEA425-DB6A-4649-9A6C-AA7091A41752}"/>
+              </a:ext>
+            </a:extLst>
+          </p:cNvPr>
+          <p:cNvSpPr/>
+          <p:nvPr/>
+        </p:nvSpPr>
+        <p:spPr>
+          <a:xfrm flipH="1" flipV="1">
+            <a:off x="2149434" y="4379475"/>
+            <a:ext cx="2873918" cy="299402"/>
+          </a:xfrm>
+          <a:prstGeom prst="bentUpArrow">
+            <a:avLst/>
+          </a:prstGeom>
+        </p:spPr>
+        <p:style>
+          <a:lnRef idx="2">
+            <a:schemeClr val="accent1">
+              <a:shade val="50000"/>
+            </a:schemeClr>
+          </a:lnRef>
+          <a:fillRef idx="1">
+            <a:schemeClr val="accent1"/>
+          </a:fillRef>
+          <a:effectRef idx="0">
+            <a:schemeClr val="accent1"/>
+          </a:effectRef>
+          <a:fontRef idx="minor">
+            <a:schemeClr val="lt1"/>
+          </a:fontRef>
+        </p:style>
+        <p:txBody>
+          <a:bodyPr rtlCol="0" anchor="ctr"/>
+          <a:lstStyle/>
+          <a:p>
+            <a:pPr algn="ctr"/>
+            <a:endParaRPr lang="en-US"/>
+          </a:p>
+        </p:txBody>
+      </p:sp>
+    </p:spTree>
+    <p:extLst>
+      <p:ext uri="{BB962C8B-B14F-4D97-AF65-F5344CB8AC3E}">
+        <p14:creationId xmlns:p14="http://schemas.microsoft.com/office/powerpoint/2010/main" val="1616078632"/>
+      </p:ext>
+    </p:extLst>
+  </p:cSld>
+  <p:clrMapOvr>
+    <a:masterClrMapping/>
+  </p:clrMapOvr>
+</p:sld>
+</file>
+
+<file path=ppt/slides/slide26.xml><?xml version="1.0" encoding="utf-8"?>
+<p:sld xmlns:a="http://schemas.openxmlformats.org/drawingml/2006/main" xmlns:r="http://schemas.openxmlformats.org/officeDocument/2006/relationships" xmlns:p="http://schemas.openxmlformats.org/presentationml/2006/main">
+  <p:cSld>
+    <p:spTree>
+      <p:nvGrpSpPr>
+        <p:cNvPr id="1" name=""/>
+        <p:cNvGrpSpPr/>
+        <p:nvPr/>
+      </p:nvGrpSpPr>
+      <p:grpSpPr>
+        <a:xfrm>
+          <a:off x="0" y="0"/>
+          <a:ext cx="0" cy="0"/>
+          <a:chOff x="0" y="0"/>
+          <a:chExt cx="0" cy="0"/>
+        </a:xfrm>
+      </p:grpSpPr>
+      <p:sp>
+        <p:nvSpPr>
+          <p:cNvPr id="2" name="Title 1">
+            <a:extLst>
+              <a:ext uri="{FF2B5EF4-FFF2-40B4-BE49-F238E27FC236}">
+                <a16:creationId xmlns:a16="http://schemas.microsoft.com/office/drawing/2014/main" id="{2869D7A5-2615-487B-A824-0AFB5BD1718D}"/>
+              </a:ext>
+            </a:extLst>
+          </p:cNvPr>
+          <p:cNvSpPr>
+            <a:spLocks noGrp="1"/>
+          </p:cNvSpPr>
+          <p:nvPr>
+            <p:ph type="title"/>
+          </p:nvPr>
+        </p:nvSpPr>
+        <p:spPr/>
+        <p:txBody>
+          <a:bodyPr>
+            <a:normAutofit fontScale="90000"/>
+          </a:bodyPr>
+          <a:lstStyle/>
+          <a:p>
+            <a:r>
+              <a:rPr lang="en-US" b="1" dirty="0"/>
+              <a:t>Methods </a:t>
+            </a:r>
+            <a:r>
+              <a:rPr lang="en-US" b="1" dirty="0">
+                <a:solidFill>
+                  <a:schemeClr val="accent6"/>
+                </a:solidFill>
+              </a:rPr>
+              <a:t>and</a:t>
+            </a:r>
+            <a:r>
+              <a:rPr lang="en-US" b="1" dirty="0"/>
+              <a:t> </a:t>
+            </a:r>
+            <a:r>
+              <a:rPr lang="en-US" b="1" dirty="0">
+                <a:solidFill>
+                  <a:srgbClr val="00FF00"/>
+                </a:solidFill>
+                <a:latin typeface="Courier New" panose="02070309020205020404" pitchFamily="49" charset="0"/>
+                <a:cs typeface="Courier New" panose="02070309020205020404" pitchFamily="49" charset="0"/>
+              </a:rPr>
+              <a:t>self</a:t>
+            </a:r>
+          </a:p>
+        </p:txBody>
+      </p:sp>
+      <p:sp>
+        <p:nvSpPr>
+          <p:cNvPr id="4" name="TextBox 3">
+            <a:extLst>
+              <a:ext uri="{FF2B5EF4-FFF2-40B4-BE49-F238E27FC236}">
+                <a16:creationId xmlns:a16="http://schemas.microsoft.com/office/drawing/2014/main" id="{49C87298-20C0-4380-9C2F-A3CE16E86A5C}"/>
+              </a:ext>
+            </a:extLst>
+          </p:cNvPr>
+          <p:cNvSpPr txBox="1"/>
+          <p:nvPr/>
+        </p:nvSpPr>
+        <p:spPr>
+          <a:xfrm>
+            <a:off x="307032" y="2734443"/>
+            <a:ext cx="6453894" cy="3785652"/>
+          </a:xfrm>
+          <a:prstGeom prst="rect">
+            <a:avLst/>
+          </a:prstGeom>
+          <a:noFill/>
+        </p:spPr>
+        <p:txBody>
+          <a:bodyPr wrap="square" rtlCol="0">
+            <a:spAutoFit/>
+          </a:bodyPr>
+          <a:lstStyle/>
+          <a:p>
+            <a:r>
+              <a:rPr lang="en-US" sz="2000" b="1" dirty="0">
+                <a:solidFill>
+                  <a:srgbClr val="00FF00"/>
+                </a:solidFill>
+                <a:latin typeface="Courier New" panose="02070309020205020404" pitchFamily="49" charset="0"/>
+                <a:cs typeface="Courier New" panose="02070309020205020404" pitchFamily="49" charset="0"/>
+              </a:rPr>
+              <a:t>class Turtle:</a:t>
+            </a:r>
+          </a:p>
+          <a:p>
+            <a:r>
+              <a:rPr lang="en-US" sz="2000" b="1" dirty="0">
+                <a:solidFill>
+                  <a:srgbClr val="00FF00"/>
+                </a:solidFill>
+                <a:latin typeface="Courier New" panose="02070309020205020404" pitchFamily="49" charset="0"/>
+                <a:cs typeface="Courier New" panose="02070309020205020404" pitchFamily="49" charset="0"/>
+              </a:rPr>
+              <a:t>   </a:t>
+            </a:r>
+          </a:p>
+          <a:p>
+            <a:r>
+              <a:rPr lang="en-US" sz="2000" b="1" dirty="0">
+                <a:solidFill>
+                  <a:srgbClr val="FFD6AD"/>
+                </a:solidFill>
+                <a:latin typeface="Courier New" panose="02070309020205020404" pitchFamily="49" charset="0"/>
+                <a:cs typeface="Courier New" panose="02070309020205020404" pitchFamily="49" charset="0"/>
+              </a:rPr>
+              <a:t>   def __init__(x, y):</a:t>
+            </a:r>
+          </a:p>
+          <a:p>
+            <a:r>
+              <a:rPr lang="en-US" sz="2000" b="1" dirty="0">
+                <a:solidFill>
+                  <a:srgbClr val="FFD6AD"/>
+                </a:solidFill>
+                <a:latin typeface="Courier New" panose="02070309020205020404" pitchFamily="49" charset="0"/>
+                <a:cs typeface="Courier New" panose="02070309020205020404" pitchFamily="49" charset="0"/>
+              </a:rPr>
+              <a:t>      </a:t>
+            </a:r>
+            <a:r>
+              <a:rPr lang="en-US" sz="2000" b="1" dirty="0">
+                <a:solidFill>
+                  <a:srgbClr val="00FF00"/>
+                </a:solidFill>
+                <a:latin typeface="Courier New" panose="02070309020205020404" pitchFamily="49" charset="0"/>
+                <a:cs typeface="Courier New" panose="02070309020205020404" pitchFamily="49" charset="0"/>
+              </a:rPr>
+              <a:t>self</a:t>
+            </a:r>
+            <a:r>
+              <a:rPr lang="en-US" sz="2000" b="1" dirty="0">
+                <a:solidFill>
+                  <a:srgbClr val="FFD6AD"/>
+                </a:solidFill>
+                <a:latin typeface="Courier New" panose="02070309020205020404" pitchFamily="49" charset="0"/>
+                <a:cs typeface="Courier New" panose="02070309020205020404" pitchFamily="49" charset="0"/>
+              </a:rPr>
+              <a:t>.x = x</a:t>
+            </a:r>
+          </a:p>
+          <a:p>
+            <a:r>
+              <a:rPr lang="en-US" sz="2000" b="1" dirty="0">
+                <a:solidFill>
+                  <a:srgbClr val="FFD6AD"/>
+                </a:solidFill>
+                <a:latin typeface="Courier New" panose="02070309020205020404" pitchFamily="49" charset="0"/>
+                <a:cs typeface="Courier New" panose="02070309020205020404" pitchFamily="49" charset="0"/>
+              </a:rPr>
+              <a:t>	</a:t>
+            </a:r>
+            <a:r>
+              <a:rPr lang="en-US" sz="2000" b="1" dirty="0">
+                <a:solidFill>
+                  <a:srgbClr val="00FF00"/>
+                </a:solidFill>
+                <a:latin typeface="Courier New" panose="02070309020205020404" pitchFamily="49" charset="0"/>
+                <a:cs typeface="Courier New" panose="02070309020205020404" pitchFamily="49" charset="0"/>
+              </a:rPr>
+              <a:t>self</a:t>
+            </a:r>
+            <a:r>
+              <a:rPr lang="en-US" sz="2000" b="1" dirty="0">
+                <a:solidFill>
+                  <a:srgbClr val="FFD6AD"/>
+                </a:solidFill>
+                <a:latin typeface="Courier New" panose="02070309020205020404" pitchFamily="49" charset="0"/>
+                <a:cs typeface="Courier New" panose="02070309020205020404" pitchFamily="49" charset="0"/>
+              </a:rPr>
+              <a:t>.y = y</a:t>
+            </a:r>
+          </a:p>
+          <a:p>
+            <a:r>
+              <a:rPr lang="en-US" sz="2000" b="1" dirty="0">
+                <a:solidFill>
+                  <a:srgbClr val="FFD6AD"/>
+                </a:solidFill>
+                <a:latin typeface="Courier New" panose="02070309020205020404" pitchFamily="49" charset="0"/>
+                <a:cs typeface="Courier New" panose="02070309020205020404" pitchFamily="49" charset="0"/>
+              </a:rPr>
+              <a:t>	</a:t>
+            </a:r>
+            <a:endParaRPr lang="en-US" sz="2000" b="1" dirty="0">
+              <a:solidFill>
+                <a:srgbClr val="FF5050"/>
+              </a:solidFill>
+              <a:latin typeface="Courier New" panose="02070309020205020404" pitchFamily="49" charset="0"/>
+              <a:cs typeface="Courier New" panose="02070309020205020404" pitchFamily="49" charset="0"/>
+            </a:endParaRPr>
+          </a:p>
+          <a:p>
+            <a:r>
+              <a:rPr lang="en-US" sz="2000" b="1" dirty="0">
+                <a:solidFill>
+                  <a:srgbClr val="FF5050"/>
+                </a:solidFill>
+                <a:latin typeface="Courier New" panose="02070309020205020404" pitchFamily="49" charset="0"/>
+                <a:cs typeface="Courier New" panose="02070309020205020404" pitchFamily="49" charset="0"/>
+              </a:rPr>
+              <a:t>   def goto(x, y):</a:t>
+            </a:r>
+          </a:p>
+          <a:p>
+            <a:r>
+              <a:rPr lang="en-US" sz="2000" b="1" dirty="0">
+                <a:solidFill>
+                  <a:srgbClr val="FF5050"/>
+                </a:solidFill>
+                <a:latin typeface="Courier New" panose="02070309020205020404" pitchFamily="49" charset="0"/>
+                <a:cs typeface="Courier New" panose="02070309020205020404" pitchFamily="49" charset="0"/>
+              </a:rPr>
+              <a:t>      body</a:t>
+            </a:r>
+          </a:p>
+          <a:p>
+            <a:r>
+              <a:rPr lang="en-US" sz="2000" b="1" dirty="0">
+                <a:solidFill>
+                  <a:srgbClr val="FF5050"/>
+                </a:solidFill>
+                <a:latin typeface="Courier New" panose="02070309020205020404" pitchFamily="49" charset="0"/>
+                <a:cs typeface="Courier New" panose="02070309020205020404" pitchFamily="49" charset="0"/>
+              </a:rPr>
+              <a:t>	</a:t>
+            </a:r>
+            <a:r>
+              <a:rPr lang="en-US" sz="2000" b="1" dirty="0">
+                <a:solidFill>
+                  <a:srgbClr val="00FF00"/>
+                </a:solidFill>
+                <a:latin typeface="Courier New" panose="02070309020205020404" pitchFamily="49" charset="0"/>
+                <a:cs typeface="Courier New" panose="02070309020205020404" pitchFamily="49" charset="0"/>
+              </a:rPr>
+              <a:t>self</a:t>
+            </a:r>
+            <a:r>
+              <a:rPr lang="en-US" sz="2000" b="1" dirty="0">
+                <a:solidFill>
+                  <a:srgbClr val="FF5050"/>
+                </a:solidFill>
+                <a:latin typeface="Courier New" panose="02070309020205020404" pitchFamily="49" charset="0"/>
+                <a:cs typeface="Courier New" panose="02070309020205020404" pitchFamily="49" charset="0"/>
+              </a:rPr>
+              <a:t>.print_location()</a:t>
+            </a:r>
+          </a:p>
+          <a:p>
+            <a:endParaRPr lang="en-US" sz="2000" b="1" dirty="0">
+              <a:solidFill>
+                <a:srgbClr val="FF5050"/>
+              </a:solidFill>
+              <a:latin typeface="Courier New" panose="02070309020205020404" pitchFamily="49" charset="0"/>
+              <a:cs typeface="Courier New" panose="02070309020205020404" pitchFamily="49" charset="0"/>
+            </a:endParaRPr>
+          </a:p>
+          <a:p>
+            <a:r>
+              <a:rPr lang="en-US" sz="2000" b="1" dirty="0">
+                <a:solidFill>
+                  <a:srgbClr val="FF5050"/>
+                </a:solidFill>
+                <a:latin typeface="Courier New" panose="02070309020205020404" pitchFamily="49" charset="0"/>
+                <a:cs typeface="Courier New" panose="02070309020205020404" pitchFamily="49" charset="0"/>
+              </a:rPr>
+              <a:t>   def print_location():</a:t>
+            </a:r>
+          </a:p>
+          <a:p>
+            <a:r>
+              <a:rPr lang="en-US" sz="2000" b="1" dirty="0">
+                <a:solidFill>
+                  <a:srgbClr val="FF5050"/>
+                </a:solidFill>
+                <a:latin typeface="Courier New" panose="02070309020205020404" pitchFamily="49" charset="0"/>
+                <a:cs typeface="Courier New" panose="02070309020205020404" pitchFamily="49" charset="0"/>
+              </a:rPr>
+              <a:t>      print(</a:t>
+            </a:r>
+            <a:r>
+              <a:rPr lang="en-US" sz="2000" b="1" dirty="0">
+                <a:solidFill>
+                  <a:srgbClr val="00FF00"/>
+                </a:solidFill>
+                <a:latin typeface="Courier New" panose="02070309020205020404" pitchFamily="49" charset="0"/>
+                <a:cs typeface="Courier New" panose="02070309020205020404" pitchFamily="49" charset="0"/>
+              </a:rPr>
+              <a:t>self</a:t>
+            </a:r>
+            <a:r>
+              <a:rPr lang="en-US" sz="2000" b="1" dirty="0">
+                <a:solidFill>
+                  <a:srgbClr val="FF5050"/>
+                </a:solidFill>
+                <a:latin typeface="Courier New" panose="02070309020205020404" pitchFamily="49" charset="0"/>
+                <a:cs typeface="Courier New" panose="02070309020205020404" pitchFamily="49" charset="0"/>
+              </a:rPr>
+              <a:t>.x, </a:t>
+            </a:r>
+            <a:r>
+              <a:rPr lang="en-US" sz="2000" b="1" dirty="0">
+                <a:solidFill>
+                  <a:srgbClr val="00FF00"/>
+                </a:solidFill>
+                <a:latin typeface="Courier New" panose="02070309020205020404" pitchFamily="49" charset="0"/>
+                <a:cs typeface="Courier New" panose="02070309020205020404" pitchFamily="49" charset="0"/>
+              </a:rPr>
+              <a:t>self</a:t>
+            </a:r>
+            <a:r>
+              <a:rPr lang="en-US" sz="2000" b="1" dirty="0">
+                <a:solidFill>
+                  <a:srgbClr val="FF5050"/>
+                </a:solidFill>
+                <a:latin typeface="Courier New" panose="02070309020205020404" pitchFamily="49" charset="0"/>
+                <a:cs typeface="Courier New" panose="02070309020205020404" pitchFamily="49" charset="0"/>
+              </a:rPr>
+              <a:t>.y)</a:t>
+            </a:r>
+          </a:p>
+        </p:txBody>
+      </p:sp>
+      <p:sp>
+        <p:nvSpPr>
+          <p:cNvPr id="6" name="TextBox 5">
+            <a:extLst>
+              <a:ext uri="{FF2B5EF4-FFF2-40B4-BE49-F238E27FC236}">
+                <a16:creationId xmlns:a16="http://schemas.microsoft.com/office/drawing/2014/main" id="{27FDB0C0-2566-4051-9A4E-DBFDDEF4F45F}"/>
+              </a:ext>
+            </a:extLst>
+          </p:cNvPr>
+          <p:cNvSpPr txBox="1"/>
+          <p:nvPr/>
+        </p:nvSpPr>
+        <p:spPr>
+          <a:xfrm>
+            <a:off x="307032" y="2006930"/>
+            <a:ext cx="3930884" cy="523220"/>
+          </a:xfrm>
+          <a:prstGeom prst="rect">
+            <a:avLst/>
+          </a:prstGeom>
+          <a:noFill/>
+        </p:spPr>
+        <p:txBody>
+          <a:bodyPr wrap="none" rtlCol="0">
+            <a:spAutoFit/>
+          </a:bodyPr>
+          <a:lstStyle/>
+          <a:p>
+            <a:r>
+              <a:rPr lang="en-US" sz="2800" b="1" dirty="0">
+                <a:solidFill>
+                  <a:srgbClr val="FFFFFF"/>
+                </a:solidFill>
+              </a:rPr>
+              <a:t>Inside Class Definition</a:t>
+            </a:r>
+          </a:p>
+        </p:txBody>
+      </p:sp>
+      <p:sp>
+        <p:nvSpPr>
+          <p:cNvPr id="14" name="TextBox 13">
+            <a:extLst>
+              <a:ext uri="{FF2B5EF4-FFF2-40B4-BE49-F238E27FC236}">
+                <a16:creationId xmlns:a16="http://schemas.microsoft.com/office/drawing/2014/main" id="{B9228819-FF67-4559-A355-3B29EFA79DBE}"/>
+              </a:ext>
+            </a:extLst>
+          </p:cNvPr>
+          <p:cNvSpPr txBox="1"/>
+          <p:nvPr/>
+        </p:nvSpPr>
+        <p:spPr>
+          <a:xfrm>
+            <a:off x="7675415" y="2734442"/>
+            <a:ext cx="3701143" cy="1015663"/>
+          </a:xfrm>
+          <a:prstGeom prst="rect">
+            <a:avLst/>
+          </a:prstGeom>
+          <a:noFill/>
+        </p:spPr>
+        <p:txBody>
+          <a:bodyPr wrap="square" rtlCol="0">
+            <a:spAutoFit/>
+          </a:bodyPr>
+          <a:lstStyle/>
+          <a:p>
+            <a:r>
+              <a:rPr lang="en-US" sz="2000" b="1" dirty="0">
+                <a:solidFill>
+                  <a:srgbClr val="00FF00"/>
+                </a:solidFill>
+                <a:latin typeface="Courier New" panose="02070309020205020404" pitchFamily="49" charset="0"/>
+                <a:cs typeface="Courier New" panose="02070309020205020404" pitchFamily="49" charset="0"/>
+              </a:rPr>
+              <a:t>alex = Turtle(10, 12)</a:t>
+            </a:r>
+          </a:p>
+          <a:p>
+            <a:endParaRPr lang="en-US" sz="2000" b="1" dirty="0">
+              <a:solidFill>
+                <a:srgbClr val="00FF00"/>
+              </a:solidFill>
+              <a:latin typeface="Courier New" panose="02070309020205020404" pitchFamily="49" charset="0"/>
+              <a:cs typeface="Courier New" panose="02070309020205020404" pitchFamily="49" charset="0"/>
+            </a:endParaRPr>
+          </a:p>
+          <a:p>
+            <a:r>
+              <a:rPr lang="en-US" sz="2000" b="1" dirty="0">
+                <a:solidFill>
+                  <a:srgbClr val="00FF00"/>
+                </a:solidFill>
+                <a:latin typeface="Courier New" panose="02070309020205020404" pitchFamily="49" charset="0"/>
+                <a:cs typeface="Courier New" panose="02070309020205020404" pitchFamily="49" charset="0"/>
+              </a:rPr>
+              <a:t>alex.print_location()</a:t>
+            </a:r>
+            <a:endParaRPr lang="en-US" sz="2000" b="1" dirty="0">
+              <a:solidFill>
+                <a:srgbClr val="FF5050"/>
+              </a:solidFill>
+              <a:latin typeface="Courier New" panose="02070309020205020404" pitchFamily="49" charset="0"/>
+              <a:cs typeface="Courier New" panose="02070309020205020404" pitchFamily="49" charset="0"/>
+            </a:endParaRPr>
+          </a:p>
+        </p:txBody>
+      </p:sp>
+      <p:sp>
+        <p:nvSpPr>
+          <p:cNvPr id="16" name="TextBox 15">
+            <a:extLst>
+              <a:ext uri="{FF2B5EF4-FFF2-40B4-BE49-F238E27FC236}">
+                <a16:creationId xmlns:a16="http://schemas.microsoft.com/office/drawing/2014/main" id="{10E37282-697B-4A9E-887E-389A062682D3}"/>
+              </a:ext>
+            </a:extLst>
+          </p:cNvPr>
+          <p:cNvSpPr txBox="1"/>
+          <p:nvPr/>
+        </p:nvSpPr>
+        <p:spPr>
+          <a:xfrm>
+            <a:off x="7675415" y="2006930"/>
+            <a:ext cx="4229043" cy="523220"/>
+          </a:xfrm>
+          <a:prstGeom prst="rect">
+            <a:avLst/>
+          </a:prstGeom>
+          <a:noFill/>
+        </p:spPr>
+        <p:txBody>
+          <a:bodyPr wrap="none" rtlCol="0">
+            <a:spAutoFit/>
+          </a:bodyPr>
+          <a:lstStyle/>
+          <a:p>
+            <a:r>
+              <a:rPr lang="en-US" sz="2800" b="1" dirty="0">
+                <a:solidFill>
+                  <a:srgbClr val="FFFFFF"/>
+                </a:solidFill>
+              </a:rPr>
+              <a:t>Outside Class Definition</a:t>
+            </a:r>
+          </a:p>
+        </p:txBody>
+      </p:sp>
+      <p:sp>
+        <p:nvSpPr>
+          <p:cNvPr id="7" name="TextBox 6">
+            <a:extLst>
+              <a:ext uri="{FF2B5EF4-FFF2-40B4-BE49-F238E27FC236}">
+                <a16:creationId xmlns:a16="http://schemas.microsoft.com/office/drawing/2014/main" id="{0C30AC32-C539-4C61-9767-1EC21B9BD904}"/>
+              </a:ext>
+            </a:extLst>
+          </p:cNvPr>
+          <p:cNvSpPr txBox="1"/>
+          <p:nvPr/>
+        </p:nvSpPr>
+        <p:spPr>
+          <a:xfrm>
+            <a:off x="4813501" y="2006930"/>
+            <a:ext cx="2855939" cy="4278094"/>
+          </a:xfrm>
+          <a:prstGeom prst="rect">
+            <a:avLst/>
+          </a:prstGeom>
+          <a:noFill/>
+        </p:spPr>
+        <p:txBody>
+          <a:bodyPr wrap="square" rtlCol="0">
+            <a:spAutoFit/>
+          </a:bodyPr>
+          <a:lstStyle/>
+          <a:p>
+            <a:r>
+              <a:rPr lang="en-US" sz="3200" b="1" dirty="0">
+                <a:solidFill>
+                  <a:srgbClr val="FF0000"/>
+                </a:solidFill>
+              </a:rPr>
+              <a:t>TypeError: </a:t>
+            </a:r>
+          </a:p>
+          <a:p>
+            <a:r>
+              <a:rPr lang="en-US" sz="2400" dirty="0">
+                <a:solidFill>
+                  <a:srgbClr val="00FF00"/>
+                </a:solidFill>
+              </a:rPr>
+              <a:t>print_location() </a:t>
+            </a:r>
+            <a:r>
+              <a:rPr lang="en-US" sz="2400" dirty="0">
+                <a:solidFill>
+                  <a:srgbClr val="FFFFFF"/>
+                </a:solidFill>
+              </a:rPr>
+              <a:t>takes 0 positional arguments but 1 was given</a:t>
+            </a:r>
+            <a:r>
+              <a:rPr lang="en-US" sz="2400" dirty="0">
+                <a:solidFill>
+                  <a:schemeClr val="accent2"/>
+                </a:solidFill>
+              </a:rPr>
+              <a:t>.</a:t>
+            </a:r>
+          </a:p>
+          <a:p>
+            <a:endParaRPr lang="en-US" sz="2400" dirty="0">
+              <a:solidFill>
+                <a:schemeClr val="accent2"/>
+              </a:solidFill>
+            </a:endParaRPr>
+          </a:p>
+          <a:p>
+            <a:r>
+              <a:rPr lang="en-US" sz="2400" dirty="0">
+                <a:solidFill>
+                  <a:srgbClr val="FFFFFF"/>
+                </a:solidFill>
+              </a:rPr>
+              <a:t>A method call automatically inserts an instance reference as the first argument</a:t>
+            </a:r>
+            <a:r>
+              <a:rPr lang="en-US" sz="2400" dirty="0">
+                <a:solidFill>
+                  <a:schemeClr val="accent2"/>
+                </a:solidFill>
+              </a:rPr>
+              <a:t>.</a:t>
+            </a:r>
+          </a:p>
+        </p:txBody>
+      </p:sp>
+      <p:sp>
+        <p:nvSpPr>
+          <p:cNvPr id="12" name="TextBox 11">
+            <a:extLst>
+              <a:ext uri="{FF2B5EF4-FFF2-40B4-BE49-F238E27FC236}">
+                <a16:creationId xmlns:a16="http://schemas.microsoft.com/office/drawing/2014/main" id="{BE378CD8-8F4C-40C2-819F-587C016BB3C7}"/>
+              </a:ext>
+            </a:extLst>
+          </p:cNvPr>
+          <p:cNvSpPr txBox="1"/>
+          <p:nvPr/>
+        </p:nvSpPr>
+        <p:spPr>
+          <a:xfrm>
+            <a:off x="8413705" y="3876807"/>
+            <a:ext cx="3271613" cy="2677656"/>
+          </a:xfrm>
+          <a:prstGeom prst="rect">
+            <a:avLst/>
+          </a:prstGeom>
+          <a:noFill/>
+        </p:spPr>
+        <p:txBody>
+          <a:bodyPr wrap="square" rtlCol="0">
+            <a:spAutoFit/>
+          </a:bodyPr>
+          <a:lstStyle/>
+          <a:p>
+            <a:r>
+              <a:rPr lang="en-US" sz="2400" dirty="0">
+                <a:solidFill>
+                  <a:srgbClr val="FFFFFF"/>
+                </a:solidFill>
+              </a:rPr>
+              <a:t>The error only occurs when you call the function</a:t>
+            </a:r>
+            <a:r>
+              <a:rPr lang="en-US" sz="2400" dirty="0">
+                <a:solidFill>
+                  <a:schemeClr val="accent3"/>
+                </a:solidFill>
+              </a:rPr>
+              <a:t>.</a:t>
+            </a:r>
+          </a:p>
+          <a:p>
+            <a:endParaRPr lang="en-US" sz="2400" dirty="0">
+              <a:solidFill>
+                <a:schemeClr val="accent3"/>
+              </a:solidFill>
+            </a:endParaRPr>
+          </a:p>
+          <a:p>
+            <a:r>
+              <a:rPr lang="en-US" sz="2400" dirty="0">
+                <a:solidFill>
+                  <a:srgbClr val="FFFFFF"/>
+                </a:solidFill>
+              </a:rPr>
+              <a:t>Defining the methods without </a:t>
+            </a:r>
+            <a:r>
+              <a:rPr lang="en-US" sz="2400" b="1" dirty="0">
+                <a:solidFill>
+                  <a:srgbClr val="00FF00"/>
+                </a:solidFill>
+                <a:latin typeface="Courier New" panose="02070309020205020404" pitchFamily="49" charset="0"/>
+                <a:cs typeface="Courier New" panose="02070309020205020404" pitchFamily="49" charset="0"/>
+              </a:rPr>
+              <a:t>self</a:t>
+            </a:r>
+            <a:r>
+              <a:rPr lang="en-US" sz="2400" b="1" dirty="0">
+                <a:solidFill>
+                  <a:srgbClr val="00FF00"/>
+                </a:solidFill>
+              </a:rPr>
+              <a:t> </a:t>
+            </a:r>
+            <a:r>
+              <a:rPr lang="en-US" sz="2400" dirty="0">
+                <a:solidFill>
+                  <a:srgbClr val="FFFFFF"/>
+                </a:solidFill>
+              </a:rPr>
+              <a:t>will not cause an error</a:t>
+            </a:r>
+            <a:r>
+              <a:rPr lang="en-US" sz="2400" dirty="0">
+                <a:solidFill>
+                  <a:schemeClr val="accent3"/>
+                </a:solidFill>
+              </a:rPr>
+              <a:t>.</a:t>
+            </a:r>
+          </a:p>
+        </p:txBody>
+      </p:sp>
+      <p:sp>
+        <p:nvSpPr>
+          <p:cNvPr id="13" name="Arrow: Bent-Up 12">
+            <a:extLst>
+              <a:ext uri="{FF2B5EF4-FFF2-40B4-BE49-F238E27FC236}">
+                <a16:creationId xmlns:a16="http://schemas.microsoft.com/office/drawing/2014/main" id="{D352B2C3-C8F5-4E06-A6B3-B662E7CA2798}"/>
+              </a:ext>
+            </a:extLst>
+          </p:cNvPr>
+          <p:cNvSpPr/>
+          <p:nvPr/>
+        </p:nvSpPr>
+        <p:spPr>
+          <a:xfrm flipH="1">
+            <a:off x="7992180" y="3713470"/>
+            <a:ext cx="415550" cy="487681"/>
+          </a:xfrm>
+          <a:prstGeom prst="bentUpArrow">
+            <a:avLst/>
+          </a:prstGeom>
+        </p:spPr>
+        <p:style>
+          <a:lnRef idx="2">
+            <a:schemeClr val="accent1">
+              <a:shade val="50000"/>
+            </a:schemeClr>
+          </a:lnRef>
+          <a:fillRef idx="1">
+            <a:schemeClr val="accent1"/>
+          </a:fillRef>
+          <a:effectRef idx="0">
+            <a:schemeClr val="accent1"/>
+          </a:effectRef>
+          <a:fontRef idx="minor">
+            <a:schemeClr val="lt1"/>
+          </a:fontRef>
+        </p:style>
+        <p:txBody>
+          <a:bodyPr rtlCol="0" anchor="ctr"/>
+          <a:lstStyle/>
+          <a:p>
+            <a:pPr algn="ctr"/>
+            <a:endParaRPr lang="en-US"/>
+          </a:p>
+        </p:txBody>
+      </p:sp>
+    </p:spTree>
+    <p:extLst>
+      <p:ext uri="{BB962C8B-B14F-4D97-AF65-F5344CB8AC3E}">
+        <p14:creationId xmlns:p14="http://schemas.microsoft.com/office/powerpoint/2010/main" val="626163990"/>
+      </p:ext>
+    </p:extLst>
+  </p:cSld>
+  <p:clrMapOvr>
+    <a:masterClrMapping/>
+  </p:clrMapOvr>
+</p:sld>
+</file>
+
+<file path=ppt/slides/slide27.xml><?xml version="1.0" encoding="utf-8"?>
+<p:sld xmlns:a="http://schemas.openxmlformats.org/drawingml/2006/main" xmlns:r="http://schemas.openxmlformats.org/officeDocument/2006/relationships" xmlns:p="http://schemas.openxmlformats.org/presentationml/2006/main">
+  <p:cSld>
+    <p:spTree>
+      <p:nvGrpSpPr>
+        <p:cNvPr id="1" name=""/>
+        <p:cNvGrpSpPr/>
+        <p:nvPr/>
+      </p:nvGrpSpPr>
+      <p:grpSpPr>
+        <a:xfrm>
+          <a:off x="0" y="0"/>
+          <a:ext cx="0" cy="0"/>
+          <a:chOff x="0" y="0"/>
+          <a:chExt cx="0" cy="0"/>
+        </a:xfrm>
+      </p:grpSpPr>
+      <p:sp>
+        <p:nvSpPr>
+          <p:cNvPr id="2" name="Title 1">
+            <a:extLst>
+              <a:ext uri="{FF2B5EF4-FFF2-40B4-BE49-F238E27FC236}">
+                <a16:creationId xmlns:a16="http://schemas.microsoft.com/office/drawing/2014/main" id="{2869D7A5-2615-487B-A824-0AFB5BD1718D}"/>
+              </a:ext>
+            </a:extLst>
+          </p:cNvPr>
+          <p:cNvSpPr>
+            <a:spLocks noGrp="1"/>
+          </p:cNvSpPr>
+          <p:nvPr>
+            <p:ph type="title"/>
+          </p:nvPr>
+        </p:nvSpPr>
+        <p:spPr/>
+        <p:txBody>
+          <a:bodyPr>
+            <a:normAutofit fontScale="90000"/>
+          </a:bodyPr>
+          <a:lstStyle/>
+          <a:p>
+            <a:r>
+              <a:rPr lang="en-US" b="1" dirty="0"/>
+              <a:t>Methods </a:t>
+            </a:r>
+            <a:r>
+              <a:rPr lang="en-US" b="1" dirty="0">
+                <a:solidFill>
+                  <a:schemeClr val="accent6"/>
+                </a:solidFill>
+              </a:rPr>
+              <a:t>and</a:t>
+            </a:r>
+            <a:r>
+              <a:rPr lang="en-US" b="1" dirty="0"/>
+              <a:t> </a:t>
+            </a:r>
+            <a:r>
+              <a:rPr lang="en-US" b="1" dirty="0">
+                <a:solidFill>
+                  <a:srgbClr val="00FF00"/>
+                </a:solidFill>
+                <a:latin typeface="Courier New" panose="02070309020205020404" pitchFamily="49" charset="0"/>
+                <a:cs typeface="Courier New" panose="02070309020205020404" pitchFamily="49" charset="0"/>
+              </a:rPr>
+              <a:t>self</a:t>
+            </a:r>
+          </a:p>
+        </p:txBody>
+      </p:sp>
+      <p:sp>
+        <p:nvSpPr>
+          <p:cNvPr id="4" name="TextBox 3">
+            <a:extLst>
+              <a:ext uri="{FF2B5EF4-FFF2-40B4-BE49-F238E27FC236}">
+                <a16:creationId xmlns:a16="http://schemas.microsoft.com/office/drawing/2014/main" id="{49C87298-20C0-4380-9C2F-A3CE16E86A5C}"/>
+              </a:ext>
+            </a:extLst>
+          </p:cNvPr>
+          <p:cNvSpPr txBox="1"/>
+          <p:nvPr/>
+        </p:nvSpPr>
+        <p:spPr>
+          <a:xfrm>
+            <a:off x="307032" y="2734443"/>
+            <a:ext cx="6453894" cy="3785652"/>
+          </a:xfrm>
+          <a:prstGeom prst="rect">
+            <a:avLst/>
+          </a:prstGeom>
+          <a:noFill/>
+        </p:spPr>
+        <p:txBody>
+          <a:bodyPr wrap="square" rtlCol="0">
+            <a:spAutoFit/>
+          </a:bodyPr>
+          <a:lstStyle/>
+          <a:p>
+            <a:r>
+              <a:rPr lang="en-US" sz="2000" b="1" dirty="0">
+                <a:solidFill>
+                  <a:srgbClr val="00FF00"/>
+                </a:solidFill>
+                <a:latin typeface="Courier New" panose="02070309020205020404" pitchFamily="49" charset="0"/>
+                <a:cs typeface="Courier New" panose="02070309020205020404" pitchFamily="49" charset="0"/>
+              </a:rPr>
+              <a:t>class Turtle:</a:t>
+            </a:r>
+          </a:p>
+          <a:p>
+            <a:r>
+              <a:rPr lang="en-US" sz="2000" b="1" dirty="0">
+                <a:solidFill>
+                  <a:srgbClr val="00FF00"/>
+                </a:solidFill>
+                <a:latin typeface="Courier New" panose="02070309020205020404" pitchFamily="49" charset="0"/>
+                <a:cs typeface="Courier New" panose="02070309020205020404" pitchFamily="49" charset="0"/>
+              </a:rPr>
+              <a:t>   </a:t>
+            </a:r>
+          </a:p>
+          <a:p>
+            <a:r>
+              <a:rPr lang="en-US" sz="2000" b="1" dirty="0">
+                <a:solidFill>
+                  <a:srgbClr val="FFD6AD"/>
+                </a:solidFill>
+                <a:latin typeface="Courier New" panose="02070309020205020404" pitchFamily="49" charset="0"/>
+                <a:cs typeface="Courier New" panose="02070309020205020404" pitchFamily="49" charset="0"/>
+              </a:rPr>
+              <a:t>   def __init__(x, y):</a:t>
+            </a:r>
+          </a:p>
+          <a:p>
+            <a:r>
+              <a:rPr lang="en-US" sz="2000" b="1" dirty="0">
+                <a:solidFill>
+                  <a:srgbClr val="FFD6AD"/>
+                </a:solidFill>
+                <a:latin typeface="Courier New" panose="02070309020205020404" pitchFamily="49" charset="0"/>
+                <a:cs typeface="Courier New" panose="02070309020205020404" pitchFamily="49" charset="0"/>
+              </a:rPr>
+              <a:t>      </a:t>
+            </a:r>
+            <a:r>
+              <a:rPr lang="en-US" sz="2000" b="1" dirty="0">
+                <a:solidFill>
+                  <a:srgbClr val="00FF00"/>
+                </a:solidFill>
+                <a:latin typeface="Courier New" panose="02070309020205020404" pitchFamily="49" charset="0"/>
+                <a:cs typeface="Courier New" panose="02070309020205020404" pitchFamily="49" charset="0"/>
+              </a:rPr>
+              <a:t>self</a:t>
+            </a:r>
+            <a:r>
+              <a:rPr lang="en-US" sz="2000" b="1" dirty="0">
+                <a:solidFill>
+                  <a:srgbClr val="FFD6AD"/>
+                </a:solidFill>
+                <a:latin typeface="Courier New" panose="02070309020205020404" pitchFamily="49" charset="0"/>
+                <a:cs typeface="Courier New" panose="02070309020205020404" pitchFamily="49" charset="0"/>
+              </a:rPr>
+              <a:t>.x = x</a:t>
+            </a:r>
+          </a:p>
+          <a:p>
+            <a:r>
+              <a:rPr lang="en-US" sz="2000" b="1" dirty="0">
+                <a:solidFill>
+                  <a:srgbClr val="FFD6AD"/>
+                </a:solidFill>
+                <a:latin typeface="Courier New" panose="02070309020205020404" pitchFamily="49" charset="0"/>
+                <a:cs typeface="Courier New" panose="02070309020205020404" pitchFamily="49" charset="0"/>
+              </a:rPr>
+              <a:t>	</a:t>
+            </a:r>
+            <a:r>
+              <a:rPr lang="en-US" sz="2000" b="1" dirty="0">
+                <a:solidFill>
+                  <a:srgbClr val="00FF00"/>
+                </a:solidFill>
+                <a:latin typeface="Courier New" panose="02070309020205020404" pitchFamily="49" charset="0"/>
+                <a:cs typeface="Courier New" panose="02070309020205020404" pitchFamily="49" charset="0"/>
+              </a:rPr>
+              <a:t>self</a:t>
+            </a:r>
+            <a:r>
+              <a:rPr lang="en-US" sz="2000" b="1" dirty="0">
+                <a:solidFill>
+                  <a:srgbClr val="FFD6AD"/>
+                </a:solidFill>
+                <a:latin typeface="Courier New" panose="02070309020205020404" pitchFamily="49" charset="0"/>
+                <a:cs typeface="Courier New" panose="02070309020205020404" pitchFamily="49" charset="0"/>
+              </a:rPr>
+              <a:t>.y = y</a:t>
+            </a:r>
+          </a:p>
+          <a:p>
+            <a:r>
+              <a:rPr lang="en-US" sz="2000" b="1" dirty="0">
+                <a:solidFill>
+                  <a:srgbClr val="FFD6AD"/>
+                </a:solidFill>
+                <a:latin typeface="Courier New" panose="02070309020205020404" pitchFamily="49" charset="0"/>
+                <a:cs typeface="Courier New" panose="02070309020205020404" pitchFamily="49" charset="0"/>
+              </a:rPr>
+              <a:t>	</a:t>
+            </a:r>
+            <a:endParaRPr lang="en-US" sz="2000" b="1" dirty="0">
+              <a:solidFill>
+                <a:srgbClr val="FF5050"/>
+              </a:solidFill>
+              <a:latin typeface="Courier New" panose="02070309020205020404" pitchFamily="49" charset="0"/>
+              <a:cs typeface="Courier New" panose="02070309020205020404" pitchFamily="49" charset="0"/>
+            </a:endParaRPr>
+          </a:p>
+          <a:p>
+            <a:r>
+              <a:rPr lang="en-US" sz="2000" b="1" dirty="0">
+                <a:solidFill>
+                  <a:srgbClr val="FF5050"/>
+                </a:solidFill>
+                <a:latin typeface="Courier New" panose="02070309020205020404" pitchFamily="49" charset="0"/>
+                <a:cs typeface="Courier New" panose="02070309020205020404" pitchFamily="49" charset="0"/>
+              </a:rPr>
+              <a:t>   def goto(</a:t>
+            </a:r>
+            <a:r>
+              <a:rPr lang="en-US" sz="2000" b="1" dirty="0">
+                <a:solidFill>
+                  <a:srgbClr val="00FF00"/>
+                </a:solidFill>
+                <a:latin typeface="Courier New" panose="02070309020205020404" pitchFamily="49" charset="0"/>
+                <a:cs typeface="Courier New" panose="02070309020205020404" pitchFamily="49" charset="0"/>
+              </a:rPr>
+              <a:t>self</a:t>
+            </a:r>
+            <a:r>
+              <a:rPr lang="en-US" sz="2000" b="1" dirty="0">
+                <a:solidFill>
+                  <a:srgbClr val="FF5050"/>
+                </a:solidFill>
+                <a:latin typeface="Courier New" panose="02070309020205020404" pitchFamily="49" charset="0"/>
+                <a:cs typeface="Courier New" panose="02070309020205020404" pitchFamily="49" charset="0"/>
+              </a:rPr>
+              <a:t>,</a:t>
+            </a:r>
+            <a:r>
+              <a:rPr lang="en-US" sz="2000" b="1" dirty="0">
+                <a:solidFill>
+                  <a:srgbClr val="00FF00"/>
+                </a:solidFill>
+                <a:latin typeface="Courier New" panose="02070309020205020404" pitchFamily="49" charset="0"/>
+                <a:cs typeface="Courier New" panose="02070309020205020404" pitchFamily="49" charset="0"/>
+              </a:rPr>
+              <a:t> </a:t>
+            </a:r>
+            <a:r>
+              <a:rPr lang="en-US" sz="2000" b="1" dirty="0">
+                <a:solidFill>
+                  <a:srgbClr val="FF5050"/>
+                </a:solidFill>
+                <a:latin typeface="Courier New" panose="02070309020205020404" pitchFamily="49" charset="0"/>
+                <a:cs typeface="Courier New" panose="02070309020205020404" pitchFamily="49" charset="0"/>
+              </a:rPr>
+              <a:t>x, y):</a:t>
+            </a:r>
+          </a:p>
+          <a:p>
+            <a:r>
+              <a:rPr lang="en-US" sz="2000" b="1" dirty="0">
+                <a:solidFill>
+                  <a:srgbClr val="FF5050"/>
+                </a:solidFill>
+                <a:latin typeface="Courier New" panose="02070309020205020404" pitchFamily="49" charset="0"/>
+                <a:cs typeface="Courier New" panose="02070309020205020404" pitchFamily="49" charset="0"/>
+              </a:rPr>
+              <a:t>      body</a:t>
+            </a:r>
+          </a:p>
+          <a:p>
+            <a:r>
+              <a:rPr lang="en-US" sz="2000" b="1" dirty="0">
+                <a:solidFill>
+                  <a:srgbClr val="FF5050"/>
+                </a:solidFill>
+                <a:latin typeface="Courier New" panose="02070309020205020404" pitchFamily="49" charset="0"/>
+                <a:cs typeface="Courier New" panose="02070309020205020404" pitchFamily="49" charset="0"/>
+              </a:rPr>
+              <a:t>	</a:t>
+            </a:r>
+            <a:r>
+              <a:rPr lang="en-US" sz="2000" b="1" dirty="0">
+                <a:solidFill>
+                  <a:srgbClr val="00FF00"/>
+                </a:solidFill>
+                <a:latin typeface="Courier New" panose="02070309020205020404" pitchFamily="49" charset="0"/>
+                <a:cs typeface="Courier New" panose="02070309020205020404" pitchFamily="49" charset="0"/>
+              </a:rPr>
+              <a:t>self</a:t>
+            </a:r>
+            <a:r>
+              <a:rPr lang="en-US" sz="2000" b="1" dirty="0">
+                <a:solidFill>
+                  <a:srgbClr val="FF5050"/>
+                </a:solidFill>
+                <a:latin typeface="Courier New" panose="02070309020205020404" pitchFamily="49" charset="0"/>
+                <a:cs typeface="Courier New" panose="02070309020205020404" pitchFamily="49" charset="0"/>
+              </a:rPr>
+              <a:t>.print_location()</a:t>
+            </a:r>
+          </a:p>
+          <a:p>
+            <a:endParaRPr lang="en-US" sz="2000" b="1" dirty="0">
+              <a:solidFill>
+                <a:srgbClr val="FF5050"/>
+              </a:solidFill>
+              <a:latin typeface="Courier New" panose="02070309020205020404" pitchFamily="49" charset="0"/>
+              <a:cs typeface="Courier New" panose="02070309020205020404" pitchFamily="49" charset="0"/>
+            </a:endParaRPr>
+          </a:p>
+          <a:p>
+            <a:r>
+              <a:rPr lang="en-US" sz="2000" b="1" dirty="0">
+                <a:solidFill>
+                  <a:srgbClr val="FF5050"/>
+                </a:solidFill>
+                <a:latin typeface="Courier New" panose="02070309020205020404" pitchFamily="49" charset="0"/>
+                <a:cs typeface="Courier New" panose="02070309020205020404" pitchFamily="49" charset="0"/>
+              </a:rPr>
+              <a:t>   def print_location(</a:t>
+            </a:r>
+            <a:r>
+              <a:rPr lang="en-US" sz="2000" b="1" dirty="0">
+                <a:solidFill>
+                  <a:srgbClr val="00FF00"/>
+                </a:solidFill>
+                <a:latin typeface="Courier New" panose="02070309020205020404" pitchFamily="49" charset="0"/>
+                <a:cs typeface="Courier New" panose="02070309020205020404" pitchFamily="49" charset="0"/>
+              </a:rPr>
+              <a:t>self</a:t>
+            </a:r>
+            <a:r>
+              <a:rPr lang="en-US" sz="2000" b="1" dirty="0">
+                <a:solidFill>
+                  <a:srgbClr val="FF5050"/>
+                </a:solidFill>
+                <a:latin typeface="Courier New" panose="02070309020205020404" pitchFamily="49" charset="0"/>
+                <a:cs typeface="Courier New" panose="02070309020205020404" pitchFamily="49" charset="0"/>
+              </a:rPr>
+              <a:t>):</a:t>
+            </a:r>
+          </a:p>
+          <a:p>
+            <a:r>
+              <a:rPr lang="en-US" sz="2000" b="1" dirty="0">
+                <a:solidFill>
+                  <a:srgbClr val="FF5050"/>
+                </a:solidFill>
+                <a:latin typeface="Courier New" panose="02070309020205020404" pitchFamily="49" charset="0"/>
+                <a:cs typeface="Courier New" panose="02070309020205020404" pitchFamily="49" charset="0"/>
+              </a:rPr>
+              <a:t>      print(</a:t>
+            </a:r>
+            <a:r>
+              <a:rPr lang="en-US" sz="2000" b="1" dirty="0">
+                <a:solidFill>
+                  <a:srgbClr val="00FF00"/>
+                </a:solidFill>
+                <a:latin typeface="Courier New" panose="02070309020205020404" pitchFamily="49" charset="0"/>
+                <a:cs typeface="Courier New" panose="02070309020205020404" pitchFamily="49" charset="0"/>
+              </a:rPr>
+              <a:t>self</a:t>
+            </a:r>
+            <a:r>
+              <a:rPr lang="en-US" sz="2000" b="1" dirty="0">
+                <a:solidFill>
+                  <a:srgbClr val="FF5050"/>
+                </a:solidFill>
+                <a:latin typeface="Courier New" panose="02070309020205020404" pitchFamily="49" charset="0"/>
+                <a:cs typeface="Courier New" panose="02070309020205020404" pitchFamily="49" charset="0"/>
+              </a:rPr>
+              <a:t>.x, </a:t>
+            </a:r>
+            <a:r>
+              <a:rPr lang="en-US" sz="2000" b="1" dirty="0">
+                <a:solidFill>
+                  <a:srgbClr val="00FF00"/>
+                </a:solidFill>
+                <a:latin typeface="Courier New" panose="02070309020205020404" pitchFamily="49" charset="0"/>
+                <a:cs typeface="Courier New" panose="02070309020205020404" pitchFamily="49" charset="0"/>
+              </a:rPr>
+              <a:t>self</a:t>
+            </a:r>
+            <a:r>
+              <a:rPr lang="en-US" sz="2000" b="1" dirty="0">
+                <a:solidFill>
+                  <a:srgbClr val="FF5050"/>
+                </a:solidFill>
+                <a:latin typeface="Courier New" panose="02070309020205020404" pitchFamily="49" charset="0"/>
+                <a:cs typeface="Courier New" panose="02070309020205020404" pitchFamily="49" charset="0"/>
+              </a:rPr>
+              <a:t>.y)</a:t>
             </a:r>
           </a:p>
         </p:txBody>
@@ -9487,7 +12216,7 @@
 </p:sld>
 </file>
 
-<file path=ppt/slides/slide24.xml><?xml version="1.0" encoding="utf-8"?>
+<file path=ppt/slides/slide28.xml><?xml version="1.0" encoding="utf-8"?>
 <p:sld xmlns:a="http://schemas.openxmlformats.org/drawingml/2006/main" xmlns:r="http://schemas.openxmlformats.org/officeDocument/2006/relationships" xmlns:p="http://schemas.openxmlformats.org/presentationml/2006/main">
   <p:cSld>
     <p:spTree>
@@ -9787,7 +12516,7 @@
 </p:sld>
 </file>
 
-<file path=ppt/slides/slide25.xml><?xml version="1.0" encoding="utf-8"?>
+<file path=ppt/slides/slide29.xml><?xml version="1.0" encoding="utf-8"?>
 <p:sld xmlns:a="http://schemas.openxmlformats.org/drawingml/2006/main" xmlns:r="http://schemas.openxmlformats.org/officeDocument/2006/relationships" xmlns:p="http://schemas.openxmlformats.org/presentationml/2006/main">
   <p:cSld>
     <p:spTree>
@@ -10333,7 +13062,522 @@
 </p:sld>
 </file>
 
-<file path=ppt/slides/slide26.xml><?xml version="1.0" encoding="utf-8"?>
+<file path=ppt/slides/slide3.xml><?xml version="1.0" encoding="utf-8"?>
+<p:sld xmlns:a="http://schemas.openxmlformats.org/drawingml/2006/main" xmlns:r="http://schemas.openxmlformats.org/officeDocument/2006/relationships" xmlns:p="http://schemas.openxmlformats.org/presentationml/2006/main">
+  <p:cSld>
+    <p:spTree>
+      <p:nvGrpSpPr>
+        <p:cNvPr id="1" name=""/>
+        <p:cNvGrpSpPr/>
+        <p:nvPr/>
+      </p:nvGrpSpPr>
+      <p:grpSpPr>
+        <a:xfrm>
+          <a:off x="0" y="0"/>
+          <a:ext cx="0" cy="0"/>
+          <a:chOff x="0" y="0"/>
+          <a:chExt cx="0" cy="0"/>
+        </a:xfrm>
+      </p:grpSpPr>
+      <p:sp>
+        <p:nvSpPr>
+          <p:cNvPr id="2" name="Title 1">
+            <a:extLst>
+              <a:ext uri="{FF2B5EF4-FFF2-40B4-BE49-F238E27FC236}">
+                <a16:creationId xmlns:a16="http://schemas.microsoft.com/office/drawing/2014/main" id="{BC18BB12-5D14-4697-BE94-D9F7A3D0B286}"/>
+              </a:ext>
+            </a:extLst>
+          </p:cNvPr>
+          <p:cNvSpPr>
+            <a:spLocks noGrp="1"/>
+          </p:cNvSpPr>
+          <p:nvPr>
+            <p:ph type="title"/>
+          </p:nvPr>
+        </p:nvSpPr>
+        <p:spPr/>
+        <p:txBody>
+          <a:bodyPr>
+            <a:normAutofit fontScale="90000"/>
+          </a:bodyPr>
+          <a:lstStyle/>
+          <a:p>
+            <a:r>
+              <a:rPr lang="en-US" b="1" dirty="0">
+                <a:solidFill>
+                  <a:schemeClr val="accent6"/>
+                </a:solidFill>
+              </a:rPr>
+              <a:t>OOP</a:t>
+            </a:r>
+            <a:r>
+              <a:rPr lang="en-US" b="1" dirty="0"/>
+              <a:t> Recap</a:t>
+            </a:r>
+          </a:p>
+        </p:txBody>
+      </p:sp>
+      <p:sp>
+        <p:nvSpPr>
+          <p:cNvPr id="3" name="Content Placeholder 2">
+            <a:extLst>
+              <a:ext uri="{FF2B5EF4-FFF2-40B4-BE49-F238E27FC236}">
+                <a16:creationId xmlns:a16="http://schemas.microsoft.com/office/drawing/2014/main" id="{CEC1E575-E384-42BD-9506-A4CA1A1F027D}"/>
+              </a:ext>
+            </a:extLst>
+          </p:cNvPr>
+          <p:cNvSpPr>
+            <a:spLocks noGrp="1"/>
+          </p:cNvSpPr>
+          <p:nvPr>
+            <p:ph idx="1"/>
+          </p:nvPr>
+        </p:nvSpPr>
+        <p:spPr>
+          <a:xfrm>
+            <a:off x="838200" y="1825624"/>
+            <a:ext cx="3662548" cy="4835479"/>
+          </a:xfrm>
+        </p:spPr>
+        <p:txBody>
+          <a:bodyPr/>
+          <a:lstStyle/>
+          <a:p>
+            <a:r>
+              <a:rPr lang="en-US" dirty="0"/>
+              <a:t>Everything in Python is an object</a:t>
+            </a:r>
+            <a:r>
+              <a:rPr lang="en-US" dirty="0">
+                <a:solidFill>
+                  <a:schemeClr val="accent2"/>
+                </a:solidFill>
+              </a:rPr>
+              <a:t>.</a:t>
+            </a:r>
+            <a:r>
+              <a:rPr lang="en-US" dirty="0"/>
+              <a:t> </a:t>
+            </a:r>
+          </a:p>
+          <a:p>
+            <a:endParaRPr lang="en-US" dirty="0"/>
+          </a:p>
+        </p:txBody>
+      </p:sp>
+      <p:sp>
+        <p:nvSpPr>
+          <p:cNvPr id="4" name="TextBox 3">
+            <a:extLst>
+              <a:ext uri="{FF2B5EF4-FFF2-40B4-BE49-F238E27FC236}">
+                <a16:creationId xmlns:a16="http://schemas.microsoft.com/office/drawing/2014/main" id="{E2C310BB-787E-4561-9690-719A7A5D84A8}"/>
+              </a:ext>
+            </a:extLst>
+          </p:cNvPr>
+          <p:cNvSpPr txBox="1"/>
+          <p:nvPr/>
+        </p:nvSpPr>
+        <p:spPr>
+          <a:xfrm>
+            <a:off x="4735773" y="1825624"/>
+            <a:ext cx="7419837" cy="3785652"/>
+          </a:xfrm>
+          <a:prstGeom prst="rect">
+            <a:avLst/>
+          </a:prstGeom>
+          <a:noFill/>
+        </p:spPr>
+        <p:txBody>
+          <a:bodyPr wrap="square" rtlCol="0">
+            <a:spAutoFit/>
+          </a:bodyPr>
+          <a:lstStyle/>
+          <a:p>
+            <a:r>
+              <a:rPr lang="en-US" sz="3000" b="1" dirty="0">
+                <a:solidFill>
+                  <a:srgbClr val="E00BE5"/>
+                </a:solidFill>
+                <a:latin typeface="Courier New" panose="02070309020205020404" pitchFamily="49" charset="0"/>
+                <a:cs typeface="Courier New" panose="02070309020205020404" pitchFamily="49" charset="0"/>
+              </a:rPr>
+              <a:t>&gt;&gt;&gt;</a:t>
+            </a:r>
+            <a:r>
+              <a:rPr lang="en-US" sz="3000" b="1" dirty="0">
+                <a:solidFill>
+                  <a:srgbClr val="00FF00"/>
+                </a:solidFill>
+                <a:latin typeface="Courier New" panose="02070309020205020404" pitchFamily="49" charset="0"/>
+                <a:cs typeface="Courier New" panose="02070309020205020404" pitchFamily="49" charset="0"/>
+              </a:rPr>
+              <a:t> isinstance(</a:t>
+            </a:r>
+            <a:r>
+              <a:rPr lang="en-US" sz="3000" b="1" dirty="0">
+                <a:solidFill>
+                  <a:srgbClr val="E00BE5"/>
+                </a:solidFill>
+                <a:latin typeface="Courier New" panose="02070309020205020404" pitchFamily="49" charset="0"/>
+                <a:cs typeface="Courier New" panose="02070309020205020404" pitchFamily="49" charset="0"/>
+              </a:rPr>
+              <a:t>4</a:t>
+            </a:r>
+            <a:r>
+              <a:rPr lang="en-US" sz="3000" b="1" dirty="0">
+                <a:solidFill>
+                  <a:srgbClr val="00FF00"/>
+                </a:solidFill>
+                <a:latin typeface="Courier New" panose="02070309020205020404" pitchFamily="49" charset="0"/>
+                <a:cs typeface="Courier New" panose="02070309020205020404" pitchFamily="49" charset="0"/>
+              </a:rPr>
+              <a:t>, object)</a:t>
+            </a:r>
+          </a:p>
+          <a:p>
+            <a:r>
+              <a:rPr lang="en-US" sz="3000" b="1" dirty="0">
+                <a:solidFill>
+                  <a:srgbClr val="00FF00"/>
+                </a:solidFill>
+                <a:latin typeface="Courier New" panose="02070309020205020404" pitchFamily="49" charset="0"/>
+                <a:cs typeface="Courier New" panose="02070309020205020404" pitchFamily="49" charset="0"/>
+              </a:rPr>
+              <a:t>True</a:t>
+            </a:r>
+          </a:p>
+          <a:p>
+            <a:endParaRPr lang="en-US" sz="3000" b="1" dirty="0">
+              <a:solidFill>
+                <a:srgbClr val="00FF00"/>
+              </a:solidFill>
+              <a:latin typeface="Courier New" panose="02070309020205020404" pitchFamily="49" charset="0"/>
+              <a:cs typeface="Courier New" panose="02070309020205020404" pitchFamily="49" charset="0"/>
+            </a:endParaRPr>
+          </a:p>
+          <a:p>
+            <a:r>
+              <a:rPr lang="en-US" sz="3000" b="1" dirty="0">
+                <a:solidFill>
+                  <a:srgbClr val="E00BE5"/>
+                </a:solidFill>
+                <a:latin typeface="Courier New" panose="02070309020205020404" pitchFamily="49" charset="0"/>
+                <a:cs typeface="Courier New" panose="02070309020205020404" pitchFamily="49" charset="0"/>
+              </a:rPr>
+              <a:t>&gt;&gt;&gt;</a:t>
+            </a:r>
+            <a:r>
+              <a:rPr lang="en-US" sz="3000" b="1" dirty="0">
+                <a:solidFill>
+                  <a:srgbClr val="00FF00"/>
+                </a:solidFill>
+                <a:latin typeface="Courier New" panose="02070309020205020404" pitchFamily="49" charset="0"/>
+                <a:cs typeface="Courier New" panose="02070309020205020404" pitchFamily="49" charset="0"/>
+              </a:rPr>
+              <a:t> isinstance(</a:t>
+            </a:r>
+            <a:r>
+              <a:rPr lang="en-US" sz="3000" b="1" dirty="0">
+                <a:solidFill>
+                  <a:srgbClr val="E00BE5"/>
+                </a:solidFill>
+                <a:latin typeface="Courier New" panose="02070309020205020404" pitchFamily="49" charset="0"/>
+                <a:cs typeface="Courier New" panose="02070309020205020404" pitchFamily="49" charset="0"/>
+              </a:rPr>
+              <a:t>max</a:t>
+            </a:r>
+            <a:r>
+              <a:rPr lang="en-US" sz="3000" b="1" dirty="0">
+                <a:solidFill>
+                  <a:srgbClr val="00FF00"/>
+                </a:solidFill>
+                <a:latin typeface="Courier New" panose="02070309020205020404" pitchFamily="49" charset="0"/>
+                <a:cs typeface="Courier New" panose="02070309020205020404" pitchFamily="49" charset="0"/>
+              </a:rPr>
+              <a:t>, object)</a:t>
+            </a:r>
+          </a:p>
+          <a:p>
+            <a:r>
+              <a:rPr lang="en-US" sz="3000" b="1" dirty="0">
+                <a:solidFill>
+                  <a:srgbClr val="00FF00"/>
+                </a:solidFill>
+                <a:latin typeface="Courier New" panose="02070309020205020404" pitchFamily="49" charset="0"/>
+                <a:cs typeface="Courier New" panose="02070309020205020404" pitchFamily="49" charset="0"/>
+              </a:rPr>
+              <a:t>True</a:t>
+            </a:r>
+          </a:p>
+          <a:p>
+            <a:endParaRPr lang="en-US" sz="3000" b="1" dirty="0">
+              <a:solidFill>
+                <a:srgbClr val="00FF00"/>
+              </a:solidFill>
+              <a:latin typeface="Courier New" panose="02070309020205020404" pitchFamily="49" charset="0"/>
+              <a:cs typeface="Courier New" panose="02070309020205020404" pitchFamily="49" charset="0"/>
+            </a:endParaRPr>
+          </a:p>
+          <a:p>
+            <a:r>
+              <a:rPr lang="en-US" sz="3000" b="1" dirty="0">
+                <a:solidFill>
+                  <a:srgbClr val="E00BE5"/>
+                </a:solidFill>
+                <a:latin typeface="Courier New" panose="02070309020205020404" pitchFamily="49" charset="0"/>
+                <a:cs typeface="Courier New" panose="02070309020205020404" pitchFamily="49" charset="0"/>
+              </a:rPr>
+              <a:t>&gt;&gt;&gt;</a:t>
+            </a:r>
+            <a:r>
+              <a:rPr lang="en-US" sz="3000" b="1" dirty="0">
+                <a:solidFill>
+                  <a:srgbClr val="00FF00"/>
+                </a:solidFill>
+                <a:latin typeface="Courier New" panose="02070309020205020404" pitchFamily="49" charset="0"/>
+                <a:cs typeface="Courier New" panose="02070309020205020404" pitchFamily="49" charset="0"/>
+              </a:rPr>
+              <a:t> isinstance(</a:t>
+            </a:r>
+            <a:r>
+              <a:rPr lang="en-US" sz="3000" b="1" dirty="0">
+                <a:solidFill>
+                  <a:srgbClr val="E00BE5"/>
+                </a:solidFill>
+                <a:latin typeface="Courier New" panose="02070309020205020404" pitchFamily="49" charset="0"/>
+                <a:cs typeface="Courier New" panose="02070309020205020404" pitchFamily="49" charset="0"/>
+              </a:rPr>
+              <a:t>“Hello”</a:t>
+            </a:r>
+            <a:r>
+              <a:rPr lang="en-US" sz="3000" b="1" dirty="0">
+                <a:solidFill>
+                  <a:srgbClr val="00FF00"/>
+                </a:solidFill>
+                <a:latin typeface="Courier New" panose="02070309020205020404" pitchFamily="49" charset="0"/>
+                <a:cs typeface="Courier New" panose="02070309020205020404" pitchFamily="49" charset="0"/>
+              </a:rPr>
+              <a:t>, object)</a:t>
+            </a:r>
+          </a:p>
+          <a:p>
+            <a:r>
+              <a:rPr lang="en-US" sz="3000" b="1" dirty="0">
+                <a:solidFill>
+                  <a:srgbClr val="00FF00"/>
+                </a:solidFill>
+                <a:latin typeface="Courier New" panose="02070309020205020404" pitchFamily="49" charset="0"/>
+                <a:cs typeface="Courier New" panose="02070309020205020404" pitchFamily="49" charset="0"/>
+              </a:rPr>
+              <a:t>True</a:t>
+            </a:r>
+          </a:p>
+        </p:txBody>
+      </p:sp>
+      <p:sp>
+        <p:nvSpPr>
+          <p:cNvPr id="5" name="TextBox 4">
+            <a:extLst>
+              <a:ext uri="{FF2B5EF4-FFF2-40B4-BE49-F238E27FC236}">
+                <a16:creationId xmlns:a16="http://schemas.microsoft.com/office/drawing/2014/main" id="{28058D2A-C49D-4615-92A3-D17084EEAB2C}"/>
+              </a:ext>
+            </a:extLst>
+          </p:cNvPr>
+          <p:cNvSpPr txBox="1"/>
+          <p:nvPr/>
+        </p:nvSpPr>
+        <p:spPr>
+          <a:xfrm>
+            <a:off x="7560583" y="472833"/>
+            <a:ext cx="3872150" cy="1077218"/>
+          </a:xfrm>
+          <a:prstGeom prst="rect">
+            <a:avLst/>
+          </a:prstGeom>
+          <a:noFill/>
+        </p:spPr>
+        <p:txBody>
+          <a:bodyPr wrap="none" rtlCol="0">
+            <a:spAutoFit/>
+          </a:bodyPr>
+          <a:lstStyle/>
+          <a:p>
+            <a:r>
+              <a:rPr lang="en-US" sz="3200" dirty="0">
+                <a:solidFill>
+                  <a:srgbClr val="FFFFFF"/>
+                </a:solidFill>
+              </a:rPr>
+              <a:t>Is </a:t>
+            </a:r>
+            <a:r>
+              <a:rPr lang="en-US" sz="3200" b="1" dirty="0">
+                <a:solidFill>
+                  <a:schemeClr val="accent2"/>
+                </a:solidFill>
+              </a:rPr>
+              <a:t>this</a:t>
+            </a:r>
+            <a:r>
+              <a:rPr lang="en-US" sz="3200" dirty="0">
+                <a:solidFill>
+                  <a:srgbClr val="FFFFFF"/>
+                </a:solidFill>
+              </a:rPr>
+              <a:t> an instance </a:t>
+            </a:r>
+          </a:p>
+          <a:p>
+            <a:r>
+              <a:rPr lang="en-US" sz="3200" dirty="0">
+                <a:solidFill>
+                  <a:srgbClr val="FFFFFF"/>
+                </a:solidFill>
+              </a:rPr>
+              <a:t>             of </a:t>
+            </a:r>
+            <a:r>
+              <a:rPr lang="en-US" sz="3200" b="1" dirty="0">
+                <a:solidFill>
+                  <a:schemeClr val="accent6"/>
+                </a:solidFill>
+              </a:rPr>
+              <a:t>this </a:t>
+            </a:r>
+            <a:r>
+              <a:rPr lang="en-US" sz="3200" dirty="0">
+                <a:solidFill>
+                  <a:srgbClr val="FFFFFF"/>
+                </a:solidFill>
+              </a:rPr>
+              <a:t>class</a:t>
+            </a:r>
+            <a:r>
+              <a:rPr lang="en-US" sz="3200" dirty="0">
+                <a:solidFill>
+                  <a:schemeClr val="accent2"/>
+                </a:solidFill>
+              </a:rPr>
+              <a:t>.</a:t>
+            </a:r>
+          </a:p>
+        </p:txBody>
+      </p:sp>
+      <p:sp>
+        <p:nvSpPr>
+          <p:cNvPr id="6" name="Arrow: Down 5">
+            <a:extLst>
+              <a:ext uri="{FF2B5EF4-FFF2-40B4-BE49-F238E27FC236}">
+                <a16:creationId xmlns:a16="http://schemas.microsoft.com/office/drawing/2014/main" id="{341A8AF3-75D1-4540-B18F-994C01DE6CAA}"/>
+              </a:ext>
+            </a:extLst>
+          </p:cNvPr>
+          <p:cNvSpPr/>
+          <p:nvPr/>
+        </p:nvSpPr>
+        <p:spPr>
+          <a:xfrm>
+            <a:off x="8216528" y="1050878"/>
+            <a:ext cx="354842" cy="877928"/>
+          </a:xfrm>
+          <a:prstGeom prst="downArrow">
+            <a:avLst/>
+          </a:prstGeom>
+          <a:ln>
+            <a:noFill/>
+          </a:ln>
+        </p:spPr>
+        <p:style>
+          <a:lnRef idx="2">
+            <a:schemeClr val="accent1">
+              <a:shade val="50000"/>
+            </a:schemeClr>
+          </a:lnRef>
+          <a:fillRef idx="1">
+            <a:schemeClr val="accent1"/>
+          </a:fillRef>
+          <a:effectRef idx="0">
+            <a:schemeClr val="accent1"/>
+          </a:effectRef>
+          <a:fontRef idx="minor">
+            <a:schemeClr val="lt1"/>
+          </a:fontRef>
+        </p:style>
+        <p:txBody>
+          <a:bodyPr rtlCol="0" anchor="ctr"/>
+          <a:lstStyle/>
+          <a:p>
+            <a:pPr algn="ctr"/>
+            <a:endParaRPr lang="en-US"/>
+          </a:p>
+        </p:txBody>
+      </p:sp>
+      <p:sp>
+        <p:nvSpPr>
+          <p:cNvPr id="7" name="Arrow: Down 6">
+            <a:extLst>
+              <a:ext uri="{FF2B5EF4-FFF2-40B4-BE49-F238E27FC236}">
+                <a16:creationId xmlns:a16="http://schemas.microsoft.com/office/drawing/2014/main" id="{DC95F7E3-CCC0-4B9D-AD55-267D59AA6F7E}"/>
+              </a:ext>
+            </a:extLst>
+          </p:cNvPr>
+          <p:cNvSpPr/>
+          <p:nvPr/>
+        </p:nvSpPr>
+        <p:spPr>
+          <a:xfrm>
+            <a:off x="9761180" y="1548199"/>
+            <a:ext cx="354842" cy="380608"/>
+          </a:xfrm>
+          <a:prstGeom prst="downArrow">
+            <a:avLst/>
+          </a:prstGeom>
+          <a:solidFill>
+            <a:schemeClr val="accent6"/>
+          </a:solidFill>
+          <a:ln>
+            <a:noFill/>
+          </a:ln>
+        </p:spPr>
+        <p:style>
+          <a:lnRef idx="2">
+            <a:schemeClr val="accent1">
+              <a:shade val="50000"/>
+            </a:schemeClr>
+          </a:lnRef>
+          <a:fillRef idx="1">
+            <a:schemeClr val="accent1"/>
+          </a:fillRef>
+          <a:effectRef idx="0">
+            <a:schemeClr val="accent1"/>
+          </a:effectRef>
+          <a:fontRef idx="minor">
+            <a:schemeClr val="lt1"/>
+          </a:fontRef>
+        </p:style>
+        <p:txBody>
+          <a:bodyPr rtlCol="0" anchor="ctr"/>
+          <a:lstStyle/>
+          <a:p>
+            <a:pPr algn="ctr"/>
+            <a:endParaRPr lang="en-US"/>
+          </a:p>
+        </p:txBody>
+      </p:sp>
+    </p:spTree>
+    <p:extLst>
+      <p:ext uri="{BB962C8B-B14F-4D97-AF65-F5344CB8AC3E}">
+        <p14:creationId xmlns:p14="http://schemas.microsoft.com/office/powerpoint/2010/main" val="872540060"/>
+      </p:ext>
+    </p:extLst>
+  </p:cSld>
+  <p:clrMapOvr>
+    <a:masterClrMapping/>
+  </p:clrMapOvr>
+</p:sld>
+</file>
+
+<file path=ppt/slides/slide30.xml><?xml version="1.0" encoding="utf-8"?>
 <p:sld xmlns:a="http://schemas.openxmlformats.org/drawingml/2006/main" xmlns:r="http://schemas.openxmlformats.org/officeDocument/2006/relationships" xmlns:p="http://schemas.openxmlformats.org/presentationml/2006/main">
   <p:cSld>
     <p:spTree>
@@ -10690,7 +13934,7 @@
 </p:sld>
 </file>
 
-<file path=ppt/slides/slide27.xml><?xml version="1.0" encoding="utf-8"?>
+<file path=ppt/slides/slide31.xml><?xml version="1.0" encoding="utf-8"?>
 <p:sld xmlns:a="http://schemas.openxmlformats.org/drawingml/2006/main" xmlns:r="http://schemas.openxmlformats.org/officeDocument/2006/relationships" xmlns:p="http://schemas.openxmlformats.org/presentationml/2006/main">
   <p:cSld>
     <p:spTree>
@@ -11238,7 +14482,7 @@
 </p:sld>
 </file>
 
-<file path=ppt/slides/slide28.xml><?xml version="1.0" encoding="utf-8"?>
+<file path=ppt/slides/slide32.xml><?xml version="1.0" encoding="utf-8"?>
 <p:sld xmlns:a="http://schemas.openxmlformats.org/drawingml/2006/main" xmlns:r="http://schemas.openxmlformats.org/officeDocument/2006/relationships" xmlns:p="http://schemas.openxmlformats.org/presentationml/2006/main">
   <p:cSld>
     <p:spTree>
@@ -11769,7 +15013,7 @@
 </p:sld>
 </file>
 
-<file path=ppt/slides/slide29.xml><?xml version="1.0" encoding="utf-8"?>
+<file path=ppt/slides/slide33.xml><?xml version="1.0" encoding="utf-8"?>
 <p:sld xmlns:a="http://schemas.openxmlformats.org/drawingml/2006/main" xmlns:r="http://schemas.openxmlformats.org/officeDocument/2006/relationships" xmlns:p="http://schemas.openxmlformats.org/presentationml/2006/main">
   <p:cSld>
     <p:spTree>
@@ -12344,522 +15588,7 @@
 </p:sld>
 </file>
 
-<file path=ppt/slides/slide3.xml><?xml version="1.0" encoding="utf-8"?>
-<p:sld xmlns:a="http://schemas.openxmlformats.org/drawingml/2006/main" xmlns:r="http://schemas.openxmlformats.org/officeDocument/2006/relationships" xmlns:p="http://schemas.openxmlformats.org/presentationml/2006/main">
-  <p:cSld>
-    <p:spTree>
-      <p:nvGrpSpPr>
-        <p:cNvPr id="1" name=""/>
-        <p:cNvGrpSpPr/>
-        <p:nvPr/>
-      </p:nvGrpSpPr>
-      <p:grpSpPr>
-        <a:xfrm>
-          <a:off x="0" y="0"/>
-          <a:ext cx="0" cy="0"/>
-          <a:chOff x="0" y="0"/>
-          <a:chExt cx="0" cy="0"/>
-        </a:xfrm>
-      </p:grpSpPr>
-      <p:sp>
-        <p:nvSpPr>
-          <p:cNvPr id="2" name="Title 1">
-            <a:extLst>
-              <a:ext uri="{FF2B5EF4-FFF2-40B4-BE49-F238E27FC236}">
-                <a16:creationId xmlns:a16="http://schemas.microsoft.com/office/drawing/2014/main" id="{BC18BB12-5D14-4697-BE94-D9F7A3D0B286}"/>
-              </a:ext>
-            </a:extLst>
-          </p:cNvPr>
-          <p:cNvSpPr>
-            <a:spLocks noGrp="1"/>
-          </p:cNvSpPr>
-          <p:nvPr>
-            <p:ph type="title"/>
-          </p:nvPr>
-        </p:nvSpPr>
-        <p:spPr/>
-        <p:txBody>
-          <a:bodyPr>
-            <a:normAutofit fontScale="90000"/>
-          </a:bodyPr>
-          <a:lstStyle/>
-          <a:p>
-            <a:r>
-              <a:rPr lang="en-US" b="1" dirty="0">
-                <a:solidFill>
-                  <a:schemeClr val="accent6"/>
-                </a:solidFill>
-              </a:rPr>
-              <a:t>OOP</a:t>
-            </a:r>
-            <a:r>
-              <a:rPr lang="en-US" b="1" dirty="0"/>
-              <a:t> Recap</a:t>
-            </a:r>
-          </a:p>
-        </p:txBody>
-      </p:sp>
-      <p:sp>
-        <p:nvSpPr>
-          <p:cNvPr id="3" name="Content Placeholder 2">
-            <a:extLst>
-              <a:ext uri="{FF2B5EF4-FFF2-40B4-BE49-F238E27FC236}">
-                <a16:creationId xmlns:a16="http://schemas.microsoft.com/office/drawing/2014/main" id="{CEC1E575-E384-42BD-9506-A4CA1A1F027D}"/>
-              </a:ext>
-            </a:extLst>
-          </p:cNvPr>
-          <p:cNvSpPr>
-            <a:spLocks noGrp="1"/>
-          </p:cNvSpPr>
-          <p:nvPr>
-            <p:ph idx="1"/>
-          </p:nvPr>
-        </p:nvSpPr>
-        <p:spPr>
-          <a:xfrm>
-            <a:off x="838200" y="1825624"/>
-            <a:ext cx="3662548" cy="4835479"/>
-          </a:xfrm>
-        </p:spPr>
-        <p:txBody>
-          <a:bodyPr/>
-          <a:lstStyle/>
-          <a:p>
-            <a:r>
-              <a:rPr lang="en-US" dirty="0"/>
-              <a:t>Everything in Python is an object</a:t>
-            </a:r>
-            <a:r>
-              <a:rPr lang="en-US" dirty="0">
-                <a:solidFill>
-                  <a:schemeClr val="accent2"/>
-                </a:solidFill>
-              </a:rPr>
-              <a:t>.</a:t>
-            </a:r>
-            <a:r>
-              <a:rPr lang="en-US" dirty="0"/>
-              <a:t> </a:t>
-            </a:r>
-          </a:p>
-          <a:p>
-            <a:endParaRPr lang="en-US" dirty="0"/>
-          </a:p>
-        </p:txBody>
-      </p:sp>
-      <p:sp>
-        <p:nvSpPr>
-          <p:cNvPr id="4" name="TextBox 3">
-            <a:extLst>
-              <a:ext uri="{FF2B5EF4-FFF2-40B4-BE49-F238E27FC236}">
-                <a16:creationId xmlns:a16="http://schemas.microsoft.com/office/drawing/2014/main" id="{E2C310BB-787E-4561-9690-719A7A5D84A8}"/>
-              </a:ext>
-            </a:extLst>
-          </p:cNvPr>
-          <p:cNvSpPr txBox="1"/>
-          <p:nvPr/>
-        </p:nvSpPr>
-        <p:spPr>
-          <a:xfrm>
-            <a:off x="4735773" y="1825624"/>
-            <a:ext cx="7419837" cy="3785652"/>
-          </a:xfrm>
-          <a:prstGeom prst="rect">
-            <a:avLst/>
-          </a:prstGeom>
-          <a:noFill/>
-        </p:spPr>
-        <p:txBody>
-          <a:bodyPr wrap="square" rtlCol="0">
-            <a:spAutoFit/>
-          </a:bodyPr>
-          <a:lstStyle/>
-          <a:p>
-            <a:r>
-              <a:rPr lang="en-US" sz="3000" b="1" dirty="0">
-                <a:solidFill>
-                  <a:srgbClr val="E00BE5"/>
-                </a:solidFill>
-                <a:latin typeface="Courier New" panose="02070309020205020404" pitchFamily="49" charset="0"/>
-                <a:cs typeface="Courier New" panose="02070309020205020404" pitchFamily="49" charset="0"/>
-              </a:rPr>
-              <a:t>&gt;&gt;&gt;</a:t>
-            </a:r>
-            <a:r>
-              <a:rPr lang="en-US" sz="3000" b="1" dirty="0">
-                <a:solidFill>
-                  <a:srgbClr val="00FF00"/>
-                </a:solidFill>
-                <a:latin typeface="Courier New" panose="02070309020205020404" pitchFamily="49" charset="0"/>
-                <a:cs typeface="Courier New" panose="02070309020205020404" pitchFamily="49" charset="0"/>
-              </a:rPr>
-              <a:t> isinstance(</a:t>
-            </a:r>
-            <a:r>
-              <a:rPr lang="en-US" sz="3000" b="1" dirty="0">
-                <a:solidFill>
-                  <a:srgbClr val="E00BE5"/>
-                </a:solidFill>
-                <a:latin typeface="Courier New" panose="02070309020205020404" pitchFamily="49" charset="0"/>
-                <a:cs typeface="Courier New" panose="02070309020205020404" pitchFamily="49" charset="0"/>
-              </a:rPr>
-              <a:t>4</a:t>
-            </a:r>
-            <a:r>
-              <a:rPr lang="en-US" sz="3000" b="1" dirty="0">
-                <a:solidFill>
-                  <a:srgbClr val="00FF00"/>
-                </a:solidFill>
-                <a:latin typeface="Courier New" panose="02070309020205020404" pitchFamily="49" charset="0"/>
-                <a:cs typeface="Courier New" panose="02070309020205020404" pitchFamily="49" charset="0"/>
-              </a:rPr>
-              <a:t>, object)</a:t>
-            </a:r>
-          </a:p>
-          <a:p>
-            <a:r>
-              <a:rPr lang="en-US" sz="3000" b="1" dirty="0">
-                <a:solidFill>
-                  <a:srgbClr val="00FF00"/>
-                </a:solidFill>
-                <a:latin typeface="Courier New" panose="02070309020205020404" pitchFamily="49" charset="0"/>
-                <a:cs typeface="Courier New" panose="02070309020205020404" pitchFamily="49" charset="0"/>
-              </a:rPr>
-              <a:t>True</a:t>
-            </a:r>
-          </a:p>
-          <a:p>
-            <a:endParaRPr lang="en-US" sz="3000" b="1" dirty="0">
-              <a:solidFill>
-                <a:srgbClr val="00FF00"/>
-              </a:solidFill>
-              <a:latin typeface="Courier New" panose="02070309020205020404" pitchFamily="49" charset="0"/>
-              <a:cs typeface="Courier New" panose="02070309020205020404" pitchFamily="49" charset="0"/>
-            </a:endParaRPr>
-          </a:p>
-          <a:p>
-            <a:r>
-              <a:rPr lang="en-US" sz="3000" b="1" dirty="0">
-                <a:solidFill>
-                  <a:srgbClr val="E00BE5"/>
-                </a:solidFill>
-                <a:latin typeface="Courier New" panose="02070309020205020404" pitchFamily="49" charset="0"/>
-                <a:cs typeface="Courier New" panose="02070309020205020404" pitchFamily="49" charset="0"/>
-              </a:rPr>
-              <a:t>&gt;&gt;&gt;</a:t>
-            </a:r>
-            <a:r>
-              <a:rPr lang="en-US" sz="3000" b="1" dirty="0">
-                <a:solidFill>
-                  <a:srgbClr val="00FF00"/>
-                </a:solidFill>
-                <a:latin typeface="Courier New" panose="02070309020205020404" pitchFamily="49" charset="0"/>
-                <a:cs typeface="Courier New" panose="02070309020205020404" pitchFamily="49" charset="0"/>
-              </a:rPr>
-              <a:t> isinstance(</a:t>
-            </a:r>
-            <a:r>
-              <a:rPr lang="en-US" sz="3000" b="1" dirty="0">
-                <a:solidFill>
-                  <a:srgbClr val="E00BE5"/>
-                </a:solidFill>
-                <a:latin typeface="Courier New" panose="02070309020205020404" pitchFamily="49" charset="0"/>
-                <a:cs typeface="Courier New" panose="02070309020205020404" pitchFamily="49" charset="0"/>
-              </a:rPr>
-              <a:t>max</a:t>
-            </a:r>
-            <a:r>
-              <a:rPr lang="en-US" sz="3000" b="1" dirty="0">
-                <a:solidFill>
-                  <a:srgbClr val="00FF00"/>
-                </a:solidFill>
-                <a:latin typeface="Courier New" panose="02070309020205020404" pitchFamily="49" charset="0"/>
-                <a:cs typeface="Courier New" panose="02070309020205020404" pitchFamily="49" charset="0"/>
-              </a:rPr>
-              <a:t>, object)</a:t>
-            </a:r>
-          </a:p>
-          <a:p>
-            <a:r>
-              <a:rPr lang="en-US" sz="3000" b="1" dirty="0">
-                <a:solidFill>
-                  <a:srgbClr val="00FF00"/>
-                </a:solidFill>
-                <a:latin typeface="Courier New" panose="02070309020205020404" pitchFamily="49" charset="0"/>
-                <a:cs typeface="Courier New" panose="02070309020205020404" pitchFamily="49" charset="0"/>
-              </a:rPr>
-              <a:t>True</a:t>
-            </a:r>
-          </a:p>
-          <a:p>
-            <a:endParaRPr lang="en-US" sz="3000" b="1" dirty="0">
-              <a:solidFill>
-                <a:srgbClr val="00FF00"/>
-              </a:solidFill>
-              <a:latin typeface="Courier New" panose="02070309020205020404" pitchFamily="49" charset="0"/>
-              <a:cs typeface="Courier New" panose="02070309020205020404" pitchFamily="49" charset="0"/>
-            </a:endParaRPr>
-          </a:p>
-          <a:p>
-            <a:r>
-              <a:rPr lang="en-US" sz="3000" b="1" dirty="0">
-                <a:solidFill>
-                  <a:srgbClr val="E00BE5"/>
-                </a:solidFill>
-                <a:latin typeface="Courier New" panose="02070309020205020404" pitchFamily="49" charset="0"/>
-                <a:cs typeface="Courier New" panose="02070309020205020404" pitchFamily="49" charset="0"/>
-              </a:rPr>
-              <a:t>&gt;&gt;&gt;</a:t>
-            </a:r>
-            <a:r>
-              <a:rPr lang="en-US" sz="3000" b="1" dirty="0">
-                <a:solidFill>
-                  <a:srgbClr val="00FF00"/>
-                </a:solidFill>
-                <a:latin typeface="Courier New" panose="02070309020205020404" pitchFamily="49" charset="0"/>
-                <a:cs typeface="Courier New" panose="02070309020205020404" pitchFamily="49" charset="0"/>
-              </a:rPr>
-              <a:t> isinstance(</a:t>
-            </a:r>
-            <a:r>
-              <a:rPr lang="en-US" sz="3000" b="1" dirty="0">
-                <a:solidFill>
-                  <a:srgbClr val="E00BE5"/>
-                </a:solidFill>
-                <a:latin typeface="Courier New" panose="02070309020205020404" pitchFamily="49" charset="0"/>
-                <a:cs typeface="Courier New" panose="02070309020205020404" pitchFamily="49" charset="0"/>
-              </a:rPr>
-              <a:t>“Hello”</a:t>
-            </a:r>
-            <a:r>
-              <a:rPr lang="en-US" sz="3000" b="1" dirty="0">
-                <a:solidFill>
-                  <a:srgbClr val="00FF00"/>
-                </a:solidFill>
-                <a:latin typeface="Courier New" panose="02070309020205020404" pitchFamily="49" charset="0"/>
-                <a:cs typeface="Courier New" panose="02070309020205020404" pitchFamily="49" charset="0"/>
-              </a:rPr>
-              <a:t>, object)</a:t>
-            </a:r>
-          </a:p>
-          <a:p>
-            <a:r>
-              <a:rPr lang="en-US" sz="3000" b="1" dirty="0">
-                <a:solidFill>
-                  <a:srgbClr val="00FF00"/>
-                </a:solidFill>
-                <a:latin typeface="Courier New" panose="02070309020205020404" pitchFamily="49" charset="0"/>
-                <a:cs typeface="Courier New" panose="02070309020205020404" pitchFamily="49" charset="0"/>
-              </a:rPr>
-              <a:t>True</a:t>
-            </a:r>
-          </a:p>
-        </p:txBody>
-      </p:sp>
-      <p:sp>
-        <p:nvSpPr>
-          <p:cNvPr id="5" name="TextBox 4">
-            <a:extLst>
-              <a:ext uri="{FF2B5EF4-FFF2-40B4-BE49-F238E27FC236}">
-                <a16:creationId xmlns:a16="http://schemas.microsoft.com/office/drawing/2014/main" id="{28058D2A-C49D-4615-92A3-D17084EEAB2C}"/>
-              </a:ext>
-            </a:extLst>
-          </p:cNvPr>
-          <p:cNvSpPr txBox="1"/>
-          <p:nvPr/>
-        </p:nvSpPr>
-        <p:spPr>
-          <a:xfrm>
-            <a:off x="7560583" y="472833"/>
-            <a:ext cx="3872150" cy="1077218"/>
-          </a:xfrm>
-          <a:prstGeom prst="rect">
-            <a:avLst/>
-          </a:prstGeom>
-          <a:noFill/>
-        </p:spPr>
-        <p:txBody>
-          <a:bodyPr wrap="none" rtlCol="0">
-            <a:spAutoFit/>
-          </a:bodyPr>
-          <a:lstStyle/>
-          <a:p>
-            <a:r>
-              <a:rPr lang="en-US" sz="3200" dirty="0">
-                <a:solidFill>
-                  <a:srgbClr val="FFFFFF"/>
-                </a:solidFill>
-              </a:rPr>
-              <a:t>Is </a:t>
-            </a:r>
-            <a:r>
-              <a:rPr lang="en-US" sz="3200" b="1" dirty="0">
-                <a:solidFill>
-                  <a:schemeClr val="accent2"/>
-                </a:solidFill>
-              </a:rPr>
-              <a:t>this</a:t>
-            </a:r>
-            <a:r>
-              <a:rPr lang="en-US" sz="3200" dirty="0">
-                <a:solidFill>
-                  <a:srgbClr val="FFFFFF"/>
-                </a:solidFill>
-              </a:rPr>
-              <a:t> an instance </a:t>
-            </a:r>
-          </a:p>
-          <a:p>
-            <a:r>
-              <a:rPr lang="en-US" sz="3200" dirty="0">
-                <a:solidFill>
-                  <a:srgbClr val="FFFFFF"/>
-                </a:solidFill>
-              </a:rPr>
-              <a:t>             of </a:t>
-            </a:r>
-            <a:r>
-              <a:rPr lang="en-US" sz="3200" b="1" dirty="0">
-                <a:solidFill>
-                  <a:schemeClr val="accent6"/>
-                </a:solidFill>
-              </a:rPr>
-              <a:t>this </a:t>
-            </a:r>
-            <a:r>
-              <a:rPr lang="en-US" sz="3200" dirty="0">
-                <a:solidFill>
-                  <a:srgbClr val="FFFFFF"/>
-                </a:solidFill>
-              </a:rPr>
-              <a:t>class</a:t>
-            </a:r>
-            <a:r>
-              <a:rPr lang="en-US" sz="3200" dirty="0">
-                <a:solidFill>
-                  <a:schemeClr val="accent2"/>
-                </a:solidFill>
-              </a:rPr>
-              <a:t>.</a:t>
-            </a:r>
-          </a:p>
-        </p:txBody>
-      </p:sp>
-      <p:sp>
-        <p:nvSpPr>
-          <p:cNvPr id="6" name="Arrow: Down 5">
-            <a:extLst>
-              <a:ext uri="{FF2B5EF4-FFF2-40B4-BE49-F238E27FC236}">
-                <a16:creationId xmlns:a16="http://schemas.microsoft.com/office/drawing/2014/main" id="{341A8AF3-75D1-4540-B18F-994C01DE6CAA}"/>
-              </a:ext>
-            </a:extLst>
-          </p:cNvPr>
-          <p:cNvSpPr/>
-          <p:nvPr/>
-        </p:nvSpPr>
-        <p:spPr>
-          <a:xfrm>
-            <a:off x="8216528" y="1050878"/>
-            <a:ext cx="354842" cy="877928"/>
-          </a:xfrm>
-          <a:prstGeom prst="downArrow">
-            <a:avLst/>
-          </a:prstGeom>
-          <a:ln>
-            <a:noFill/>
-          </a:ln>
-        </p:spPr>
-        <p:style>
-          <a:lnRef idx="2">
-            <a:schemeClr val="accent1">
-              <a:shade val="50000"/>
-            </a:schemeClr>
-          </a:lnRef>
-          <a:fillRef idx="1">
-            <a:schemeClr val="accent1"/>
-          </a:fillRef>
-          <a:effectRef idx="0">
-            <a:schemeClr val="accent1"/>
-          </a:effectRef>
-          <a:fontRef idx="minor">
-            <a:schemeClr val="lt1"/>
-          </a:fontRef>
-        </p:style>
-        <p:txBody>
-          <a:bodyPr rtlCol="0" anchor="ctr"/>
-          <a:lstStyle/>
-          <a:p>
-            <a:pPr algn="ctr"/>
-            <a:endParaRPr lang="en-US"/>
-          </a:p>
-        </p:txBody>
-      </p:sp>
-      <p:sp>
-        <p:nvSpPr>
-          <p:cNvPr id="7" name="Arrow: Down 6">
-            <a:extLst>
-              <a:ext uri="{FF2B5EF4-FFF2-40B4-BE49-F238E27FC236}">
-                <a16:creationId xmlns:a16="http://schemas.microsoft.com/office/drawing/2014/main" id="{DC95F7E3-CCC0-4B9D-AD55-267D59AA6F7E}"/>
-              </a:ext>
-            </a:extLst>
-          </p:cNvPr>
-          <p:cNvSpPr/>
-          <p:nvPr/>
-        </p:nvSpPr>
-        <p:spPr>
-          <a:xfrm>
-            <a:off x="9761180" y="1548199"/>
-            <a:ext cx="354842" cy="380608"/>
-          </a:xfrm>
-          <a:prstGeom prst="downArrow">
-            <a:avLst/>
-          </a:prstGeom>
-          <a:solidFill>
-            <a:schemeClr val="accent6"/>
-          </a:solidFill>
-          <a:ln>
-            <a:noFill/>
-          </a:ln>
-        </p:spPr>
-        <p:style>
-          <a:lnRef idx="2">
-            <a:schemeClr val="accent1">
-              <a:shade val="50000"/>
-            </a:schemeClr>
-          </a:lnRef>
-          <a:fillRef idx="1">
-            <a:schemeClr val="accent1"/>
-          </a:fillRef>
-          <a:effectRef idx="0">
-            <a:schemeClr val="accent1"/>
-          </a:effectRef>
-          <a:fontRef idx="minor">
-            <a:schemeClr val="lt1"/>
-          </a:fontRef>
-        </p:style>
-        <p:txBody>
-          <a:bodyPr rtlCol="0" anchor="ctr"/>
-          <a:lstStyle/>
-          <a:p>
-            <a:pPr algn="ctr"/>
-            <a:endParaRPr lang="en-US"/>
-          </a:p>
-        </p:txBody>
-      </p:sp>
-    </p:spTree>
-    <p:extLst>
-      <p:ext uri="{BB962C8B-B14F-4D97-AF65-F5344CB8AC3E}">
-        <p14:creationId xmlns:p14="http://schemas.microsoft.com/office/powerpoint/2010/main" val="872540060"/>
-      </p:ext>
-    </p:extLst>
-  </p:cSld>
-  <p:clrMapOvr>
-    <a:masterClrMapping/>
-  </p:clrMapOvr>
-</p:sld>
-</file>
-
-<file path=ppt/slides/slide30.xml><?xml version="1.0" encoding="utf-8"?>
+<file path=ppt/slides/slide34.xml><?xml version="1.0" encoding="utf-8"?>
 <p:sld xmlns:a="http://schemas.openxmlformats.org/drawingml/2006/main" xmlns:r="http://schemas.openxmlformats.org/officeDocument/2006/relationships" xmlns:p="http://schemas.openxmlformats.org/presentationml/2006/main">
   <p:cSld>
     <p:spTree>
@@ -13331,7 +16060,7 @@
 </p:sld>
 </file>
 
-<file path=ppt/slides/slide31.xml><?xml version="1.0" encoding="utf-8"?>
+<file path=ppt/slides/slide35.xml><?xml version="1.0" encoding="utf-8"?>
 <p:sld xmlns:a="http://schemas.openxmlformats.org/drawingml/2006/main" xmlns:r="http://schemas.openxmlformats.org/officeDocument/2006/relationships" xmlns:p="http://schemas.openxmlformats.org/presentationml/2006/main">
   <p:cSld>
     <p:spTree>
@@ -13585,7 +16314,7 @@
 </p:sld>
 </file>
 
-<file path=ppt/slides/slide32.xml><?xml version="1.0" encoding="utf-8"?>
+<file path=ppt/slides/slide36.xml><?xml version="1.0" encoding="utf-8"?>
 <p:sld xmlns:a="http://schemas.openxmlformats.org/drawingml/2006/main" xmlns:r="http://schemas.openxmlformats.org/officeDocument/2006/relationships" xmlns:p="http://schemas.openxmlformats.org/presentationml/2006/main">
   <p:cSld>
     <p:spTree>
@@ -13861,7 +16590,7 @@
 </p:sld>
 </file>
 
-<file path=ppt/slides/slide33.xml><?xml version="1.0" encoding="utf-8"?>
+<file path=ppt/slides/slide37.xml><?xml version="1.0" encoding="utf-8"?>
 <p:sld xmlns:a="http://schemas.openxmlformats.org/drawingml/2006/main" xmlns:r="http://schemas.openxmlformats.org/officeDocument/2006/relationships" xmlns:p="http://schemas.openxmlformats.org/presentationml/2006/main">
   <p:cSld>
     <p:spTree>
@@ -14143,7 +16872,7 @@
 </p:sld>
 </file>
 
-<file path=ppt/slides/slide34.xml><?xml version="1.0" encoding="utf-8"?>
+<file path=ppt/slides/slide38.xml><?xml version="1.0" encoding="utf-8"?>
 <p:sld xmlns:a="http://schemas.openxmlformats.org/drawingml/2006/main" xmlns:r="http://schemas.openxmlformats.org/officeDocument/2006/relationships" xmlns:p="http://schemas.openxmlformats.org/presentationml/2006/main">
   <p:cSld>
     <p:spTree>
@@ -17403,7 +20132,7 @@
           <a:p>
             <a:r>
               <a:rPr lang="en-US" dirty="0"/>
-              <a:t>Reference to the instance of the class</a:t>
+              <a:t>Reference to the instance of the class inside of the class definition</a:t>
             </a:r>
             <a:r>
               <a:rPr lang="en-US" dirty="0">

--- a/lectures/week10/lecture2/slides/week10_lecture2.pptx
+++ b/lectures/week10/lecture2/slides/week10_lecture2.pptx
@@ -3673,7 +3673,7 @@
         <p:spPr>
           <a:xfrm>
             <a:off x="3563439" y="4984227"/>
-            <a:ext cx="1870897" cy="923330"/>
+            <a:ext cx="2677336" cy="1200329"/>
           </a:xfrm>
           <a:prstGeom prst="rect">
             <a:avLst/>
@@ -3704,7 +3704,7 @@
           </a:p>
           <a:p>
             <a:r>
-              <a:rPr lang="en-US" b="1" dirty="0">
+              <a:rPr lang="en-US" sz="3600" b="1" dirty="0">
                 <a:solidFill>
                   <a:schemeClr val="accent1"/>
                 </a:solidFill>
@@ -3712,7 +3712,7 @@
               <a:t>(</a:t>
             </a:r>
             <a:r>
-              <a:rPr lang="en-US" b="1" dirty="0">
+              <a:rPr lang="en-US" sz="3600" b="1" dirty="0">
                 <a:solidFill>
                   <a:srgbClr val="FFFFFF"/>
                 </a:solidFill>
@@ -3720,7 +3720,7 @@
               <a:t>IDE Demo</a:t>
             </a:r>
             <a:r>
-              <a:rPr lang="en-US" b="1" dirty="0">
+              <a:rPr lang="en-US" sz="3600" b="1" dirty="0">
                 <a:solidFill>
                   <a:schemeClr val="accent1"/>
                 </a:solidFill>
@@ -6991,7 +6991,7 @@
             </a:r>
             <a:r>
               <a:rPr lang="en-US" dirty="0"/>
-              <a:t> Robot Localization</a:t>
+              <a:t> Stock Market</a:t>
             </a:r>
           </a:p>
           <a:p>
